--- a/Template -  06 - Final Presentation_FYP2.pptx
+++ b/Template -  06 - Final Presentation_FYP2.pptx
@@ -21,23 +21,22 @@
     <p:sldId id="264" r:id="rId15"/>
     <p:sldId id="269" r:id="rId16"/>
     <p:sldId id="282" r:id="rId17"/>
-    <p:sldId id="290" r:id="rId18"/>
-    <p:sldId id="291" r:id="rId19"/>
-    <p:sldId id="292" r:id="rId20"/>
-    <p:sldId id="293" r:id="rId21"/>
-    <p:sldId id="265" r:id="rId22"/>
-    <p:sldId id="294" r:id="rId23"/>
-    <p:sldId id="295" r:id="rId24"/>
-    <p:sldId id="272" r:id="rId25"/>
-    <p:sldId id="296" r:id="rId26"/>
-    <p:sldId id="279" r:id="rId27"/>
-    <p:sldId id="273" r:id="rId28"/>
-    <p:sldId id="297" r:id="rId29"/>
-    <p:sldId id="298" r:id="rId30"/>
-    <p:sldId id="280" r:id="rId31"/>
-    <p:sldId id="267" r:id="rId32"/>
-    <p:sldId id="268" r:id="rId33"/>
-    <p:sldId id="299" r:id="rId34"/>
+    <p:sldId id="300" r:id="rId18"/>
+    <p:sldId id="292" r:id="rId19"/>
+    <p:sldId id="293" r:id="rId20"/>
+    <p:sldId id="265" r:id="rId21"/>
+    <p:sldId id="294" r:id="rId22"/>
+    <p:sldId id="295" r:id="rId23"/>
+    <p:sldId id="272" r:id="rId24"/>
+    <p:sldId id="296" r:id="rId25"/>
+    <p:sldId id="279" r:id="rId26"/>
+    <p:sldId id="273" r:id="rId27"/>
+    <p:sldId id="297" r:id="rId28"/>
+    <p:sldId id="298" r:id="rId29"/>
+    <p:sldId id="280" r:id="rId30"/>
+    <p:sldId id="267" r:id="rId31"/>
+    <p:sldId id="268" r:id="rId32"/>
+    <p:sldId id="299" r:id="rId33"/>
   </p:sldIdLst>
   <p:sldSz cx="9144000" cy="6858000" type="screen4x3"/>
   <p:notesSz cx="7315200" cy="9601200"/>
@@ -374,7 +373,7 @@
               <a:pPr>
                 <a:defRPr/>
               </a:pPr>
-              <a:t>2/6/2023</a:t>
+              <a:t>2/7/2023</a:t>
             </a:fld>
             <a:endParaRPr lang="en-US"/>
           </a:p>
@@ -569,7 +568,7 @@
               <a:pPr>
                 <a:defRPr/>
               </a:pPr>
-              <a:t>2/6/2023</a:t>
+              <a:t>2/7/2023</a:t>
             </a:fld>
             <a:endParaRPr lang="en-US"/>
           </a:p>
@@ -774,7 +773,7 @@
               <a:pPr>
                 <a:defRPr/>
               </a:pPr>
-              <a:t>2/6/2023</a:t>
+              <a:t>2/7/2023</a:t>
             </a:fld>
             <a:endParaRPr lang="en-US"/>
           </a:p>
@@ -969,7 +968,7 @@
               <a:pPr>
                 <a:defRPr/>
               </a:pPr>
-              <a:t>2/6/2023</a:t>
+              <a:t>2/7/2023</a:t>
             </a:fld>
             <a:endParaRPr lang="en-US"/>
           </a:p>
@@ -1241,7 +1240,7 @@
               <a:pPr>
                 <a:defRPr/>
               </a:pPr>
-              <a:t>2/6/2023</a:t>
+              <a:t>2/7/2023</a:t>
             </a:fld>
             <a:endParaRPr lang="en-US"/>
           </a:p>
@@ -1553,7 +1552,7 @@
               <a:pPr>
                 <a:defRPr/>
               </a:pPr>
-              <a:t>2/6/2023</a:t>
+              <a:t>2/7/2023</a:t>
             </a:fld>
             <a:endParaRPr lang="en-US"/>
           </a:p>
@@ -1999,7 +1998,7 @@
               <a:pPr>
                 <a:defRPr/>
               </a:pPr>
-              <a:t>2/6/2023</a:t>
+              <a:t>2/7/2023</a:t>
             </a:fld>
             <a:endParaRPr lang="en-US"/>
           </a:p>
@@ -2143,7 +2142,7 @@
               <a:pPr>
                 <a:defRPr/>
               </a:pPr>
-              <a:t>2/6/2023</a:t>
+              <a:t>2/7/2023</a:t>
             </a:fld>
             <a:endParaRPr lang="en-US"/>
           </a:p>
@@ -2265,7 +2264,7 @@
               <a:pPr>
                 <a:defRPr/>
               </a:pPr>
-              <a:t>2/6/2023</a:t>
+              <a:t>2/7/2023</a:t>
             </a:fld>
             <a:endParaRPr lang="en-US"/>
           </a:p>
@@ -2567,7 +2566,7 @@
               <a:pPr>
                 <a:defRPr/>
               </a:pPr>
-              <a:t>2/6/2023</a:t>
+              <a:t>2/7/2023</a:t>
             </a:fld>
             <a:endParaRPr lang="en-US"/>
           </a:p>
@@ -2849,7 +2848,7 @@
               <a:pPr>
                 <a:defRPr/>
               </a:pPr>
-              <a:t>2/6/2023</a:t>
+              <a:t>2/7/2023</a:t>
             </a:fld>
             <a:endParaRPr lang="en-US"/>
           </a:p>
@@ -3143,7 +3142,7 @@
               <a:pPr>
                 <a:defRPr/>
               </a:pPr>
-              <a:t>2/6/2023</a:t>
+              <a:t>2/7/2023</a:t>
             </a:fld>
             <a:endParaRPr lang="en-US"/>
           </a:p>
@@ -3742,7 +3741,7 @@
               <a:defRPr/>
             </a:pPr>
             <a:r>
-              <a:rPr lang="en-US" sz="1400" dirty="0"/>
+              <a:rPr lang="en-US" sz="1800" dirty="0"/>
               <a:t>Supervised By: Syed Murtaza Pasha</a:t>
             </a:r>
           </a:p>
@@ -10184,519 +10183,371 @@
           </a:p>
         </p:txBody>
       </p:sp>
-      <p:graphicFrame>
-        <p:nvGraphicFramePr>
-          <p:cNvPr id="4" name="Table 4">
+      <p:sp>
+        <p:nvSpPr>
+          <p:cNvPr id="15" name="TextBox 14">
             <a:extLst>
               <a:ext uri="{FF2B5EF4-FFF2-40B4-BE49-F238E27FC236}">
-                <a16:creationId xmlns:a16="http://schemas.microsoft.com/office/drawing/2014/main" id="{E17EC626-FE81-D5C5-44CA-EFD3615EC41F}"/>
+                <a16:creationId xmlns:a16="http://schemas.microsoft.com/office/drawing/2014/main" id="{96FD955B-F3DC-CC94-6AE3-69086F611292}"/>
               </a:ext>
             </a:extLst>
           </p:cNvPr>
-          <p:cNvGraphicFramePr>
-            <a:graphicFrameLocks noGrp="1"/>
-          </p:cNvGraphicFramePr>
-          <p:nvPr>
-            <p:ph idx="1"/>
-            <p:extLst>
-              <p:ext uri="{D42A27DB-BD31-4B8C-83A1-F6EECF244321}">
-                <p14:modId xmlns:p14="http://schemas.microsoft.com/office/powerpoint/2010/main" val="3116453057"/>
-              </p:ext>
-            </p:extLst>
-          </p:nvPr>
-        </p:nvGraphicFramePr>
-        <p:xfrm>
-          <a:off x="457200" y="1600200"/>
-          <a:ext cx="4114800" cy="3886200"/>
-        </p:xfrm>
-        <a:graphic>
-          <a:graphicData uri="http://schemas.openxmlformats.org/drawingml/2006/table">
-            <a:tbl>
-              <a:tblPr firstRow="1" bandRow="1">
-                <a:tableStyleId>{5C22544A-7EE6-4342-B048-85BDC9FD1C3A}</a:tableStyleId>
-              </a:tblPr>
-              <a:tblGrid>
-                <a:gridCol w="4114800">
-                  <a:extLst>
-                    <a:ext uri="{9D8B030D-6E8A-4147-A177-3AD203B41FA5}">
-                      <a16:colId xmlns:a16="http://schemas.microsoft.com/office/drawing/2014/main" val="2795525634"/>
-                    </a:ext>
-                  </a:extLst>
-                </a:gridCol>
-              </a:tblGrid>
-              <a:tr h="485775">
-                <a:tc>
-                  <a:txBody>
-                    <a:bodyPr/>
-                    <a:lstStyle/>
-                    <a:p>
-                      <a:pPr marL="0" indent="0">
-                        <a:buClr>
-                          <a:srgbClr val="92D050"/>
-                        </a:buClr>
-                        <a:buFont typeface="Arial" panose="020B0604020202020204" pitchFamily="34" charset="0"/>
-                        <a:buNone/>
-                      </a:pPr>
-                      <a:r>
-                        <a:rPr lang="en-US" sz="2000" dirty="0"/>
-                        <a:t>Project Proposal</a:t>
-                      </a:r>
-                    </a:p>
-                  </a:txBody>
-                  <a:tcPr/>
-                </a:tc>
-                <a:extLst>
-                  <a:ext uri="{0D108BD9-81ED-4DB2-BD59-A6C34878D82A}">
-                    <a16:rowId xmlns:a16="http://schemas.microsoft.com/office/drawing/2014/main" val="1197477724"/>
-                  </a:ext>
-                </a:extLst>
-              </a:tr>
-              <a:tr h="485775">
-                <a:tc>
-                  <a:txBody>
-                    <a:bodyPr/>
-                    <a:lstStyle/>
-                    <a:p>
-                      <a:pPr marL="342900" indent="-342900">
-                        <a:buClr>
-                          <a:srgbClr val="92D050"/>
-                        </a:buClr>
-                        <a:buFontTx/>
-                        <a:buBlip>
-                          <a:blip r:embed="rId2"/>
-                        </a:buBlip>
-                      </a:pPr>
-                      <a:r>
-                        <a:rPr lang="en-US" sz="2000" dirty="0"/>
-                        <a:t>Initial Proposal</a:t>
-                      </a:r>
-                    </a:p>
-                  </a:txBody>
-                  <a:tcPr/>
-                </a:tc>
-                <a:extLst>
-                  <a:ext uri="{0D108BD9-81ED-4DB2-BD59-A6C34878D82A}">
-                    <a16:rowId xmlns:a16="http://schemas.microsoft.com/office/drawing/2014/main" val="2251047206"/>
-                  </a:ext>
-                </a:extLst>
-              </a:tr>
-              <a:tr h="485775">
-                <a:tc>
-                  <a:txBody>
-                    <a:bodyPr/>
-                    <a:lstStyle/>
-                    <a:p>
-                      <a:pPr marL="342900" indent="-342900">
-                        <a:buClr>
-                          <a:srgbClr val="92D050"/>
-                        </a:buClr>
-                        <a:buFontTx/>
-                        <a:buBlip>
-                          <a:blip r:embed="rId2"/>
-                        </a:buBlip>
-                      </a:pPr>
-                      <a:r>
-                        <a:rPr lang="en-US" sz="2000" dirty="0"/>
-                        <a:t>Proposal Presentation</a:t>
-                      </a:r>
-                    </a:p>
-                  </a:txBody>
-                  <a:tcPr/>
-                </a:tc>
-                <a:extLst>
-                  <a:ext uri="{0D108BD9-81ED-4DB2-BD59-A6C34878D82A}">
-                    <a16:rowId xmlns:a16="http://schemas.microsoft.com/office/drawing/2014/main" val="2401819574"/>
-                  </a:ext>
-                </a:extLst>
-              </a:tr>
-              <a:tr h="485775">
-                <a:tc>
-                  <a:txBody>
-                    <a:bodyPr/>
-                    <a:lstStyle/>
-                    <a:p>
-                      <a:pPr marL="0" indent="0">
-                        <a:buFont typeface="Arial" panose="020B0604020202020204" pitchFamily="34" charset="0"/>
-                        <a:buNone/>
-                      </a:pPr>
-                      <a:r>
-                        <a:rPr lang="en-US" sz="2000" b="1" dirty="0">
-                          <a:solidFill>
-                            <a:schemeClr val="bg1"/>
-                          </a:solidFill>
-                        </a:rPr>
-                        <a:t>Planning</a:t>
-                      </a:r>
-                    </a:p>
-                  </a:txBody>
-                  <a:tcPr>
-                    <a:solidFill>
-                      <a:schemeClr val="accent1"/>
-                    </a:solidFill>
-                  </a:tcPr>
-                </a:tc>
-                <a:extLst>
-                  <a:ext uri="{0D108BD9-81ED-4DB2-BD59-A6C34878D82A}">
-                    <a16:rowId xmlns:a16="http://schemas.microsoft.com/office/drawing/2014/main" val="3555942847"/>
-                  </a:ext>
-                </a:extLst>
-              </a:tr>
-              <a:tr h="485775">
-                <a:tc>
-                  <a:txBody>
-                    <a:bodyPr/>
-                    <a:lstStyle/>
-                    <a:p>
-                      <a:pPr marL="342900" indent="-342900">
-                        <a:buFontTx/>
-                        <a:buBlip>
-                          <a:blip r:embed="rId2"/>
-                        </a:buBlip>
-                      </a:pPr>
-                      <a:r>
-                        <a:rPr lang="en-US" sz="2000" dirty="0"/>
-                        <a:t>Work Breakdown Structure</a:t>
-                      </a:r>
-                    </a:p>
-                  </a:txBody>
-                  <a:tcPr/>
-                </a:tc>
-                <a:extLst>
-                  <a:ext uri="{0D108BD9-81ED-4DB2-BD59-A6C34878D82A}">
-                    <a16:rowId xmlns:a16="http://schemas.microsoft.com/office/drawing/2014/main" val="3476047409"/>
-                  </a:ext>
-                </a:extLst>
-              </a:tr>
-              <a:tr h="485775">
-                <a:tc>
-                  <a:txBody>
-                    <a:bodyPr/>
-                    <a:lstStyle/>
-                    <a:p>
-                      <a:pPr marL="342900" indent="-342900">
-                        <a:buFontTx/>
-                        <a:buBlip>
-                          <a:blip r:embed="rId2"/>
-                        </a:buBlip>
-                      </a:pPr>
-                      <a:r>
-                        <a:rPr lang="en-US" sz="2000" dirty="0"/>
-                        <a:t>Roles and Responsibility Matrix</a:t>
-                      </a:r>
-                    </a:p>
-                  </a:txBody>
-                  <a:tcPr/>
-                </a:tc>
-                <a:extLst>
-                  <a:ext uri="{0D108BD9-81ED-4DB2-BD59-A6C34878D82A}">
-                    <a16:rowId xmlns:a16="http://schemas.microsoft.com/office/drawing/2014/main" val="1115908798"/>
-                  </a:ext>
-                </a:extLst>
-              </a:tr>
-              <a:tr h="485775">
-                <a:tc>
-                  <a:txBody>
-                    <a:bodyPr/>
-                    <a:lstStyle/>
-                    <a:p>
-                      <a:pPr marL="0" indent="0">
-                        <a:buFontTx/>
-                        <a:buNone/>
-                      </a:pPr>
-                      <a:r>
-                        <a:rPr lang="en-US" sz="2000" b="1" dirty="0">
-                          <a:solidFill>
-                            <a:schemeClr val="bg1"/>
-                          </a:solidFill>
-                        </a:rPr>
-                        <a:t>Literature</a:t>
-                      </a:r>
-                    </a:p>
-                  </a:txBody>
-                  <a:tcPr>
-                    <a:solidFill>
-                      <a:schemeClr val="accent1"/>
-                    </a:solidFill>
-                  </a:tcPr>
-                </a:tc>
-                <a:extLst>
-                  <a:ext uri="{0D108BD9-81ED-4DB2-BD59-A6C34878D82A}">
-                    <a16:rowId xmlns:a16="http://schemas.microsoft.com/office/drawing/2014/main" val="1718515457"/>
-                  </a:ext>
-                </a:extLst>
-              </a:tr>
-              <a:tr h="485775">
-                <a:tc>
-                  <a:txBody>
-                    <a:bodyPr/>
-                    <a:lstStyle/>
-                    <a:p>
-                      <a:pPr marL="342900" indent="-342900">
-                        <a:buFontTx/>
-                        <a:buBlip>
-                          <a:blip r:embed="rId2"/>
-                        </a:buBlip>
-                      </a:pPr>
-                      <a:r>
-                        <a:rPr lang="en-US" sz="2000" dirty="0"/>
-                        <a:t>Market Survey/Review</a:t>
-                      </a:r>
-                    </a:p>
-                  </a:txBody>
-                  <a:tcPr/>
-                </a:tc>
-                <a:extLst>
-                  <a:ext uri="{0D108BD9-81ED-4DB2-BD59-A6C34878D82A}">
-                    <a16:rowId xmlns:a16="http://schemas.microsoft.com/office/drawing/2014/main" val="2138955017"/>
-                  </a:ext>
-                </a:extLst>
-              </a:tr>
-            </a:tbl>
-          </a:graphicData>
-        </a:graphic>
-      </p:graphicFrame>
-      <p:graphicFrame>
-        <p:nvGraphicFramePr>
-          <p:cNvPr id="10" name="Table 4">
+          <p:cNvSpPr txBox="1"/>
+          <p:nvPr/>
+        </p:nvSpPr>
+        <p:spPr>
+          <a:xfrm>
+            <a:off x="762000" y="1295399"/>
+            <a:ext cx="4572000" cy="6047809"/>
+          </a:xfrm>
+          <a:prstGeom prst="rect">
+            <a:avLst/>
+          </a:prstGeom>
+          <a:noFill/>
+        </p:spPr>
+        <p:txBody>
+          <a:bodyPr wrap="square">
+            <a:spAutoFit/>
+          </a:bodyPr>
+          <a:lstStyle/>
+          <a:p>
+            <a:pPr marL="342900" indent="-342900">
+              <a:lnSpc>
+                <a:spcPct val="150000"/>
+              </a:lnSpc>
+              <a:buFont typeface="Wingdings" panose="05000000000000000000" pitchFamily="2" charset="2"/>
+              <a:buChar char="§"/>
+            </a:pPr>
+            <a:r>
+              <a:rPr lang="en-US" sz="2200" b="1" strike="sngStrike" dirty="0"/>
+              <a:t>Project</a:t>
+            </a:r>
+            <a:r>
+              <a:rPr lang="en-US" sz="2400" b="1" strike="sngStrike" dirty="0"/>
+              <a:t> Proposal</a:t>
+            </a:r>
+          </a:p>
+          <a:p>
+            <a:pPr marL="742950" lvl="1" indent="-285750">
+              <a:buFont typeface="Wingdings" panose="05000000000000000000" pitchFamily="2" charset="2"/>
+              <a:buChar char="ü"/>
+            </a:pPr>
+            <a:r>
+              <a:rPr lang="en-US" strike="sngStrike" dirty="0"/>
+              <a:t>Initial Proposal</a:t>
+            </a:r>
+          </a:p>
+          <a:p>
+            <a:pPr marL="742950" lvl="1" indent="-285750">
+              <a:buFont typeface="Wingdings" panose="05000000000000000000" pitchFamily="2" charset="2"/>
+              <a:buChar char="ü"/>
+            </a:pPr>
+            <a:r>
+              <a:rPr lang="en-US" strike="sngStrike" dirty="0"/>
+              <a:t>Project Presentation</a:t>
+            </a:r>
+          </a:p>
+          <a:p>
+            <a:pPr marL="342900" indent="-342900">
+              <a:lnSpc>
+                <a:spcPct val="150000"/>
+              </a:lnSpc>
+              <a:buFont typeface="Wingdings" panose="05000000000000000000" pitchFamily="2" charset="2"/>
+              <a:buChar char="§"/>
+            </a:pPr>
+            <a:r>
+              <a:rPr lang="en-US" sz="2200" b="1" strike="sngStrike" dirty="0"/>
+              <a:t>Planning</a:t>
+            </a:r>
+          </a:p>
+          <a:p>
+            <a:pPr marL="742950" lvl="1" indent="-285750">
+              <a:buFont typeface="Wingdings" panose="05000000000000000000" pitchFamily="2" charset="2"/>
+              <a:buChar char="ü"/>
+            </a:pPr>
+            <a:r>
+              <a:rPr lang="en-US" strike="sngStrike" dirty="0"/>
+              <a:t>Work Breakdown Structure</a:t>
+            </a:r>
+          </a:p>
+          <a:p>
+            <a:pPr marL="742950" lvl="1" indent="-285750">
+              <a:buFont typeface="Wingdings" panose="05000000000000000000" pitchFamily="2" charset="2"/>
+              <a:buChar char="ü"/>
+            </a:pPr>
+            <a:r>
+              <a:rPr lang="en-US" strike="sngStrike" dirty="0"/>
+              <a:t>Roles and Responsibility Matrix</a:t>
+            </a:r>
+          </a:p>
+          <a:p>
+            <a:pPr marL="342900" indent="-342900">
+              <a:lnSpc>
+                <a:spcPct val="150000"/>
+              </a:lnSpc>
+              <a:buFont typeface="Wingdings" panose="05000000000000000000" pitchFamily="2" charset="2"/>
+              <a:buChar char="§"/>
+            </a:pPr>
+            <a:r>
+              <a:rPr lang="en-US" sz="2200" b="1" strike="sngStrike" dirty="0"/>
+              <a:t>Literature</a:t>
+            </a:r>
+            <a:r>
+              <a:rPr lang="en-US" sz="2000" strike="sngStrike" dirty="0"/>
+              <a:t> </a:t>
+            </a:r>
+          </a:p>
+          <a:p>
+            <a:pPr marL="742950" lvl="1" indent="-285750">
+              <a:lnSpc>
+                <a:spcPct val="150000"/>
+              </a:lnSpc>
+              <a:buFont typeface="Wingdings" panose="05000000000000000000" pitchFamily="2" charset="2"/>
+              <a:buChar char="ü"/>
+            </a:pPr>
+            <a:r>
+              <a:rPr lang="en-US" strike="sngStrike" dirty="0"/>
+              <a:t>Market Survey/Review</a:t>
+            </a:r>
+          </a:p>
+          <a:p>
+            <a:pPr marL="285750" indent="-285750">
+              <a:lnSpc>
+                <a:spcPct val="150000"/>
+              </a:lnSpc>
+              <a:buFont typeface="Wingdings" panose="05000000000000000000" pitchFamily="2" charset="2"/>
+              <a:buChar char="§"/>
+            </a:pPr>
+            <a:r>
+              <a:rPr lang="en-US" sz="2200" b="1" strike="sngStrike" dirty="0"/>
+              <a:t>Requirement Analysis</a:t>
+            </a:r>
+          </a:p>
+          <a:p>
+            <a:pPr marL="742950" lvl="1" indent="-285750">
+              <a:buFont typeface="Wingdings" panose="05000000000000000000" pitchFamily="2" charset="2"/>
+              <a:buChar char="ü"/>
+            </a:pPr>
+            <a:r>
+              <a:rPr lang="en-US" strike="sngStrike" dirty="0"/>
+              <a:t>Problem Statement </a:t>
+            </a:r>
+          </a:p>
+          <a:p>
+            <a:pPr marL="742950" lvl="1" indent="-285750">
+              <a:buFont typeface="Wingdings" panose="05000000000000000000" pitchFamily="2" charset="2"/>
+              <a:buChar char="ü"/>
+            </a:pPr>
+            <a:r>
+              <a:rPr lang="en-US" strike="sngStrike" dirty="0"/>
+              <a:t>Functional Requirements</a:t>
+            </a:r>
+          </a:p>
+          <a:p>
+            <a:pPr lvl="1"/>
+            <a:endParaRPr lang="en-US" dirty="0"/>
+          </a:p>
+          <a:p>
+            <a:pPr lvl="1"/>
+            <a:endParaRPr lang="en-US" dirty="0"/>
+          </a:p>
+          <a:p>
+            <a:endParaRPr lang="en-US" dirty="0"/>
+          </a:p>
+          <a:p>
+            <a:endParaRPr lang="en-US" dirty="0"/>
+          </a:p>
+          <a:p>
+            <a:endParaRPr lang="en-US" dirty="0"/>
+          </a:p>
+          <a:p>
+            <a:endParaRPr lang="en-US" dirty="0"/>
+          </a:p>
+        </p:txBody>
+      </p:sp>
+      <p:sp>
+        <p:nvSpPr>
+          <p:cNvPr id="18" name="TextBox 17">
             <a:extLst>
               <a:ext uri="{FF2B5EF4-FFF2-40B4-BE49-F238E27FC236}">
-                <a16:creationId xmlns:a16="http://schemas.microsoft.com/office/drawing/2014/main" id="{55FDEBD7-C40E-03D0-96BE-D601181079F7}"/>
+                <a16:creationId xmlns:a16="http://schemas.microsoft.com/office/drawing/2014/main" id="{15252901-DFCE-E175-B5DB-84590794FD7B}"/>
               </a:ext>
             </a:extLst>
           </p:cNvPr>
-          <p:cNvGraphicFramePr>
-            <a:graphicFrameLocks/>
-          </p:cNvGraphicFramePr>
-          <p:nvPr>
-            <p:extLst>
-              <p:ext uri="{D42A27DB-BD31-4B8C-83A1-F6EECF244321}">
-                <p14:modId xmlns:p14="http://schemas.microsoft.com/office/powerpoint/2010/main" val="1223037485"/>
-              </p:ext>
-            </p:extLst>
-          </p:nvPr>
-        </p:nvGraphicFramePr>
-        <p:xfrm>
-          <a:off x="4724400" y="1600200"/>
-          <a:ext cx="4114800" cy="3886197"/>
-        </p:xfrm>
-        <a:graphic>
-          <a:graphicData uri="http://schemas.openxmlformats.org/drawingml/2006/table">
-            <a:tbl>
-              <a:tblPr firstRow="1" bandRow="1">
-                <a:tableStyleId>{5C22544A-7EE6-4342-B048-85BDC9FD1C3A}</a:tableStyleId>
-              </a:tblPr>
-              <a:tblGrid>
-                <a:gridCol w="4114800">
-                  <a:extLst>
-                    <a:ext uri="{9D8B030D-6E8A-4147-A177-3AD203B41FA5}">
-                      <a16:colId xmlns:a16="http://schemas.microsoft.com/office/drawing/2014/main" val="2795525634"/>
-                    </a:ext>
-                  </a:extLst>
-                </a:gridCol>
-              </a:tblGrid>
-              <a:tr h="555171">
-                <a:tc>
-                  <a:txBody>
-                    <a:bodyPr/>
-                    <a:lstStyle/>
-                    <a:p>
-                      <a:pPr marL="0" indent="0">
-                        <a:buClr>
-                          <a:srgbClr val="92D050"/>
-                        </a:buClr>
-                        <a:buFont typeface="Arial" panose="020B0604020202020204" pitchFamily="34" charset="0"/>
-                        <a:buNone/>
-                      </a:pPr>
-                      <a:r>
-                        <a:rPr lang="en-US" sz="2000" dirty="0"/>
-                        <a:t>Requirement Analysis</a:t>
-                      </a:r>
-                    </a:p>
-                  </a:txBody>
-                  <a:tcPr/>
-                </a:tc>
-                <a:extLst>
-                  <a:ext uri="{0D108BD9-81ED-4DB2-BD59-A6C34878D82A}">
-                    <a16:rowId xmlns:a16="http://schemas.microsoft.com/office/drawing/2014/main" val="1197477724"/>
-                  </a:ext>
-                </a:extLst>
-              </a:tr>
-              <a:tr h="555171">
-                <a:tc>
-                  <a:txBody>
-                    <a:bodyPr/>
-                    <a:lstStyle/>
-                    <a:p>
-                      <a:pPr marL="342900" indent="-342900">
-                        <a:buClr>
-                          <a:srgbClr val="92D050"/>
-                        </a:buClr>
-                        <a:buFontTx/>
-                        <a:buBlip>
-                          <a:blip r:embed="rId2"/>
-                        </a:buBlip>
-                      </a:pPr>
-                      <a:r>
-                        <a:rPr lang="en-US" sz="2000" dirty="0"/>
-                        <a:t>Problem Statement</a:t>
-                      </a:r>
-                    </a:p>
-                  </a:txBody>
-                  <a:tcPr/>
-                </a:tc>
-                <a:extLst>
-                  <a:ext uri="{0D108BD9-81ED-4DB2-BD59-A6C34878D82A}">
-                    <a16:rowId xmlns:a16="http://schemas.microsoft.com/office/drawing/2014/main" val="2251047206"/>
-                  </a:ext>
-                </a:extLst>
-              </a:tr>
-              <a:tr h="555171">
-                <a:tc>
-                  <a:txBody>
-                    <a:bodyPr/>
-                    <a:lstStyle/>
-                    <a:p>
-                      <a:pPr marL="342900" indent="-342900">
-                        <a:buClr>
-                          <a:srgbClr val="92D050"/>
-                        </a:buClr>
-                        <a:buFontTx/>
-                        <a:buBlip>
-                          <a:blip r:embed="rId2"/>
-                        </a:buBlip>
-                      </a:pPr>
-                      <a:r>
-                        <a:rPr lang="en-US" sz="2000" dirty="0"/>
-                        <a:t>Functional Requirements</a:t>
-                      </a:r>
-                    </a:p>
-                  </a:txBody>
-                  <a:tcPr/>
-                </a:tc>
-                <a:extLst>
-                  <a:ext uri="{0D108BD9-81ED-4DB2-BD59-A6C34878D82A}">
-                    <a16:rowId xmlns:a16="http://schemas.microsoft.com/office/drawing/2014/main" val="2401819574"/>
-                  </a:ext>
-                </a:extLst>
-              </a:tr>
-              <a:tr h="555171">
-                <a:tc>
-                  <a:txBody>
-                    <a:bodyPr/>
-                    <a:lstStyle/>
-                    <a:p>
-                      <a:pPr marL="0" indent="0">
-                        <a:buFont typeface="Arial" panose="020B0604020202020204" pitchFamily="34" charset="0"/>
-                        <a:buNone/>
-                      </a:pPr>
-                      <a:r>
-                        <a:rPr lang="en-US" sz="2000" b="1" dirty="0">
-                          <a:solidFill>
-                            <a:schemeClr val="bg1"/>
-                          </a:solidFill>
-                        </a:rPr>
-                        <a:t>Design</a:t>
-                      </a:r>
-                    </a:p>
-                  </a:txBody>
-                  <a:tcPr>
-                    <a:solidFill>
-                      <a:schemeClr val="accent1"/>
-                    </a:solidFill>
-                  </a:tcPr>
-                </a:tc>
-                <a:extLst>
-                  <a:ext uri="{0D108BD9-81ED-4DB2-BD59-A6C34878D82A}">
-                    <a16:rowId xmlns:a16="http://schemas.microsoft.com/office/drawing/2014/main" val="3555942847"/>
-                  </a:ext>
-                </a:extLst>
-              </a:tr>
-              <a:tr h="555171">
-                <a:tc>
-                  <a:txBody>
-                    <a:bodyPr/>
-                    <a:lstStyle/>
-                    <a:p>
-                      <a:pPr marL="342900" indent="-342900">
-                        <a:buFontTx/>
-                        <a:buBlip>
-                          <a:blip r:embed="rId2"/>
-                        </a:buBlip>
-                      </a:pPr>
-                      <a:r>
-                        <a:rPr lang="en-US" sz="2000" dirty="0"/>
-                        <a:t>Architecture Design</a:t>
-                      </a:r>
-                    </a:p>
-                  </a:txBody>
-                  <a:tcPr/>
-                </a:tc>
-                <a:extLst>
-                  <a:ext uri="{0D108BD9-81ED-4DB2-BD59-A6C34878D82A}">
-                    <a16:rowId xmlns:a16="http://schemas.microsoft.com/office/drawing/2014/main" val="3476047409"/>
-                  </a:ext>
-                </a:extLst>
-              </a:tr>
-              <a:tr h="555171">
-                <a:tc>
-                  <a:txBody>
-                    <a:bodyPr/>
-                    <a:lstStyle/>
-                    <a:p>
-                      <a:pPr marL="342900" indent="-342900">
-                        <a:buFontTx/>
-                        <a:buBlip>
-                          <a:blip r:embed="rId2"/>
-                        </a:buBlip>
-                      </a:pPr>
-                      <a:r>
-                        <a:rPr lang="en-US" sz="2000" dirty="0"/>
-                        <a:t>Detail Design</a:t>
-                      </a:r>
-                    </a:p>
-                  </a:txBody>
-                  <a:tcPr/>
-                </a:tc>
-                <a:extLst>
-                  <a:ext uri="{0D108BD9-81ED-4DB2-BD59-A6C34878D82A}">
-                    <a16:rowId xmlns:a16="http://schemas.microsoft.com/office/drawing/2014/main" val="1115908798"/>
-                  </a:ext>
-                </a:extLst>
-              </a:tr>
-              <a:tr h="555171">
-                <a:tc>
-                  <a:txBody>
-                    <a:bodyPr/>
-                    <a:lstStyle/>
-                    <a:p>
-                      <a:pPr marL="342900" indent="-342900">
-                        <a:buFontTx/>
-                        <a:buBlip>
-                          <a:blip r:embed="rId2"/>
-                        </a:buBlip>
-                      </a:pPr>
-                      <a:r>
-                        <a:rPr lang="en-US" sz="2000" dirty="0"/>
-                        <a:t>System Prototype</a:t>
-                      </a:r>
-                    </a:p>
-                  </a:txBody>
-                  <a:tcPr/>
-                </a:tc>
-                <a:extLst>
-                  <a:ext uri="{0D108BD9-81ED-4DB2-BD59-A6C34878D82A}">
-                    <a16:rowId xmlns:a16="http://schemas.microsoft.com/office/drawing/2014/main" val="1718515457"/>
-                  </a:ext>
-                </a:extLst>
-              </a:tr>
-            </a:tbl>
-          </a:graphicData>
-        </a:graphic>
-      </p:graphicFrame>
+          <p:cNvSpPr txBox="1"/>
+          <p:nvPr/>
+        </p:nvSpPr>
+        <p:spPr>
+          <a:xfrm>
+            <a:off x="4876800" y="1295399"/>
+            <a:ext cx="4572000" cy="5863144"/>
+          </a:xfrm>
+          <a:prstGeom prst="rect">
+            <a:avLst/>
+          </a:prstGeom>
+          <a:noFill/>
+        </p:spPr>
+        <p:txBody>
+          <a:bodyPr wrap="square">
+            <a:spAutoFit/>
+          </a:bodyPr>
+          <a:lstStyle/>
+          <a:p>
+            <a:pPr marL="342900" indent="-342900">
+              <a:lnSpc>
+                <a:spcPct val="150000"/>
+              </a:lnSpc>
+              <a:buFont typeface="Wingdings" panose="05000000000000000000" pitchFamily="2" charset="2"/>
+              <a:buChar char="§"/>
+            </a:pPr>
+            <a:r>
+              <a:rPr lang="en-US" sz="2200" b="1" strike="sngStrike" dirty="0"/>
+              <a:t>Design</a:t>
+            </a:r>
+          </a:p>
+          <a:p>
+            <a:pPr marL="742950" lvl="1" indent="-285750">
+              <a:buFont typeface="Wingdings" panose="05000000000000000000" pitchFamily="2" charset="2"/>
+              <a:buChar char="ü"/>
+            </a:pPr>
+            <a:r>
+              <a:rPr lang="en-US" strike="sngStrike" dirty="0"/>
+              <a:t>Architecture Design</a:t>
+            </a:r>
+          </a:p>
+          <a:p>
+            <a:pPr marL="742950" lvl="1" indent="-285750">
+              <a:buFont typeface="Wingdings" panose="05000000000000000000" pitchFamily="2" charset="2"/>
+              <a:buChar char="ü"/>
+            </a:pPr>
+            <a:r>
+              <a:rPr lang="en-US" strike="sngStrike" dirty="0"/>
+              <a:t>Detail Design</a:t>
+            </a:r>
+          </a:p>
+          <a:p>
+            <a:pPr marL="742950" lvl="1" indent="-285750">
+              <a:buFont typeface="Wingdings" panose="05000000000000000000" pitchFamily="2" charset="2"/>
+              <a:buChar char="ü"/>
+            </a:pPr>
+            <a:r>
+              <a:rPr lang="en-US" strike="sngStrike" dirty="0"/>
+              <a:t>System Prototype</a:t>
+            </a:r>
+          </a:p>
+          <a:p>
+            <a:pPr marL="342900" indent="-342900">
+              <a:lnSpc>
+                <a:spcPct val="150000"/>
+              </a:lnSpc>
+              <a:buFont typeface="Wingdings" panose="05000000000000000000" pitchFamily="2" charset="2"/>
+              <a:buChar char="§"/>
+            </a:pPr>
+            <a:r>
+              <a:rPr lang="en-US" sz="2200" b="1" strike="sngStrike" dirty="0"/>
+              <a:t>Implementation</a:t>
+            </a:r>
+          </a:p>
+          <a:p>
+            <a:pPr marL="742950" lvl="1" indent="-285750">
+              <a:buFont typeface="Wingdings" panose="05000000000000000000" pitchFamily="2" charset="2"/>
+              <a:buChar char="ü"/>
+            </a:pPr>
+            <a:r>
+              <a:rPr lang="en-US" strike="sngStrike" dirty="0"/>
+              <a:t>Front-End Development</a:t>
+            </a:r>
+          </a:p>
+          <a:p>
+            <a:pPr marL="342900" indent="-342900">
+              <a:lnSpc>
+                <a:spcPct val="150000"/>
+              </a:lnSpc>
+              <a:buFont typeface="Wingdings" panose="05000000000000000000" pitchFamily="2" charset="2"/>
+              <a:buChar char="§"/>
+            </a:pPr>
+            <a:r>
+              <a:rPr lang="en-US" sz="2200" b="1" strike="sngStrike" dirty="0"/>
+              <a:t>Database</a:t>
+            </a:r>
+            <a:r>
+              <a:rPr lang="en-US" sz="2200" strike="sngStrike" dirty="0"/>
+              <a:t> </a:t>
+            </a:r>
+          </a:p>
+          <a:p>
+            <a:pPr marL="742950" lvl="1" indent="-285750">
+              <a:lnSpc>
+                <a:spcPct val="150000"/>
+              </a:lnSpc>
+              <a:buFont typeface="Wingdings" panose="05000000000000000000" pitchFamily="2" charset="2"/>
+              <a:buChar char="ü"/>
+            </a:pPr>
+            <a:r>
+              <a:rPr lang="en-US" strike="sngStrike" dirty="0"/>
+              <a:t>Firebase Authentication</a:t>
+            </a:r>
+          </a:p>
+          <a:p>
+            <a:pPr marL="285750" indent="-285750">
+              <a:lnSpc>
+                <a:spcPct val="150000"/>
+              </a:lnSpc>
+              <a:buFont typeface="Wingdings" panose="05000000000000000000" pitchFamily="2" charset="2"/>
+              <a:buChar char="§"/>
+            </a:pPr>
+            <a:r>
+              <a:rPr lang="en-US" sz="2200" b="1" strike="sngStrike" dirty="0"/>
+              <a:t>Testing</a:t>
+            </a:r>
+            <a:endParaRPr lang="en-US" sz="2200" strike="sngStrike" dirty="0"/>
+          </a:p>
+          <a:p>
+            <a:pPr marL="742950" lvl="1" indent="-285750">
+              <a:buFont typeface="Wingdings" panose="05000000000000000000" pitchFamily="2" charset="2"/>
+              <a:buChar char="ü"/>
+            </a:pPr>
+            <a:r>
+              <a:rPr lang="en-US" strike="sngStrike" dirty="0"/>
+              <a:t>White Box Testing</a:t>
+            </a:r>
+          </a:p>
+          <a:p>
+            <a:pPr marL="742950" lvl="1" indent="-285750">
+              <a:buFont typeface="Wingdings" panose="05000000000000000000" pitchFamily="2" charset="2"/>
+              <a:buChar char="ü"/>
+            </a:pPr>
+            <a:r>
+              <a:rPr lang="en-US" strike="sngStrike" dirty="0"/>
+              <a:t>UI Testing</a:t>
+            </a:r>
+          </a:p>
+          <a:p>
+            <a:pPr lvl="1"/>
+            <a:endParaRPr lang="en-US" dirty="0"/>
+          </a:p>
+          <a:p>
+            <a:pPr lvl="1"/>
+            <a:endParaRPr lang="en-US" dirty="0"/>
+          </a:p>
+          <a:p>
+            <a:endParaRPr lang="en-US" dirty="0"/>
+          </a:p>
+          <a:p>
+            <a:endParaRPr lang="en-US" dirty="0"/>
+          </a:p>
+          <a:p>
+            <a:endParaRPr lang="en-US" dirty="0"/>
+          </a:p>
+          <a:p>
+            <a:endParaRPr lang="en-US" dirty="0"/>
+          </a:p>
+        </p:txBody>
+      </p:sp>
     </p:spTree>
     <p:extLst>
       <p:ext uri="{BB962C8B-B14F-4D97-AF65-F5344CB8AC3E}">
-        <p14:creationId xmlns:p14="http://schemas.microsoft.com/office/powerpoint/2010/main" val="2122431644"/>
+        <p14:creationId xmlns:p14="http://schemas.microsoft.com/office/powerpoint/2010/main" val="1256551518"/>
       </p:ext>
     </p:extLst>
   </p:cSld>
@@ -10759,10 +10610,59 @@
                 <a:ea typeface="+mj-ea"/>
                 <a:cs typeface="+mj-cs"/>
               </a:rPr>
-              <a:t>Work Breakdown Structure</a:t>
-            </a:r>
-            <a:br>
-              <a:rPr kumimoji="0" lang="en-US" sz="4400" b="0" i="0" u="none" strike="noStrike" kern="1200" cap="none" spc="0" normalizeH="0" baseline="0" noProof="0" dirty="0">
+              <a:t>Software Development Process</a:t>
+            </a:r>
+            <a:endParaRPr lang="en-US" dirty="0"/>
+          </a:p>
+        </p:txBody>
+      </p:sp>
+      <p:sp>
+        <p:nvSpPr>
+          <p:cNvPr id="9" name="TextBox 8">
+            <a:extLst>
+              <a:ext uri="{FF2B5EF4-FFF2-40B4-BE49-F238E27FC236}">
+                <a16:creationId xmlns:a16="http://schemas.microsoft.com/office/drawing/2014/main" id="{3805961A-98CB-8B1B-AE9B-18F301CDEEE5}"/>
+              </a:ext>
+            </a:extLst>
+          </p:cNvPr>
+          <p:cNvSpPr txBox="1"/>
+          <p:nvPr/>
+        </p:nvSpPr>
+        <p:spPr>
+          <a:xfrm>
+            <a:off x="838200" y="1443841"/>
+            <a:ext cx="7467600" cy="4401205"/>
+          </a:xfrm>
+          <a:prstGeom prst="rect">
+            <a:avLst/>
+          </a:prstGeom>
+          <a:noFill/>
+        </p:spPr>
+        <p:txBody>
+          <a:bodyPr wrap="square">
+            <a:spAutoFit/>
+          </a:bodyPr>
+          <a:lstStyle/>
+          <a:p>
+            <a:pPr marL="0" marR="0" lvl="1" indent="0" algn="just" defTabSz="914400" rtl="0" eaLnBrk="0" fontAlgn="base" latinLnBrk="0" hangingPunct="0">
+              <a:lnSpc>
+                <a:spcPct val="100000"/>
+              </a:lnSpc>
+              <a:spcBef>
+                <a:spcPct val="20000"/>
+              </a:spcBef>
+              <a:spcAft>
+                <a:spcPct val="0"/>
+              </a:spcAft>
+              <a:buClrTx/>
+              <a:buSzTx/>
+              <a:buFont typeface="Arial" charset="0"/>
+              <a:buNone/>
+              <a:tabLst/>
+              <a:defRPr/>
+            </a:pPr>
+            <a:r>
+              <a:rPr kumimoji="0" lang="en-US" sz="2800" b="0" i="0" u="none" strike="noStrike" kern="1200" cap="none" spc="0" normalizeH="0" baseline="0" noProof="0" dirty="0">
                 <a:ln>
                   <a:noFill/>
                 </a:ln>
@@ -10773,344 +10673,18 @@
                 <a:uLnTx/>
                 <a:uFillTx/>
                 <a:latin typeface="Calibri"/>
-                <a:ea typeface="+mj-ea"/>
-                <a:cs typeface="+mj-cs"/>
+                <a:ea typeface="+mn-ea"/>
+                <a:cs typeface="+mn-cs"/>
               </a:rPr>
-            </a:br>
-            <a:r>
-              <a:rPr kumimoji="0" lang="en-US" sz="1400" b="0" i="0" u="none" strike="noStrike" kern="1200" cap="none" spc="0" normalizeH="0" baseline="0" noProof="0" dirty="0">
-                <a:ln>
-                  <a:noFill/>
-                </a:ln>
-                <a:solidFill>
-                  <a:prstClr val="black"/>
-                </a:solidFill>
-                <a:effectLst/>
-                <a:uLnTx/>
-                <a:uFillTx/>
-                <a:latin typeface="Calibri"/>
-                <a:ea typeface="+mj-ea"/>
-                <a:cs typeface="+mj-cs"/>
-              </a:rPr>
-              <a:t>(List of all Deliverables / Strikethrough Completed Deliverables)</a:t>
-            </a:r>
-            <a:endParaRPr lang="en-US" dirty="0"/>
+              <a:t>We are using incremental model for the development of our project. This is because we have divided our project into multiple standalone module called as front-end development and back-end development. The Requirements for both of these modules have been gathered and requires less changes in the future. Moreover  subsequent release of the module adds function to the previous release. The process continues until our complete system achieved.</a:t>
+            </a:r>
           </a:p>
         </p:txBody>
       </p:sp>
-      <p:graphicFrame>
-        <p:nvGraphicFramePr>
-          <p:cNvPr id="4" name="Table 4">
-            <a:extLst>
-              <a:ext uri="{FF2B5EF4-FFF2-40B4-BE49-F238E27FC236}">
-                <a16:creationId xmlns:a16="http://schemas.microsoft.com/office/drawing/2014/main" id="{E17EC626-FE81-D5C5-44CA-EFD3615EC41F}"/>
-              </a:ext>
-            </a:extLst>
-          </p:cNvPr>
-          <p:cNvGraphicFramePr>
-            <a:graphicFrameLocks noGrp="1"/>
-          </p:cNvGraphicFramePr>
-          <p:nvPr>
-            <p:ph idx="1"/>
-            <p:extLst>
-              <p:ext uri="{D42A27DB-BD31-4B8C-83A1-F6EECF244321}">
-                <p14:modId xmlns:p14="http://schemas.microsoft.com/office/powerpoint/2010/main" val="3327559239"/>
-              </p:ext>
-            </p:extLst>
-          </p:nvPr>
-        </p:nvGraphicFramePr>
-        <p:xfrm>
-          <a:off x="457200" y="1600200"/>
-          <a:ext cx="4114800" cy="2914650"/>
-        </p:xfrm>
-        <a:graphic>
-          <a:graphicData uri="http://schemas.openxmlformats.org/drawingml/2006/table">
-            <a:tbl>
-              <a:tblPr firstRow="1" bandRow="1">
-                <a:tableStyleId>{5C22544A-7EE6-4342-B048-85BDC9FD1C3A}</a:tableStyleId>
-              </a:tblPr>
-              <a:tblGrid>
-                <a:gridCol w="4114800">
-                  <a:extLst>
-                    <a:ext uri="{9D8B030D-6E8A-4147-A177-3AD203B41FA5}">
-                      <a16:colId xmlns:a16="http://schemas.microsoft.com/office/drawing/2014/main" val="2795525634"/>
-                    </a:ext>
-                  </a:extLst>
-                </a:gridCol>
-              </a:tblGrid>
-              <a:tr h="485775">
-                <a:tc>
-                  <a:txBody>
-                    <a:bodyPr/>
-                    <a:lstStyle/>
-                    <a:p>
-                      <a:pPr marL="0" indent="0">
-                        <a:buClr>
-                          <a:srgbClr val="92D050"/>
-                        </a:buClr>
-                        <a:buFont typeface="Arial" panose="020B0604020202020204" pitchFamily="34" charset="0"/>
-                        <a:buNone/>
-                      </a:pPr>
-                      <a:r>
-                        <a:rPr lang="en-US" sz="2000" dirty="0"/>
-                        <a:t>Implementation</a:t>
-                      </a:r>
-                    </a:p>
-                  </a:txBody>
-                  <a:tcPr/>
-                </a:tc>
-                <a:extLst>
-                  <a:ext uri="{0D108BD9-81ED-4DB2-BD59-A6C34878D82A}">
-                    <a16:rowId xmlns:a16="http://schemas.microsoft.com/office/drawing/2014/main" val="1197477724"/>
-                  </a:ext>
-                </a:extLst>
-              </a:tr>
-              <a:tr h="485775">
-                <a:tc>
-                  <a:txBody>
-                    <a:bodyPr/>
-                    <a:lstStyle/>
-                    <a:p>
-                      <a:pPr marL="342900" indent="-342900">
-                        <a:buClr>
-                          <a:srgbClr val="92D050"/>
-                        </a:buClr>
-                        <a:buFontTx/>
-                        <a:buBlip>
-                          <a:blip r:embed="rId2"/>
-                        </a:buBlip>
-                      </a:pPr>
-                      <a:r>
-                        <a:rPr lang="en-US" sz="2000" dirty="0"/>
-                        <a:t>Front End </a:t>
-                      </a:r>
-                    </a:p>
-                  </a:txBody>
-                  <a:tcPr/>
-                </a:tc>
-                <a:extLst>
-                  <a:ext uri="{0D108BD9-81ED-4DB2-BD59-A6C34878D82A}">
-                    <a16:rowId xmlns:a16="http://schemas.microsoft.com/office/drawing/2014/main" val="2251047206"/>
-                  </a:ext>
-                </a:extLst>
-              </a:tr>
-              <a:tr h="485775">
-                <a:tc>
-                  <a:txBody>
-                    <a:bodyPr/>
-                    <a:lstStyle/>
-                    <a:p>
-                      <a:pPr marL="0" indent="0">
-                        <a:buFont typeface="Arial" panose="020B0604020202020204" pitchFamily="34" charset="0"/>
-                        <a:buNone/>
-                      </a:pPr>
-                      <a:r>
-                        <a:rPr lang="en-US" sz="2000" b="1" dirty="0">
-                          <a:solidFill>
-                            <a:schemeClr val="bg1"/>
-                          </a:solidFill>
-                        </a:rPr>
-                        <a:t>Testing</a:t>
-                      </a:r>
-                    </a:p>
-                  </a:txBody>
-                  <a:tcPr>
-                    <a:solidFill>
-                      <a:schemeClr val="accent1"/>
-                    </a:solidFill>
-                  </a:tcPr>
-                </a:tc>
-                <a:extLst>
-                  <a:ext uri="{0D108BD9-81ED-4DB2-BD59-A6C34878D82A}">
-                    <a16:rowId xmlns:a16="http://schemas.microsoft.com/office/drawing/2014/main" val="3555942847"/>
-                  </a:ext>
-                </a:extLst>
-              </a:tr>
-              <a:tr h="485775">
-                <a:tc>
-                  <a:txBody>
-                    <a:bodyPr/>
-                    <a:lstStyle/>
-                    <a:p>
-                      <a:pPr marL="342900" indent="-342900">
-                        <a:buFontTx/>
-                        <a:buBlip>
-                          <a:blip r:embed="rId2"/>
-                        </a:buBlip>
-                      </a:pPr>
-                      <a:r>
-                        <a:rPr lang="en-US" sz="2000" dirty="0"/>
-                        <a:t>White Box Testing</a:t>
-                      </a:r>
-                    </a:p>
-                  </a:txBody>
-                  <a:tcPr/>
-                </a:tc>
-                <a:extLst>
-                  <a:ext uri="{0D108BD9-81ED-4DB2-BD59-A6C34878D82A}">
-                    <a16:rowId xmlns:a16="http://schemas.microsoft.com/office/drawing/2014/main" val="3476047409"/>
-                  </a:ext>
-                </a:extLst>
-              </a:tr>
-              <a:tr h="485775">
-                <a:tc>
-                  <a:txBody>
-                    <a:bodyPr/>
-                    <a:lstStyle/>
-                    <a:p>
-                      <a:pPr marL="342900" indent="-342900">
-                        <a:buFontTx/>
-                        <a:buBlip>
-                          <a:blip r:embed="rId2"/>
-                        </a:buBlip>
-                      </a:pPr>
-                      <a:r>
-                        <a:rPr lang="en-US" sz="2000" dirty="0"/>
-                        <a:t>UI Testing</a:t>
-                      </a:r>
-                    </a:p>
-                  </a:txBody>
-                  <a:tcPr/>
-                </a:tc>
-                <a:extLst>
-                  <a:ext uri="{0D108BD9-81ED-4DB2-BD59-A6C34878D82A}">
-                    <a16:rowId xmlns:a16="http://schemas.microsoft.com/office/drawing/2014/main" val="1115908798"/>
-                  </a:ext>
-                </a:extLst>
-              </a:tr>
-              <a:tr h="485775">
-                <a:tc>
-                  <a:txBody>
-                    <a:bodyPr/>
-                    <a:lstStyle/>
-                    <a:p>
-                      <a:pPr marL="342900" indent="-342900">
-                        <a:buFontTx/>
-                        <a:buBlip>
-                          <a:blip r:embed="rId2"/>
-                        </a:buBlip>
-                      </a:pPr>
-                      <a:r>
-                        <a:rPr lang="en-US" sz="2000" dirty="0"/>
-                        <a:t>System Testing</a:t>
-                      </a:r>
-                    </a:p>
-                  </a:txBody>
-                  <a:tcPr/>
-                </a:tc>
-                <a:extLst>
-                  <a:ext uri="{0D108BD9-81ED-4DB2-BD59-A6C34878D82A}">
-                    <a16:rowId xmlns:a16="http://schemas.microsoft.com/office/drawing/2014/main" val="2138955017"/>
-                  </a:ext>
-                </a:extLst>
-              </a:tr>
-            </a:tbl>
-          </a:graphicData>
-        </a:graphic>
-      </p:graphicFrame>
-      <p:graphicFrame>
-        <p:nvGraphicFramePr>
-          <p:cNvPr id="10" name="Table 4">
-            <a:extLst>
-              <a:ext uri="{FF2B5EF4-FFF2-40B4-BE49-F238E27FC236}">
-                <a16:creationId xmlns:a16="http://schemas.microsoft.com/office/drawing/2014/main" id="{55FDEBD7-C40E-03D0-96BE-D601181079F7}"/>
-              </a:ext>
-            </a:extLst>
-          </p:cNvPr>
-          <p:cNvGraphicFramePr>
-            <a:graphicFrameLocks/>
-          </p:cNvGraphicFramePr>
-          <p:nvPr>
-            <p:extLst>
-              <p:ext uri="{D42A27DB-BD31-4B8C-83A1-F6EECF244321}">
-                <p14:modId xmlns:p14="http://schemas.microsoft.com/office/powerpoint/2010/main" val="952584908"/>
-              </p:ext>
-            </p:extLst>
-          </p:nvPr>
-        </p:nvGraphicFramePr>
-        <p:xfrm>
-          <a:off x="4724400" y="1600200"/>
-          <a:ext cx="4114800" cy="1110342"/>
-        </p:xfrm>
-        <a:graphic>
-          <a:graphicData uri="http://schemas.openxmlformats.org/drawingml/2006/table">
-            <a:tbl>
-              <a:tblPr firstRow="1" bandRow="1">
-                <a:tableStyleId>{5C22544A-7EE6-4342-B048-85BDC9FD1C3A}</a:tableStyleId>
-              </a:tblPr>
-              <a:tblGrid>
-                <a:gridCol w="4114800">
-                  <a:extLst>
-                    <a:ext uri="{9D8B030D-6E8A-4147-A177-3AD203B41FA5}">
-                      <a16:colId xmlns:a16="http://schemas.microsoft.com/office/drawing/2014/main" val="2795525634"/>
-                    </a:ext>
-                  </a:extLst>
-                </a:gridCol>
-              </a:tblGrid>
-              <a:tr h="555171">
-                <a:tc>
-                  <a:txBody>
-                    <a:bodyPr/>
-                    <a:lstStyle/>
-                    <a:p>
-                      <a:pPr marL="0" indent="0">
-                        <a:buClr>
-                          <a:srgbClr val="92D050"/>
-                        </a:buClr>
-                        <a:buFont typeface="Arial" panose="020B0604020202020204" pitchFamily="34" charset="0"/>
-                        <a:buNone/>
-                      </a:pPr>
-                      <a:r>
-                        <a:rPr lang="en-US" sz="2000" dirty="0"/>
-                        <a:t>Database</a:t>
-                      </a:r>
-                    </a:p>
-                  </a:txBody>
-                  <a:tcPr/>
-                </a:tc>
-                <a:extLst>
-                  <a:ext uri="{0D108BD9-81ED-4DB2-BD59-A6C34878D82A}">
-                    <a16:rowId xmlns:a16="http://schemas.microsoft.com/office/drawing/2014/main" val="1197477724"/>
-                  </a:ext>
-                </a:extLst>
-              </a:tr>
-              <a:tr h="555171">
-                <a:tc>
-                  <a:txBody>
-                    <a:bodyPr/>
-                    <a:lstStyle/>
-                    <a:p>
-                      <a:pPr marL="342900" indent="-342900">
-                        <a:buClr>
-                          <a:srgbClr val="92D050"/>
-                        </a:buClr>
-                        <a:buFontTx/>
-                        <a:buBlip>
-                          <a:blip r:embed="rId2"/>
-                        </a:buBlip>
-                      </a:pPr>
-                      <a:r>
-                        <a:rPr lang="en-US" sz="2000" dirty="0"/>
-                        <a:t>Firebase Authentication</a:t>
-                      </a:r>
-                    </a:p>
-                  </a:txBody>
-                  <a:tcPr/>
-                </a:tc>
-                <a:extLst>
-                  <a:ext uri="{0D108BD9-81ED-4DB2-BD59-A6C34878D82A}">
-                    <a16:rowId xmlns:a16="http://schemas.microsoft.com/office/drawing/2014/main" val="2251047206"/>
-                  </a:ext>
-                </a:extLst>
-              </a:tr>
-            </a:tbl>
-          </a:graphicData>
-        </a:graphic>
-      </p:graphicFrame>
     </p:spTree>
     <p:extLst>
       <p:ext uri="{BB962C8B-B14F-4D97-AF65-F5344CB8AC3E}">
-        <p14:creationId xmlns:p14="http://schemas.microsoft.com/office/powerpoint/2010/main" val="1162377524"/>
+        <p14:creationId xmlns:p14="http://schemas.microsoft.com/office/powerpoint/2010/main" val="2298752959"/>
       </p:ext>
     </p:extLst>
   </p:cSld>
@@ -11173,7 +10747,7 @@
                 <a:ea typeface="+mj-ea"/>
                 <a:cs typeface="+mj-cs"/>
               </a:rPr>
-              <a:t>Software Development Process</a:t>
+              <a:t>Endeavour</a:t>
             </a:r>
             <a:endParaRPr lang="en-US" dirty="0"/>
           </a:p>
@@ -11194,7 +10768,7 @@
         <p:spPr>
           <a:xfrm>
             <a:off x="838200" y="1443841"/>
-            <a:ext cx="7467600" cy="4401205"/>
+            <a:ext cx="7467600" cy="4659737"/>
           </a:xfrm>
           <a:prstGeom prst="rect">
             <a:avLst/>
@@ -11239,15 +10813,280 @@
                 <a:ea typeface="+mn-ea"/>
                 <a:cs typeface="+mn-cs"/>
               </a:rPr>
-              <a:t>We are using incremental model for the development of our project. This is because we have divided our project into multiple standalone module called as front-end development and back-end development. The Requirements for both of these modules have been gathered and requires less changes in the future. Moreover  subsequent release of the module adds function to the previous release. The process continues until our complete system achieved.</a:t>
-            </a:r>
+              <a:t>Our way of working as a team:</a:t>
+            </a:r>
+          </a:p>
+          <a:p>
+            <a:pPr marR="0" lvl="1" indent="-457200" algn="just" defTabSz="914400" rtl="0" eaLnBrk="0" fontAlgn="base" latinLnBrk="0" hangingPunct="0">
+              <a:lnSpc>
+                <a:spcPct val="100000"/>
+              </a:lnSpc>
+              <a:spcBef>
+                <a:spcPct val="20000"/>
+              </a:spcBef>
+              <a:spcAft>
+                <a:spcPct val="0"/>
+              </a:spcAft>
+              <a:buClrTx/>
+              <a:buSzTx/>
+              <a:buFont typeface="Arial" panose="020B0604020202020204" pitchFamily="34" charset="0"/>
+              <a:buChar char="•"/>
+              <a:tabLst/>
+              <a:defRPr/>
+            </a:pPr>
+            <a:r>
+              <a:rPr lang="en-US" sz="2800" dirty="0">
+                <a:solidFill>
+                  <a:prstClr val="black"/>
+                </a:solidFill>
+                <a:latin typeface="Calibri"/>
+                <a:cs typeface="+mn-cs"/>
+              </a:rPr>
+              <a:t>GitHub</a:t>
+            </a:r>
+          </a:p>
+          <a:p>
+            <a:pPr lvl="1" indent="-457200" algn="just" eaLnBrk="0" hangingPunct="0">
+              <a:spcBef>
+                <a:spcPct val="20000"/>
+              </a:spcBef>
+              <a:buFont typeface="Arial" panose="020B0604020202020204" pitchFamily="34" charset="0"/>
+              <a:buChar char="•"/>
+              <a:defRPr/>
+            </a:pPr>
+            <a:r>
+              <a:rPr lang="en-US" sz="2800" dirty="0">
+                <a:solidFill>
+                  <a:prstClr val="black"/>
+                </a:solidFill>
+                <a:latin typeface="Calibri"/>
+                <a:cs typeface="+mn-cs"/>
+              </a:rPr>
+              <a:t>Microsoft Teams</a:t>
+            </a:r>
+          </a:p>
+          <a:p>
+            <a:pPr marR="0" lvl="1" indent="-457200" algn="just" defTabSz="914400" rtl="0" eaLnBrk="0" fontAlgn="base" latinLnBrk="0" hangingPunct="0">
+              <a:lnSpc>
+                <a:spcPct val="100000"/>
+              </a:lnSpc>
+              <a:spcBef>
+                <a:spcPct val="20000"/>
+              </a:spcBef>
+              <a:spcAft>
+                <a:spcPct val="0"/>
+              </a:spcAft>
+              <a:buClrTx/>
+              <a:buSzTx/>
+              <a:buFont typeface="Arial" panose="020B0604020202020204" pitchFamily="34" charset="0"/>
+              <a:buChar char="•"/>
+              <a:tabLst/>
+              <a:defRPr/>
+            </a:pPr>
+            <a:r>
+              <a:rPr kumimoji="0" lang="en-US" sz="2800" b="0" i="0" u="none" strike="noStrike" kern="1200" cap="none" spc="0" normalizeH="0" baseline="0" noProof="0" dirty="0">
+                <a:ln>
+                  <a:noFill/>
+                </a:ln>
+                <a:solidFill>
+                  <a:prstClr val="black"/>
+                </a:solidFill>
+                <a:effectLst/>
+                <a:uLnTx/>
+                <a:uFillTx/>
+                <a:latin typeface="Calibri"/>
+                <a:ea typeface="+mn-ea"/>
+                <a:cs typeface="+mn-cs"/>
+              </a:rPr>
+              <a:t>Google</a:t>
+            </a:r>
+            <a:r>
+              <a:rPr lang="en-US" sz="2800" dirty="0">
+                <a:solidFill>
+                  <a:prstClr val="black"/>
+                </a:solidFill>
+                <a:latin typeface="Calibri"/>
+                <a:cs typeface="+mn-cs"/>
+              </a:rPr>
+              <a:t> Meet</a:t>
+            </a:r>
+          </a:p>
+          <a:p>
+            <a:pPr marR="0" lvl="1" indent="-457200" algn="just" defTabSz="914400" rtl="0" eaLnBrk="0" fontAlgn="base" latinLnBrk="0" hangingPunct="0">
+              <a:lnSpc>
+                <a:spcPct val="100000"/>
+              </a:lnSpc>
+              <a:spcBef>
+                <a:spcPct val="20000"/>
+              </a:spcBef>
+              <a:spcAft>
+                <a:spcPct val="0"/>
+              </a:spcAft>
+              <a:buClrTx/>
+              <a:buSzTx/>
+              <a:buFont typeface="Arial" panose="020B0604020202020204" pitchFamily="34" charset="0"/>
+              <a:buChar char="•"/>
+              <a:tabLst/>
+              <a:defRPr/>
+            </a:pPr>
+            <a:r>
+              <a:rPr kumimoji="0" lang="en-US" sz="2800" b="0" i="0" u="none" strike="noStrike" kern="1200" cap="none" spc="0" normalizeH="0" baseline="0" noProof="0" dirty="0">
+                <a:ln>
+                  <a:noFill/>
+                </a:ln>
+                <a:solidFill>
+                  <a:prstClr val="black"/>
+                </a:solidFill>
+                <a:effectLst/>
+                <a:uLnTx/>
+                <a:uFillTx/>
+                <a:latin typeface="Calibri"/>
+                <a:ea typeface="+mn-ea"/>
+                <a:cs typeface="+mn-cs"/>
+              </a:rPr>
+              <a:t>WhatsApp</a:t>
+            </a:r>
+            <a:endParaRPr lang="en-US" sz="2800" dirty="0">
+              <a:solidFill>
+                <a:prstClr val="black"/>
+              </a:solidFill>
+              <a:latin typeface="Calibri"/>
+              <a:cs typeface="+mn-cs"/>
+            </a:endParaRPr>
+          </a:p>
+          <a:p>
+            <a:pPr marR="0" lvl="1" indent="-457200" algn="just" defTabSz="914400" rtl="0" eaLnBrk="0" fontAlgn="base" latinLnBrk="0" hangingPunct="0">
+              <a:lnSpc>
+                <a:spcPct val="100000"/>
+              </a:lnSpc>
+              <a:spcBef>
+                <a:spcPct val="20000"/>
+              </a:spcBef>
+              <a:spcAft>
+                <a:spcPct val="0"/>
+              </a:spcAft>
+              <a:buClrTx/>
+              <a:buSzTx/>
+              <a:buFont typeface="Arial" panose="020B0604020202020204" pitchFamily="34" charset="0"/>
+              <a:buChar char="•"/>
+              <a:tabLst/>
+              <a:defRPr/>
+            </a:pPr>
+            <a:r>
+              <a:rPr lang="en-US" sz="2800" dirty="0">
+                <a:solidFill>
+                  <a:prstClr val="black"/>
+                </a:solidFill>
+                <a:latin typeface="Calibri"/>
+                <a:cs typeface="+mn-cs"/>
+              </a:rPr>
+              <a:t>Mandatory Meetings with supervisor</a:t>
+            </a:r>
+          </a:p>
+          <a:p>
+            <a:pPr marR="0" lvl="1" indent="-457200" algn="just" defTabSz="914400" rtl="0" eaLnBrk="0" fontAlgn="base" latinLnBrk="0" hangingPunct="0">
+              <a:lnSpc>
+                <a:spcPct val="100000"/>
+              </a:lnSpc>
+              <a:spcBef>
+                <a:spcPct val="20000"/>
+              </a:spcBef>
+              <a:spcAft>
+                <a:spcPct val="0"/>
+              </a:spcAft>
+              <a:buClrTx/>
+              <a:buSzTx/>
+              <a:buFont typeface="Arial" panose="020B0604020202020204" pitchFamily="34" charset="0"/>
+              <a:buChar char="•"/>
+              <a:tabLst/>
+              <a:defRPr/>
+            </a:pPr>
+            <a:r>
+              <a:rPr kumimoji="0" lang="en-US" sz="2800" b="0" i="0" u="none" strike="noStrike" kern="1200" cap="none" spc="0" normalizeH="0" baseline="0" noProof="0" dirty="0">
+                <a:ln>
+                  <a:noFill/>
+                </a:ln>
+                <a:solidFill>
+                  <a:prstClr val="black"/>
+                </a:solidFill>
+                <a:effectLst/>
+                <a:uLnTx/>
+                <a:uFillTx/>
+                <a:latin typeface="Calibri"/>
+                <a:ea typeface="+mn-ea"/>
+                <a:cs typeface="+mn-cs"/>
+              </a:rPr>
+              <a:t>Email </a:t>
+            </a:r>
+          </a:p>
+          <a:p>
+            <a:pPr marR="0" lvl="1" indent="-457200" algn="just" defTabSz="914400" rtl="0" eaLnBrk="0" fontAlgn="base" latinLnBrk="0" hangingPunct="0">
+              <a:lnSpc>
+                <a:spcPct val="100000"/>
+              </a:lnSpc>
+              <a:spcBef>
+                <a:spcPct val="20000"/>
+              </a:spcBef>
+              <a:spcAft>
+                <a:spcPct val="0"/>
+              </a:spcAft>
+              <a:buClrTx/>
+              <a:buSzTx/>
+              <a:buFont typeface="Arial" panose="020B0604020202020204" pitchFamily="34" charset="0"/>
+              <a:buChar char="•"/>
+              <a:tabLst/>
+              <a:defRPr/>
+            </a:pPr>
+            <a:r>
+              <a:rPr lang="en-US" sz="2800" dirty="0">
+                <a:solidFill>
+                  <a:prstClr val="black"/>
+                </a:solidFill>
+                <a:latin typeface="Calibri"/>
+                <a:cs typeface="+mn-cs"/>
+              </a:rPr>
+              <a:t>Physical Meetings</a:t>
+            </a:r>
+          </a:p>
+          <a:p>
+            <a:pPr marR="0" lvl="1" indent="-457200" algn="just" defTabSz="914400" rtl="0" eaLnBrk="0" fontAlgn="base" latinLnBrk="0" hangingPunct="0">
+              <a:lnSpc>
+                <a:spcPct val="100000"/>
+              </a:lnSpc>
+              <a:spcBef>
+                <a:spcPct val="20000"/>
+              </a:spcBef>
+              <a:spcAft>
+                <a:spcPct val="0"/>
+              </a:spcAft>
+              <a:buClrTx/>
+              <a:buSzTx/>
+              <a:buFont typeface="Arial" panose="020B0604020202020204" pitchFamily="34" charset="0"/>
+              <a:buChar char="•"/>
+              <a:tabLst/>
+              <a:defRPr/>
+            </a:pPr>
+            <a:endParaRPr kumimoji="0" lang="en-US" sz="2800" b="0" i="0" u="none" strike="noStrike" kern="1200" cap="none" spc="0" normalizeH="0" baseline="0" noProof="0" dirty="0">
+              <a:ln>
+                <a:noFill/>
+              </a:ln>
+              <a:solidFill>
+                <a:prstClr val="black"/>
+              </a:solidFill>
+              <a:effectLst/>
+              <a:uLnTx/>
+              <a:uFillTx/>
+              <a:latin typeface="Calibri"/>
+              <a:ea typeface="+mn-ea"/>
+              <a:cs typeface="+mn-cs"/>
+            </a:endParaRPr>
           </a:p>
         </p:txBody>
       </p:sp>
     </p:spTree>
     <p:extLst>
       <p:ext uri="{BB962C8B-B14F-4D97-AF65-F5344CB8AC3E}">
-        <p14:creationId xmlns:p14="http://schemas.microsoft.com/office/powerpoint/2010/main" val="2298752959"/>
+        <p14:creationId xmlns:p14="http://schemas.microsoft.com/office/powerpoint/2010/main" val="753547619"/>
       </p:ext>
     </p:extLst>
   </p:cSld>
@@ -11365,13 +11204,7 @@
       </p:grpSpPr>
       <p:sp>
         <p:nvSpPr>
-          <p:cNvPr id="2" name="Title 1">
-            <a:extLst>
-              <a:ext uri="{FF2B5EF4-FFF2-40B4-BE49-F238E27FC236}">
-                <a16:creationId xmlns:a16="http://schemas.microsoft.com/office/drawing/2014/main" id="{E6AD4469-1FB2-238A-7799-193F3513F5DD}"/>
-              </a:ext>
-            </a:extLst>
-          </p:cNvPr>
+          <p:cNvPr id="4" name="Title 3"/>
           <p:cNvSpPr>
             <a:spLocks noGrp="1"/>
           </p:cNvSpPr>
@@ -11381,346 +11214,54 @@
         </p:nvSpPr>
         <p:spPr/>
         <p:txBody>
-          <a:bodyPr/>
+          <a:bodyPr rtlCol="0">
+            <a:normAutofit/>
+          </a:bodyPr>
           <a:lstStyle/>
           <a:p>
-            <a:r>
-              <a:rPr kumimoji="0" lang="en-US" sz="4400" b="0" i="0" u="none" strike="noStrike" kern="1200" cap="none" spc="0" normalizeH="0" baseline="0" noProof="0" dirty="0">
-                <a:ln>
-                  <a:noFill/>
-                </a:ln>
-                <a:solidFill>
-                  <a:prstClr val="black"/>
-                </a:solidFill>
-                <a:effectLst/>
-                <a:uLnTx/>
-                <a:uFillTx/>
-                <a:latin typeface="Calibri"/>
-                <a:ea typeface="+mj-ea"/>
-                <a:cs typeface="+mj-cs"/>
-              </a:rPr>
-              <a:t>Endeavour</a:t>
-            </a:r>
-            <a:endParaRPr lang="en-US" dirty="0"/>
+            <a:pPr eaLnBrk="1" fontAlgn="auto" hangingPunct="1">
+              <a:spcAft>
+                <a:spcPts val="0"/>
+              </a:spcAft>
+              <a:defRPr/>
+            </a:pPr>
+            <a:r>
+              <a:rPr lang="en-US" dirty="0"/>
+              <a:t>Solution</a:t>
+            </a:r>
           </a:p>
         </p:txBody>
       </p:sp>
       <p:sp>
         <p:nvSpPr>
-          <p:cNvPr id="9" name="TextBox 8">
-            <a:extLst>
-              <a:ext uri="{FF2B5EF4-FFF2-40B4-BE49-F238E27FC236}">
-                <a16:creationId xmlns:a16="http://schemas.microsoft.com/office/drawing/2014/main" id="{3805961A-98CB-8B1B-AE9B-18F301CDEEE5}"/>
-              </a:ext>
-            </a:extLst>
-          </p:cNvPr>
-          <p:cNvSpPr txBox="1"/>
-          <p:nvPr/>
+          <p:cNvPr id="14339" name="Text Placeholder 4"/>
+          <p:cNvSpPr>
+            <a:spLocks noGrp="1"/>
+          </p:cNvSpPr>
+          <p:nvPr>
+            <p:ph type="body" idx="1"/>
+          </p:nvPr>
         </p:nvSpPr>
-        <p:spPr>
-          <a:xfrm>
-            <a:off x="838200" y="1443841"/>
-            <a:ext cx="7467600" cy="4142673"/>
-          </a:xfrm>
-          <a:prstGeom prst="rect">
-            <a:avLst/>
-          </a:prstGeom>
-          <a:noFill/>
-        </p:spPr>
+        <p:spPr/>
         <p:txBody>
-          <a:bodyPr wrap="square">
-            <a:spAutoFit/>
+          <a:bodyPr rtlCol="0">
+            <a:normAutofit/>
           </a:bodyPr>
           <a:lstStyle/>
           <a:p>
-            <a:pPr marL="0" marR="0" lvl="1" indent="0" algn="just" defTabSz="914400" rtl="0" eaLnBrk="0" fontAlgn="base" latinLnBrk="0" hangingPunct="0">
-              <a:lnSpc>
-                <a:spcPct val="100000"/>
-              </a:lnSpc>
-              <a:spcBef>
-                <a:spcPct val="20000"/>
-              </a:spcBef>
+            <a:pPr marL="44450" eaLnBrk="1" fontAlgn="auto" hangingPunct="1">
               <a:spcAft>
-                <a:spcPct val="0"/>
+                <a:spcPts val="0"/>
               </a:spcAft>
-              <a:buClrTx/>
-              <a:buSzTx/>
-              <a:buFont typeface="Arial" charset="0"/>
+              <a:buFont typeface="Arial" pitchFamily="34" charset="0"/>
               <a:buNone/>
-              <a:tabLst/>
               <a:defRPr/>
             </a:pPr>
-            <a:r>
-              <a:rPr kumimoji="0" lang="en-US" sz="2800" b="0" i="0" u="none" strike="noStrike" kern="1200" cap="none" spc="0" normalizeH="0" baseline="0" noProof="0" dirty="0">
-                <a:ln>
-                  <a:noFill/>
-                </a:ln>
-                <a:solidFill>
-                  <a:prstClr val="black"/>
-                </a:solidFill>
-                <a:effectLst/>
-                <a:uLnTx/>
-                <a:uFillTx/>
-                <a:latin typeface="Calibri"/>
-                <a:ea typeface="+mn-ea"/>
-                <a:cs typeface="+mn-cs"/>
-              </a:rPr>
-              <a:t>Describe your way of working as a team</a:t>
-            </a:r>
-          </a:p>
-          <a:p>
-            <a:pPr marR="0" lvl="1" indent="-457200" algn="just" defTabSz="914400" rtl="0" eaLnBrk="0" fontAlgn="base" latinLnBrk="0" hangingPunct="0">
-              <a:lnSpc>
-                <a:spcPct val="100000"/>
-              </a:lnSpc>
-              <a:spcBef>
-                <a:spcPct val="20000"/>
-              </a:spcBef>
-              <a:spcAft>
-                <a:spcPct val="0"/>
-              </a:spcAft>
-              <a:buClrTx/>
-              <a:buSzTx/>
-              <a:buFont typeface="Arial" panose="020B0604020202020204" pitchFamily="34" charset="0"/>
-              <a:buChar char="•"/>
-              <a:tabLst/>
-              <a:defRPr/>
-            </a:pPr>
-            <a:r>
-              <a:rPr lang="en-US" sz="2800" dirty="0">
-                <a:solidFill>
-                  <a:prstClr val="black"/>
-                </a:solidFill>
-                <a:latin typeface="Calibri"/>
-                <a:cs typeface="+mn-cs"/>
-              </a:rPr>
-              <a:t>Microsoft Teams</a:t>
-            </a:r>
-          </a:p>
-          <a:p>
-            <a:pPr marR="0" lvl="1" indent="-457200" algn="just" defTabSz="914400" rtl="0" eaLnBrk="0" fontAlgn="base" latinLnBrk="0" hangingPunct="0">
-              <a:lnSpc>
-                <a:spcPct val="100000"/>
-              </a:lnSpc>
-              <a:spcBef>
-                <a:spcPct val="20000"/>
-              </a:spcBef>
-              <a:spcAft>
-                <a:spcPct val="0"/>
-              </a:spcAft>
-              <a:buClrTx/>
-              <a:buSzTx/>
-              <a:buFont typeface="Arial" panose="020B0604020202020204" pitchFamily="34" charset="0"/>
-              <a:buChar char="•"/>
-              <a:tabLst/>
-              <a:defRPr/>
-            </a:pPr>
-            <a:r>
-              <a:rPr kumimoji="0" lang="en-US" sz="2800" b="0" i="0" u="none" strike="noStrike" kern="1200" cap="none" spc="0" normalizeH="0" baseline="0" noProof="0" dirty="0" err="1">
-                <a:ln>
-                  <a:noFill/>
-                </a:ln>
-                <a:solidFill>
-                  <a:prstClr val="black"/>
-                </a:solidFill>
-                <a:effectLst/>
-                <a:uLnTx/>
-                <a:uFillTx/>
-                <a:latin typeface="Calibri"/>
-                <a:ea typeface="+mn-ea"/>
-                <a:cs typeface="+mn-cs"/>
-              </a:rPr>
-              <a:t>Googl</a:t>
-            </a:r>
-            <a:r>
-              <a:rPr lang="en-US" sz="2800" dirty="0">
-                <a:solidFill>
-                  <a:prstClr val="black"/>
-                </a:solidFill>
-                <a:latin typeface="Calibri"/>
-                <a:cs typeface="+mn-cs"/>
-              </a:rPr>
-              <a:t>e Meet</a:t>
-            </a:r>
-          </a:p>
-          <a:p>
-            <a:pPr marR="0" lvl="1" indent="-457200" algn="just" defTabSz="914400" rtl="0" eaLnBrk="0" fontAlgn="base" latinLnBrk="0" hangingPunct="0">
-              <a:lnSpc>
-                <a:spcPct val="100000"/>
-              </a:lnSpc>
-              <a:spcBef>
-                <a:spcPct val="20000"/>
-              </a:spcBef>
-              <a:spcAft>
-                <a:spcPct val="0"/>
-              </a:spcAft>
-              <a:buClrTx/>
-              <a:buSzTx/>
-              <a:buFont typeface="Arial" panose="020B0604020202020204" pitchFamily="34" charset="0"/>
-              <a:buChar char="•"/>
-              <a:tabLst/>
-              <a:defRPr/>
-            </a:pPr>
-            <a:r>
-              <a:rPr kumimoji="0" lang="en-US" sz="2800" b="0" i="0" u="none" strike="noStrike" kern="1200" cap="none" spc="0" normalizeH="0" baseline="0" noProof="0" dirty="0">
-                <a:ln>
-                  <a:noFill/>
-                </a:ln>
-                <a:solidFill>
-                  <a:prstClr val="black"/>
-                </a:solidFill>
-                <a:effectLst/>
-                <a:uLnTx/>
-                <a:uFillTx/>
-                <a:latin typeface="Calibri"/>
-                <a:ea typeface="+mn-ea"/>
-                <a:cs typeface="+mn-cs"/>
-              </a:rPr>
-              <a:t>WhatsApp</a:t>
-            </a:r>
-            <a:endParaRPr lang="en-US" sz="2800" dirty="0">
-              <a:solidFill>
-                <a:prstClr val="black"/>
-              </a:solidFill>
-              <a:latin typeface="Calibri"/>
-              <a:cs typeface="+mn-cs"/>
-            </a:endParaRPr>
-          </a:p>
-          <a:p>
-            <a:pPr marR="0" lvl="1" indent="-457200" algn="just" defTabSz="914400" rtl="0" eaLnBrk="0" fontAlgn="base" latinLnBrk="0" hangingPunct="0">
-              <a:lnSpc>
-                <a:spcPct val="100000"/>
-              </a:lnSpc>
-              <a:spcBef>
-                <a:spcPct val="20000"/>
-              </a:spcBef>
-              <a:spcAft>
-                <a:spcPct val="0"/>
-              </a:spcAft>
-              <a:buClrTx/>
-              <a:buSzTx/>
-              <a:buFont typeface="Arial" panose="020B0604020202020204" pitchFamily="34" charset="0"/>
-              <a:buChar char="•"/>
-              <a:tabLst/>
-              <a:defRPr/>
-            </a:pPr>
-            <a:r>
-              <a:rPr lang="en-US" sz="2800" dirty="0">
-                <a:solidFill>
-                  <a:prstClr val="black"/>
-                </a:solidFill>
-                <a:latin typeface="Calibri"/>
-                <a:cs typeface="+mn-cs"/>
-              </a:rPr>
-              <a:t>Mandatory Meetings with supervisor</a:t>
-            </a:r>
-          </a:p>
-          <a:p>
-            <a:pPr marR="0" lvl="1" indent="-457200" algn="just" defTabSz="914400" rtl="0" eaLnBrk="0" fontAlgn="base" latinLnBrk="0" hangingPunct="0">
-              <a:lnSpc>
-                <a:spcPct val="100000"/>
-              </a:lnSpc>
-              <a:spcBef>
-                <a:spcPct val="20000"/>
-              </a:spcBef>
-              <a:spcAft>
-                <a:spcPct val="0"/>
-              </a:spcAft>
-              <a:buClrTx/>
-              <a:buSzTx/>
-              <a:buFont typeface="Arial" panose="020B0604020202020204" pitchFamily="34" charset="0"/>
-              <a:buChar char="•"/>
-              <a:tabLst/>
-              <a:defRPr/>
-            </a:pPr>
-            <a:r>
-              <a:rPr kumimoji="0" lang="en-US" sz="2800" b="0" i="0" u="none" strike="noStrike" kern="1200" cap="none" spc="0" normalizeH="0" baseline="0" noProof="0" dirty="0">
-                <a:ln>
-                  <a:noFill/>
-                </a:ln>
-                <a:solidFill>
-                  <a:prstClr val="black"/>
-                </a:solidFill>
-                <a:effectLst/>
-                <a:uLnTx/>
-                <a:uFillTx/>
-                <a:latin typeface="Calibri"/>
-                <a:ea typeface="+mn-ea"/>
-                <a:cs typeface="+mn-cs"/>
-              </a:rPr>
-              <a:t>Email </a:t>
-            </a:r>
-          </a:p>
-          <a:p>
-            <a:pPr marR="0" lvl="1" indent="-457200" algn="just" defTabSz="914400" rtl="0" eaLnBrk="0" fontAlgn="base" latinLnBrk="0" hangingPunct="0">
-              <a:lnSpc>
-                <a:spcPct val="100000"/>
-              </a:lnSpc>
-              <a:spcBef>
-                <a:spcPct val="20000"/>
-              </a:spcBef>
-              <a:spcAft>
-                <a:spcPct val="0"/>
-              </a:spcAft>
-              <a:buClrTx/>
-              <a:buSzTx/>
-              <a:buFont typeface="Arial" panose="020B0604020202020204" pitchFamily="34" charset="0"/>
-              <a:buChar char="•"/>
-              <a:tabLst/>
-              <a:defRPr/>
-            </a:pPr>
-            <a:r>
-              <a:rPr lang="en-US" sz="2800" dirty="0">
-                <a:solidFill>
-                  <a:prstClr val="black"/>
-                </a:solidFill>
-                <a:latin typeface="Calibri"/>
-                <a:cs typeface="+mn-cs"/>
-              </a:rPr>
-              <a:t>Physical Meetings</a:t>
-            </a:r>
-          </a:p>
-          <a:p>
-            <a:pPr marR="0" lvl="1" indent="-457200" algn="just" defTabSz="914400" rtl="0" eaLnBrk="0" fontAlgn="base" latinLnBrk="0" hangingPunct="0">
-              <a:lnSpc>
-                <a:spcPct val="100000"/>
-              </a:lnSpc>
-              <a:spcBef>
-                <a:spcPct val="20000"/>
-              </a:spcBef>
-              <a:spcAft>
-                <a:spcPct val="0"/>
-              </a:spcAft>
-              <a:buClrTx/>
-              <a:buSzTx/>
-              <a:buFont typeface="Arial" panose="020B0604020202020204" pitchFamily="34" charset="0"/>
-              <a:buChar char="•"/>
-              <a:tabLst/>
-              <a:defRPr/>
-            </a:pPr>
-            <a:endParaRPr kumimoji="0" lang="en-US" sz="2800" b="0" i="0" u="none" strike="noStrike" kern="1200" cap="none" spc="0" normalizeH="0" baseline="0" noProof="0" dirty="0">
-              <a:ln>
-                <a:noFill/>
-              </a:ln>
-              <a:solidFill>
-                <a:prstClr val="black"/>
-              </a:solidFill>
-              <a:effectLst/>
-              <a:uLnTx/>
-              <a:uFillTx/>
-              <a:latin typeface="Calibri"/>
-              <a:ea typeface="+mn-ea"/>
-              <a:cs typeface="+mn-cs"/>
-            </a:endParaRPr>
+            <a:endParaRPr lang="en-US"/>
           </a:p>
         </p:txBody>
       </p:sp>
     </p:spTree>
-    <p:extLst>
-      <p:ext uri="{BB962C8B-B14F-4D97-AF65-F5344CB8AC3E}">
-        <p14:creationId xmlns:p14="http://schemas.microsoft.com/office/powerpoint/2010/main" val="753547619"/>
-      </p:ext>
-    </p:extLst>
   </p:cSld>
   <p:clrMapOvr>
     <a:masterClrMapping/>
@@ -11747,7 +11288,7 @@
       </p:grpSpPr>
       <p:sp>
         <p:nvSpPr>
-          <p:cNvPr id="4" name="Title 3"/>
+          <p:cNvPr id="2" name="Title 1"/>
           <p:cNvSpPr>
             <a:spLocks noGrp="1"/>
           </p:cNvSpPr>
@@ -11757,17 +11298,9 @@
         </p:nvSpPr>
         <p:spPr/>
         <p:txBody>
-          <a:bodyPr rtlCol="0">
-            <a:normAutofit/>
-          </a:bodyPr>
+          <a:bodyPr/>
           <a:lstStyle/>
           <a:p>
-            <a:pPr eaLnBrk="1" fontAlgn="auto" hangingPunct="1">
-              <a:spcAft>
-                <a:spcPts val="0"/>
-              </a:spcAft>
-              <a:defRPr/>
-            </a:pPr>
             <a:r>
               <a:rPr lang="en-US" dirty="0"/>
               <a:t>Solution</a:t>
@@ -11777,34 +11310,35 @@
       </p:sp>
       <p:sp>
         <p:nvSpPr>
-          <p:cNvPr id="14339" name="Text Placeholder 4"/>
+          <p:cNvPr id="3" name="Content Placeholder 2"/>
           <p:cNvSpPr>
             <a:spLocks noGrp="1"/>
           </p:cNvSpPr>
           <p:nvPr>
-            <p:ph type="body" idx="1"/>
+            <p:ph idx="1"/>
           </p:nvPr>
         </p:nvSpPr>
         <p:spPr/>
         <p:txBody>
-          <a:bodyPr rtlCol="0">
-            <a:normAutofit/>
-          </a:bodyPr>
+          <a:bodyPr/>
           <a:lstStyle/>
           <a:p>
-            <a:pPr marL="44450" eaLnBrk="1" fontAlgn="auto" hangingPunct="1">
-              <a:spcAft>
-                <a:spcPts val="0"/>
-              </a:spcAft>
-              <a:buFont typeface="Arial" pitchFamily="34" charset="0"/>
-              <a:buNone/>
-              <a:defRPr/>
-            </a:pPr>
-            <a:endParaRPr lang="en-US"/>
+            <a:r>
+              <a:rPr lang="en-US" sz="2800" dirty="0"/>
+              <a:t>Our Project is based on Mobile Application that will use Artificial Intelligence to detect various skin diseases. Our proposed solution will not require customer to go for a medical checkup but through real-time image processing, he/she will be able to get the skin disease diagnostics results either by uploading images of the skin or taking photos just by sitting at home.</a:t>
+            </a:r>
+          </a:p>
+          <a:p>
+            <a:endParaRPr lang="en-US" sz="2000" dirty="0"/>
           </a:p>
         </p:txBody>
       </p:sp>
     </p:spTree>
+    <p:extLst>
+      <p:ext uri="{BB962C8B-B14F-4D97-AF65-F5344CB8AC3E}">
+        <p14:creationId xmlns:p14="http://schemas.microsoft.com/office/powerpoint/2010/main" val="1538707367"/>
+      </p:ext>
+    </p:extLst>
   </p:cSld>
   <p:clrMapOvr>
     <a:masterClrMapping/>
@@ -11872,6 +11406,9 @@
             </a:r>
           </a:p>
           <a:p>
+            <a:pPr marL="0" indent="0">
+              <a:buNone/>
+            </a:pPr>
             <a:endParaRPr lang="en-US" sz="2000" dirty="0"/>
           </a:p>
         </p:txBody>
@@ -11879,7 +11416,7 @@
     </p:spTree>
     <p:extLst>
       <p:ext uri="{BB962C8B-B14F-4D97-AF65-F5344CB8AC3E}">
-        <p14:creationId xmlns:p14="http://schemas.microsoft.com/office/powerpoint/2010/main" val="1538707367"/>
+        <p14:creationId xmlns:p14="http://schemas.microsoft.com/office/powerpoint/2010/main" val="2090388478"/>
       </p:ext>
     </p:extLst>
   </p:cSld>
@@ -11923,7 +11460,7 @@
           <a:p>
             <a:r>
               <a:rPr lang="en-US" dirty="0"/>
-              <a:t>Solution</a:t>
+              <a:t>Requirements Summary</a:t>
             </a:r>
           </a:p>
         </p:txBody>
@@ -11943,9 +11480,30 @@
           <a:bodyPr/>
           <a:lstStyle/>
           <a:p>
-            <a:r>
-              <a:rPr lang="en-US" sz="2800" dirty="0"/>
-              <a:t>Our Project is based on Mobile Application that will use Artificial Intelligence to detect various skin diseases. Our proposed solution will not require customer to go for a medical checkup but through real-time image processing, he/she will be able to get the skin disease diagnostics results either by uploading images of the skin or taking photos just by sitting at home.</a:t>
+            <a:pPr marL="0" indent="0">
+              <a:buNone/>
+            </a:pPr>
+            <a:r>
+              <a:rPr lang="en-US" sz="2400" dirty="0"/>
+              <a:t>Requirement Elicitation Techniques</a:t>
+            </a:r>
+          </a:p>
+          <a:p>
+            <a:r>
+              <a:rPr lang="en-US" sz="2400" dirty="0"/>
+              <a:t>Brainstorming</a:t>
+            </a:r>
+          </a:p>
+          <a:p>
+            <a:r>
+              <a:rPr lang="en-US" sz="2400" dirty="0"/>
+              <a:t>Interviews</a:t>
+            </a:r>
+          </a:p>
+          <a:p>
+            <a:r>
+              <a:rPr lang="en-US" sz="2400" dirty="0"/>
+              <a:t>Comparative Study</a:t>
             </a:r>
           </a:p>
           <a:p>
@@ -11959,7 +11517,7 @@
     </p:spTree>
     <p:extLst>
       <p:ext uri="{BB962C8B-B14F-4D97-AF65-F5344CB8AC3E}">
-        <p14:creationId xmlns:p14="http://schemas.microsoft.com/office/powerpoint/2010/main" val="2090388478"/>
+        <p14:creationId xmlns:p14="http://schemas.microsoft.com/office/powerpoint/2010/main" val="2569178320"/>
       </p:ext>
     </p:extLst>
   </p:cSld>
@@ -11996,7 +11554,12 @@
             <p:ph type="title"/>
           </p:nvPr>
         </p:nvSpPr>
-        <p:spPr/>
+        <p:spPr>
+          <a:xfrm>
+            <a:off x="457200" y="76200"/>
+            <a:ext cx="8229600" cy="1143000"/>
+          </a:xfrm>
+        </p:spPr>
         <p:txBody>
           <a:bodyPr/>
           <a:lstStyle/>
@@ -12018,7 +11581,12 @@
             <p:ph idx="1"/>
           </p:nvPr>
         </p:nvSpPr>
-        <p:spPr/>
+        <p:spPr>
+          <a:xfrm>
+            <a:off x="800100" y="990600"/>
+            <a:ext cx="7543800" cy="3916363"/>
+          </a:xfrm>
+        </p:spPr>
         <p:txBody>
           <a:bodyPr/>
           <a:lstStyle/>
@@ -12027,40 +11595,153 @@
               <a:buNone/>
             </a:pPr>
             <a:r>
-              <a:rPr lang="en-US" sz="2400" dirty="0"/>
-              <a:t>Requirement Elicitation Techniques</a:t>
-            </a:r>
-          </a:p>
-          <a:p>
-            <a:r>
-              <a:rPr lang="en-US" sz="2400" dirty="0"/>
-              <a:t>Brainstorming</a:t>
-            </a:r>
-          </a:p>
-          <a:p>
-            <a:r>
-              <a:rPr lang="en-US" sz="2400" dirty="0"/>
-              <a:t>Interviews</a:t>
-            </a:r>
-          </a:p>
-          <a:p>
-            <a:r>
-              <a:rPr lang="en-US" sz="2400" dirty="0"/>
-              <a:t>Comparative Study</a:t>
+              <a:rPr lang="en-US" sz="2800" dirty="0"/>
+              <a:t>1) List of Stakeholders</a:t>
+            </a:r>
+          </a:p>
+          <a:p>
+            <a:r>
+              <a:rPr lang="en-US" sz="1800" dirty="0"/>
+              <a:t>User</a:t>
+            </a:r>
+          </a:p>
+          <a:p>
+            <a:r>
+              <a:rPr lang="en-US" sz="1800" dirty="0"/>
+              <a:t>Doctor</a:t>
+            </a:r>
+          </a:p>
+          <a:p>
+            <a:r>
+              <a:rPr lang="en-US" sz="1800" dirty="0"/>
+              <a:t>Pharmacist</a:t>
+            </a:r>
+          </a:p>
+          <a:p>
+            <a:r>
+              <a:rPr lang="en-US" sz="1800" dirty="0"/>
+              <a:t>Patient</a:t>
+            </a:r>
+          </a:p>
+          <a:p>
+            <a:r>
+              <a:rPr lang="en-US" sz="1800" dirty="0"/>
+              <a:t>Admin</a:t>
             </a:r>
           </a:p>
           <a:p>
             <a:pPr marL="0" indent="0">
               <a:buNone/>
             </a:pPr>
-            <a:endParaRPr lang="en-US" sz="2000" dirty="0"/>
+            <a:r>
+              <a:rPr lang="en-US" sz="2800" dirty="0"/>
+              <a:t>2) Use Cases</a:t>
+            </a:r>
+          </a:p>
+          <a:p>
+            <a:pPr marL="0" indent="0">
+              <a:buNone/>
+            </a:pPr>
+            <a:r>
+              <a:rPr lang="en-US" sz="1800" dirty="0"/>
+              <a:t>We have identified </a:t>
+            </a:r>
+            <a:r>
+              <a:rPr lang="en-US" sz="2000" dirty="0">
+                <a:solidFill>
+                  <a:schemeClr val="accent1"/>
+                </a:solidFill>
+              </a:rPr>
+              <a:t>32 use cases </a:t>
+            </a:r>
+            <a:r>
+              <a:rPr lang="en-US" sz="1800" dirty="0"/>
+              <a:t>according to requirements</a:t>
+            </a:r>
+          </a:p>
+          <a:p>
+            <a:pPr marL="0" indent="0">
+              <a:buNone/>
+            </a:pPr>
+            <a:r>
+              <a:rPr lang="en-US" sz="2800" dirty="0"/>
+              <a:t>3) Functional Requirements</a:t>
+            </a:r>
+          </a:p>
+          <a:p>
+            <a:r>
+              <a:rPr lang="en-US" sz="1800" dirty="0"/>
+              <a:t>We have identified </a:t>
+            </a:r>
+            <a:r>
+              <a:rPr lang="en-US" sz="2000" dirty="0">
+                <a:solidFill>
+                  <a:schemeClr val="accent1"/>
+                </a:solidFill>
+              </a:rPr>
+              <a:t>39 Functional Requirements.</a:t>
+            </a:r>
+          </a:p>
+          <a:p>
+            <a:r>
+              <a:rPr lang="en-US" sz="1800" dirty="0"/>
+              <a:t>Admin </a:t>
+            </a:r>
+            <a:r>
+              <a:rPr lang="en-US" sz="1800" dirty="0">
+                <a:solidFill>
+                  <a:schemeClr val="accent1"/>
+                </a:solidFill>
+              </a:rPr>
+              <a:t>18</a:t>
+            </a:r>
+            <a:r>
+              <a:rPr lang="en-US" sz="1800" dirty="0"/>
+              <a:t> FR’s</a:t>
+            </a:r>
+          </a:p>
+          <a:p>
+            <a:r>
+              <a:rPr lang="en-US" sz="1800" dirty="0"/>
+              <a:t>User </a:t>
+            </a:r>
+            <a:r>
+              <a:rPr lang="en-US" sz="1800" dirty="0">
+                <a:solidFill>
+                  <a:schemeClr val="accent1"/>
+                </a:solidFill>
+              </a:rPr>
+              <a:t>18</a:t>
+            </a:r>
+            <a:r>
+              <a:rPr lang="en-US" sz="1800" dirty="0"/>
+              <a:t> FR’s</a:t>
+            </a:r>
+          </a:p>
+          <a:p>
+            <a:r>
+              <a:rPr lang="en-US" sz="1800" dirty="0"/>
+              <a:t>System </a:t>
+            </a:r>
+            <a:r>
+              <a:rPr lang="en-US" sz="1800" dirty="0">
+                <a:solidFill>
+                  <a:schemeClr val="accent1"/>
+                </a:solidFill>
+              </a:rPr>
+              <a:t>3</a:t>
+            </a:r>
+            <a:r>
+              <a:rPr lang="en-US" sz="1800" dirty="0"/>
+              <a:t> FR’s</a:t>
+            </a:r>
           </a:p>
         </p:txBody>
       </p:sp>
     </p:spTree>
     <p:extLst>
       <p:ext uri="{BB962C8B-B14F-4D97-AF65-F5344CB8AC3E}">
-        <p14:creationId xmlns:p14="http://schemas.microsoft.com/office/powerpoint/2010/main" val="2569178320"/>
+        <p14:creationId xmlns:p14="http://schemas.microsoft.com/office/powerpoint/2010/main" val="1758611307"/>
       </p:ext>
     </p:extLst>
   </p:cSld>
@@ -12104,7 +11785,7 @@
           <a:p>
             <a:r>
               <a:rPr lang="en-US" dirty="0"/>
-              <a:t>Requirements Summary</a:t>
+              <a:t>Design Summary</a:t>
             </a:r>
           </a:p>
         </p:txBody>
@@ -12119,153 +11800,74 @@
             <p:ph idx="1"/>
           </p:nvPr>
         </p:nvSpPr>
-        <p:spPr>
-          <a:xfrm>
-            <a:off x="477129" y="1166018"/>
-            <a:ext cx="8229600" cy="4525963"/>
-          </a:xfrm>
-        </p:spPr>
+        <p:spPr/>
         <p:txBody>
           <a:bodyPr/>
           <a:lstStyle/>
           <a:p>
-            <a:pPr marL="0" indent="0">
-              <a:buNone/>
+            <a:r>
+              <a:rPr lang="en-US" dirty="0"/>
+              <a:t>Detailed Design</a:t>
+            </a:r>
+          </a:p>
+          <a:p>
+            <a:pPr>
+              <a:buFont typeface="Wingdings" panose="05000000000000000000" pitchFamily="2" charset="2"/>
+              <a:buChar char="ü"/>
             </a:pPr>
             <a:r>
-              <a:rPr lang="en-US" sz="2800" dirty="0"/>
-              <a:t>1) List of Stakeholders</a:t>
-            </a:r>
-          </a:p>
-          <a:p>
-            <a:r>
-              <a:rPr lang="en-US" sz="1800" dirty="0"/>
-              <a:t>User</a:t>
-            </a:r>
-          </a:p>
-          <a:p>
-            <a:r>
-              <a:rPr lang="en-US" sz="1800" dirty="0"/>
-              <a:t>Doctor</a:t>
-            </a:r>
-          </a:p>
-          <a:p>
-            <a:r>
-              <a:rPr lang="en-US" sz="1800" dirty="0"/>
-              <a:t>Pharmacist</a:t>
-            </a:r>
-          </a:p>
-          <a:p>
-            <a:r>
-              <a:rPr lang="en-US" sz="1800" dirty="0"/>
-              <a:t>Admin</a:t>
-            </a:r>
-          </a:p>
-          <a:p>
-            <a:pPr marL="0" indent="0">
-              <a:buNone/>
+              <a:rPr lang="en-US" sz="2400" dirty="0"/>
+              <a:t>Architecture Design</a:t>
+            </a:r>
+          </a:p>
+          <a:p>
+            <a:pPr>
+              <a:buFont typeface="Wingdings" panose="05000000000000000000" pitchFamily="2" charset="2"/>
+              <a:buChar char="ü"/>
             </a:pPr>
             <a:r>
-              <a:rPr lang="en-US" sz="2800" dirty="0"/>
-              <a:t>2) Use Cases</a:t>
-            </a:r>
-          </a:p>
-          <a:p>
-            <a:pPr marL="0" indent="0">
-              <a:buNone/>
+              <a:rPr lang="en-US" sz="2400" dirty="0"/>
+              <a:t>Use Case Diagram</a:t>
+            </a:r>
+          </a:p>
+          <a:p>
+            <a:pPr>
+              <a:buFont typeface="Wingdings" panose="05000000000000000000" pitchFamily="2" charset="2"/>
+              <a:buChar char="ü"/>
             </a:pPr>
             <a:r>
-              <a:rPr lang="en-US" sz="1800" dirty="0"/>
-              <a:t>We have identified </a:t>
-            </a:r>
-            <a:r>
-              <a:rPr lang="en-US" sz="2000" dirty="0">
-                <a:solidFill>
-                  <a:schemeClr val="accent1"/>
-                </a:solidFill>
-              </a:rPr>
-              <a:t>32 use cases </a:t>
-            </a:r>
-            <a:r>
-              <a:rPr lang="en-US" sz="1800" dirty="0"/>
-              <a:t>according to requirements</a:t>
-            </a:r>
-          </a:p>
-          <a:p>
-            <a:pPr marL="0" indent="0">
-              <a:buNone/>
+              <a:rPr lang="en-US" sz="2400" dirty="0"/>
+              <a:t>Activity Diagram</a:t>
+            </a:r>
+          </a:p>
+          <a:p>
+            <a:pPr>
+              <a:buFont typeface="Wingdings" panose="05000000000000000000" pitchFamily="2" charset="2"/>
+              <a:buChar char="ü"/>
             </a:pPr>
             <a:r>
-              <a:rPr lang="en-US" sz="2800" dirty="0"/>
-              <a:t>3) Functional Requirements</a:t>
-            </a:r>
-          </a:p>
-          <a:p>
-            <a:r>
-              <a:rPr lang="en-US" sz="1800" dirty="0"/>
-              <a:t>We have identified </a:t>
-            </a:r>
-            <a:r>
-              <a:rPr lang="en-US" sz="2000" dirty="0">
-                <a:solidFill>
-                  <a:schemeClr val="accent1"/>
-                </a:solidFill>
-              </a:rPr>
-              <a:t>39 Functional Requirements.</a:t>
-            </a:r>
-          </a:p>
-          <a:p>
-            <a:r>
-              <a:rPr lang="en-US" sz="1800" dirty="0"/>
-              <a:t>Admin </a:t>
-            </a:r>
-            <a:r>
-              <a:rPr lang="en-US" sz="1800" dirty="0">
-                <a:solidFill>
-                  <a:schemeClr val="accent1"/>
-                </a:solidFill>
-              </a:rPr>
-              <a:t>18</a:t>
-            </a:r>
-            <a:r>
-              <a:rPr lang="en-US" sz="1800" dirty="0"/>
-              <a:t> FR’s</a:t>
-            </a:r>
-          </a:p>
-          <a:p>
-            <a:r>
-              <a:rPr lang="en-US" sz="1800" dirty="0"/>
-              <a:t>User </a:t>
-            </a:r>
-            <a:r>
-              <a:rPr lang="en-US" sz="1800" dirty="0">
-                <a:solidFill>
-                  <a:schemeClr val="accent1"/>
-                </a:solidFill>
-              </a:rPr>
-              <a:t>18</a:t>
-            </a:r>
-            <a:r>
-              <a:rPr lang="en-US" sz="1800" dirty="0"/>
-              <a:t> FR’s</a:t>
-            </a:r>
-          </a:p>
-          <a:p>
-            <a:r>
-              <a:rPr lang="en-US" sz="1800" dirty="0"/>
-              <a:t>System </a:t>
-            </a:r>
-            <a:r>
-              <a:rPr lang="en-US" sz="1800" dirty="0">
-                <a:solidFill>
-                  <a:schemeClr val="accent1"/>
-                </a:solidFill>
-              </a:rPr>
-              <a:t>3</a:t>
-            </a:r>
-            <a:r>
-              <a:rPr lang="en-US" sz="1800" dirty="0"/>
-              <a:t> FR’s</a:t>
+              <a:rPr lang="en-US" sz="2400" dirty="0"/>
+              <a:t>Sequence Diagram</a:t>
+            </a:r>
+          </a:p>
+          <a:p>
+            <a:pPr>
+              <a:buFont typeface="Wingdings" panose="05000000000000000000" pitchFamily="2" charset="2"/>
+              <a:buChar char="ü"/>
+            </a:pPr>
+            <a:r>
+              <a:rPr lang="en-US" sz="2400" dirty="0"/>
+              <a:t>Data Model Diagram</a:t>
+            </a:r>
+          </a:p>
+          <a:p>
+            <a:pPr>
+              <a:buFont typeface="Wingdings" panose="05000000000000000000" pitchFamily="2" charset="2"/>
+              <a:buChar char="ü"/>
+            </a:pPr>
+            <a:r>
+              <a:rPr lang="en-US" sz="2400" dirty="0"/>
+              <a:t>Deployment Diagram</a:t>
             </a:r>
           </a:p>
         </p:txBody>
@@ -12273,7 +11875,7 @@
     </p:spTree>
     <p:extLst>
       <p:ext uri="{BB962C8B-B14F-4D97-AF65-F5344CB8AC3E}">
-        <p14:creationId xmlns:p14="http://schemas.microsoft.com/office/powerpoint/2010/main" val="1758611307"/>
+        <p14:creationId xmlns:p14="http://schemas.microsoft.com/office/powerpoint/2010/main" val="3453986911"/>
       </p:ext>
     </p:extLst>
   </p:cSld>
@@ -12317,7 +11919,7 @@
           <a:p>
             <a:r>
               <a:rPr lang="en-US" dirty="0"/>
-              <a:t>Design Summary</a:t>
+              <a:t>Implementation</a:t>
             </a:r>
           </a:p>
         </p:txBody>
@@ -12337,77 +11939,73 @@
           <a:bodyPr/>
           <a:lstStyle/>
           <a:p>
+            <a:pPr marL="0" indent="0">
+              <a:buNone/>
+            </a:pPr>
             <a:r>
               <a:rPr lang="en-US" dirty="0"/>
-              <a:t>Detailed Design</a:t>
+              <a:t>List of Development Tools</a:t>
             </a:r>
           </a:p>
           <a:p>
             <a:pPr>
-              <a:buFont typeface="Wingdings" panose="05000000000000000000" pitchFamily="2" charset="2"/>
-              <a:buChar char="ü"/>
+              <a:buFont typeface="Arial" panose="020B0604020202020204" pitchFamily="34" charset="0"/>
+              <a:buChar char="•"/>
             </a:pPr>
             <a:r>
-              <a:rPr lang="en-US" sz="2400" dirty="0"/>
-              <a:t>Architecture Design</a:t>
+              <a:rPr lang="en-US" sz="2800" dirty="0"/>
+              <a:t>Android Studio</a:t>
             </a:r>
           </a:p>
           <a:p>
             <a:pPr>
-              <a:buFont typeface="Wingdings" panose="05000000000000000000" pitchFamily="2" charset="2"/>
-              <a:buChar char="ü"/>
+              <a:buFont typeface="Arial" panose="020B0604020202020204" pitchFamily="34" charset="0"/>
+              <a:buChar char="•"/>
             </a:pPr>
             <a:r>
-              <a:rPr lang="en-US" sz="2400" dirty="0"/>
-              <a:t>Use Case Diagram</a:t>
+              <a:rPr lang="en-US" sz="2800" dirty="0"/>
+              <a:t>Visual Studio Code</a:t>
             </a:r>
           </a:p>
           <a:p>
             <a:pPr>
-              <a:buFont typeface="Wingdings" panose="05000000000000000000" pitchFamily="2" charset="2"/>
-              <a:buChar char="ü"/>
+              <a:buFont typeface="Arial" panose="020B0604020202020204" pitchFamily="34" charset="0"/>
+              <a:buChar char="•"/>
             </a:pPr>
             <a:r>
-              <a:rPr lang="en-US" sz="2400" dirty="0"/>
-              <a:t>Activity Diagram</a:t>
+              <a:rPr lang="en-US" sz="2800" dirty="0"/>
+              <a:t>Atom</a:t>
             </a:r>
           </a:p>
           <a:p>
             <a:pPr>
-              <a:buFont typeface="Wingdings" panose="05000000000000000000" pitchFamily="2" charset="2"/>
-              <a:buChar char="ü"/>
+              <a:buFont typeface="Arial" panose="020B0604020202020204" pitchFamily="34" charset="0"/>
+              <a:buChar char="•"/>
             </a:pPr>
             <a:r>
-              <a:rPr lang="en-US" sz="2400" dirty="0"/>
-              <a:t>Sequence Diagram</a:t>
+              <a:rPr lang="en-US" sz="2800" dirty="0"/>
+              <a:t>Visual Paradigm</a:t>
             </a:r>
           </a:p>
           <a:p>
             <a:pPr>
-              <a:buFont typeface="Wingdings" panose="05000000000000000000" pitchFamily="2" charset="2"/>
-              <a:buChar char="ü"/>
+              <a:buFont typeface="Arial" panose="020B0604020202020204" pitchFamily="34" charset="0"/>
+              <a:buChar char="•"/>
             </a:pPr>
             <a:r>
-              <a:rPr lang="en-US" sz="2400" dirty="0"/>
-              <a:t>Entity Relationship Diagram</a:t>
-            </a:r>
-          </a:p>
-          <a:p>
-            <a:pPr>
-              <a:buFont typeface="Wingdings" panose="05000000000000000000" pitchFamily="2" charset="2"/>
-              <a:buChar char="ü"/>
-            </a:pPr>
-            <a:r>
-              <a:rPr lang="en-US" sz="2400" dirty="0"/>
-              <a:t>Deployment Diagram</a:t>
-            </a:r>
+              <a:rPr lang="en-US" sz="2800" dirty="0"/>
+              <a:t>M.s Word</a:t>
+            </a:r>
+          </a:p>
+          <a:p>
+            <a:endParaRPr lang="en-US" dirty="0"/>
           </a:p>
         </p:txBody>
       </p:sp>
     </p:spTree>
     <p:extLst>
       <p:ext uri="{BB962C8B-B14F-4D97-AF65-F5344CB8AC3E}">
-        <p14:creationId xmlns:p14="http://schemas.microsoft.com/office/powerpoint/2010/main" val="3453986911"/>
+        <p14:creationId xmlns:p14="http://schemas.microsoft.com/office/powerpoint/2010/main" val="2923985099"/>
       </p:ext>
     </p:extLst>
   </p:cSld>
@@ -12476,78 +12074,52 @@
             </a:pPr>
             <a:r>
               <a:rPr lang="en-US" dirty="0"/>
-              <a:t>List of Development Tools</a:t>
-            </a:r>
-          </a:p>
-          <a:p>
-            <a:pPr>
-              <a:buFont typeface="Arial" panose="020B0604020202020204" pitchFamily="34" charset="0"/>
-              <a:buChar char="•"/>
-            </a:pPr>
-            <a:r>
-              <a:rPr lang="en-US" sz="2800" dirty="0"/>
-              <a:t>Android Studio</a:t>
-            </a:r>
-          </a:p>
-          <a:p>
-            <a:pPr>
-              <a:buFont typeface="Arial" panose="020B0604020202020204" pitchFamily="34" charset="0"/>
-              <a:buChar char="•"/>
-            </a:pPr>
-            <a:r>
-              <a:rPr lang="en-US" sz="2800" dirty="0"/>
-              <a:t>Visual Studio Code</a:t>
-            </a:r>
-          </a:p>
-          <a:p>
-            <a:pPr>
-              <a:buFont typeface="Arial" panose="020B0604020202020204" pitchFamily="34" charset="0"/>
-              <a:buChar char="•"/>
-            </a:pPr>
-            <a:r>
-              <a:rPr lang="en-US" sz="2800" dirty="0"/>
-              <a:t>Atom</a:t>
-            </a:r>
-          </a:p>
-          <a:p>
-            <a:pPr>
-              <a:buFont typeface="Arial" panose="020B0604020202020204" pitchFamily="34" charset="0"/>
-              <a:buChar char="•"/>
-            </a:pPr>
-            <a:r>
-              <a:rPr lang="en-US" sz="2800" dirty="0"/>
-              <a:t>Firebase</a:t>
-            </a:r>
-          </a:p>
-          <a:p>
-            <a:pPr>
-              <a:buFont typeface="Arial" panose="020B0604020202020204" pitchFamily="34" charset="0"/>
-              <a:buChar char="•"/>
-            </a:pPr>
-            <a:r>
-              <a:rPr lang="en-US" sz="2800" dirty="0"/>
-              <a:t>Visual Paradigm</a:t>
-            </a:r>
-          </a:p>
-          <a:p>
-            <a:pPr>
-              <a:buFont typeface="Arial" panose="020B0604020202020204" pitchFamily="34" charset="0"/>
-              <a:buChar char="•"/>
-            </a:pPr>
-            <a:r>
-              <a:rPr lang="en-US" sz="2800" dirty="0"/>
-              <a:t>M.s Word</a:t>
-            </a:r>
-          </a:p>
-          <a:p>
-            <a:endParaRPr lang="en-US" dirty="0"/>
+              <a:t>List of Development Technologies</a:t>
+            </a:r>
+          </a:p>
+          <a:p>
+            <a:r>
+              <a:rPr lang="en-US" sz="2400" dirty="0"/>
+              <a:t>Flutter</a:t>
+            </a:r>
+          </a:p>
+          <a:p>
+            <a:r>
+              <a:rPr lang="en-US" sz="2400" dirty="0"/>
+              <a:t>Dart</a:t>
+            </a:r>
+          </a:p>
+          <a:p>
+            <a:r>
+              <a:rPr lang="en-US" sz="2400" dirty="0"/>
+              <a:t>Bootstrap</a:t>
+            </a:r>
+          </a:p>
+          <a:p>
+            <a:r>
+              <a:rPr lang="en-US" sz="2400" dirty="0"/>
+              <a:t>HTML5</a:t>
+            </a:r>
+          </a:p>
+          <a:p>
+            <a:r>
+              <a:rPr lang="en-US" sz="2400" dirty="0"/>
+              <a:t>CSS3</a:t>
+            </a:r>
+          </a:p>
+          <a:p>
+            <a:r>
+              <a:rPr lang="en-US" sz="2400" dirty="0" err="1"/>
+              <a:t>Php</a:t>
+            </a:r>
+            <a:endParaRPr lang="en-US" sz="2400" dirty="0"/>
           </a:p>
         </p:txBody>
       </p:sp>
     </p:spTree>
     <p:extLst>
       <p:ext uri="{BB962C8B-B14F-4D97-AF65-F5344CB8AC3E}">
-        <p14:creationId xmlns:p14="http://schemas.microsoft.com/office/powerpoint/2010/main" val="2923985099"/>
+        <p14:creationId xmlns:p14="http://schemas.microsoft.com/office/powerpoint/2010/main" val="1159172663"/>
       </p:ext>
     </p:extLst>
   </p:cSld>
@@ -12616,120 +12188,6 @@
             </a:pPr>
             <a:r>
               <a:rPr lang="en-US" dirty="0"/>
-              <a:t>List of Development Technologies</a:t>
-            </a:r>
-          </a:p>
-          <a:p>
-            <a:r>
-              <a:rPr lang="en-US" sz="2400" dirty="0"/>
-              <a:t>Flutter</a:t>
-            </a:r>
-          </a:p>
-          <a:p>
-            <a:r>
-              <a:rPr lang="en-US" sz="2400" dirty="0"/>
-              <a:t>Dart</a:t>
-            </a:r>
-          </a:p>
-          <a:p>
-            <a:r>
-              <a:rPr lang="en-US" sz="2400" dirty="0"/>
-              <a:t>Bootstrap</a:t>
-            </a:r>
-          </a:p>
-          <a:p>
-            <a:r>
-              <a:rPr lang="en-US" sz="2400" dirty="0"/>
-              <a:t>HTML5</a:t>
-            </a:r>
-          </a:p>
-          <a:p>
-            <a:r>
-              <a:rPr lang="en-US" sz="2400" dirty="0"/>
-              <a:t>CSS3</a:t>
-            </a:r>
-          </a:p>
-          <a:p>
-            <a:r>
-              <a:rPr lang="en-US" sz="2400" dirty="0" err="1"/>
-              <a:t>Php</a:t>
-            </a:r>
-            <a:endParaRPr lang="en-US" sz="2400" dirty="0"/>
-          </a:p>
-        </p:txBody>
-      </p:sp>
-    </p:spTree>
-    <p:extLst>
-      <p:ext uri="{BB962C8B-B14F-4D97-AF65-F5344CB8AC3E}">
-        <p14:creationId xmlns:p14="http://schemas.microsoft.com/office/powerpoint/2010/main" val="1159172663"/>
-      </p:ext>
-    </p:extLst>
-  </p:cSld>
-  <p:clrMapOvr>
-    <a:masterClrMapping/>
-  </p:clrMapOvr>
-</p:sld>
-</file>
-
-<file path=ppt/slides/slide29.xml><?xml version="1.0" encoding="utf-8"?>
-<p:sld xmlns:a="http://schemas.openxmlformats.org/drawingml/2006/main" xmlns:r="http://schemas.openxmlformats.org/officeDocument/2006/relationships" xmlns:p="http://schemas.openxmlformats.org/presentationml/2006/main">
-  <p:cSld>
-    <p:spTree>
-      <p:nvGrpSpPr>
-        <p:cNvPr id="1" name=""/>
-        <p:cNvGrpSpPr/>
-        <p:nvPr/>
-      </p:nvGrpSpPr>
-      <p:grpSpPr>
-        <a:xfrm>
-          <a:off x="0" y="0"/>
-          <a:ext cx="0" cy="0"/>
-          <a:chOff x="0" y="0"/>
-          <a:chExt cx="0" cy="0"/>
-        </a:xfrm>
-      </p:grpSpPr>
-      <p:sp>
-        <p:nvSpPr>
-          <p:cNvPr id="2" name="Title 1"/>
-          <p:cNvSpPr>
-            <a:spLocks noGrp="1"/>
-          </p:cNvSpPr>
-          <p:nvPr>
-            <p:ph type="title"/>
-          </p:nvPr>
-        </p:nvSpPr>
-        <p:spPr/>
-        <p:txBody>
-          <a:bodyPr/>
-          <a:lstStyle/>
-          <a:p>
-            <a:r>
-              <a:rPr lang="en-US" dirty="0"/>
-              <a:t>Implementation</a:t>
-            </a:r>
-          </a:p>
-        </p:txBody>
-      </p:sp>
-      <p:sp>
-        <p:nvSpPr>
-          <p:cNvPr id="3" name="Content Placeholder 2"/>
-          <p:cNvSpPr>
-            <a:spLocks noGrp="1"/>
-          </p:cNvSpPr>
-          <p:nvPr>
-            <p:ph idx="1"/>
-          </p:nvPr>
-        </p:nvSpPr>
-        <p:spPr/>
-        <p:txBody>
-          <a:bodyPr/>
-          <a:lstStyle/>
-          <a:p>
-            <a:pPr marL="0" indent="0">
-              <a:buNone/>
-            </a:pPr>
-            <a:r>
-              <a:rPr lang="en-US" dirty="0"/>
               <a:t>List of Libraries/Components</a:t>
             </a:r>
           </a:p>
@@ -12766,141 +12224,7 @@
 </p:sld>
 </file>
 
-<file path=ppt/slides/slide3.xml><?xml version="1.0" encoding="utf-8"?>
-<p:sld xmlns:a="http://schemas.openxmlformats.org/drawingml/2006/main" xmlns:r="http://schemas.openxmlformats.org/officeDocument/2006/relationships" xmlns:p="http://schemas.openxmlformats.org/presentationml/2006/main">
-  <p:cSld>
-    <p:spTree>
-      <p:nvGrpSpPr>
-        <p:cNvPr id="1" name=""/>
-        <p:cNvGrpSpPr/>
-        <p:nvPr/>
-      </p:nvGrpSpPr>
-      <p:grpSpPr>
-        <a:xfrm>
-          <a:off x="0" y="0"/>
-          <a:ext cx="0" cy="0"/>
-          <a:chOff x="0" y="0"/>
-          <a:chExt cx="0" cy="0"/>
-        </a:xfrm>
-      </p:grpSpPr>
-      <p:sp>
-        <p:nvSpPr>
-          <p:cNvPr id="4098" name="Title 1"/>
-          <p:cNvSpPr>
-            <a:spLocks noGrp="1"/>
-          </p:cNvSpPr>
-          <p:nvPr>
-            <p:ph type="title"/>
-          </p:nvPr>
-        </p:nvSpPr>
-        <p:spPr/>
-        <p:txBody>
-          <a:bodyPr/>
-          <a:lstStyle/>
-          <a:p>
-            <a:pPr eaLnBrk="1" hangingPunct="1"/>
-            <a:r>
-              <a:rPr lang="en-US"/>
-              <a:t>Table of Content</a:t>
-            </a:r>
-          </a:p>
-        </p:txBody>
-      </p:sp>
-      <p:sp>
-        <p:nvSpPr>
-          <p:cNvPr id="4099" name="Content Placeholder 2"/>
-          <p:cNvSpPr>
-            <a:spLocks noGrp="1"/>
-          </p:cNvSpPr>
-          <p:nvPr>
-            <p:ph idx="1"/>
-          </p:nvPr>
-        </p:nvSpPr>
-        <p:spPr/>
-        <p:txBody>
-          <a:bodyPr/>
-          <a:lstStyle/>
-          <a:p>
-            <a:pPr eaLnBrk="1" hangingPunct="1"/>
-            <a:r>
-              <a:rPr lang="en-US" sz="2400" dirty="0"/>
-              <a:t>Opportunity &amp; Stakeholders </a:t>
-            </a:r>
-          </a:p>
-          <a:p>
-            <a:pPr eaLnBrk="1" hangingPunct="1"/>
-            <a:r>
-              <a:rPr lang="en-US" sz="2400" dirty="0"/>
-              <a:t>Existing Systems</a:t>
-            </a:r>
-          </a:p>
-          <a:p>
-            <a:pPr eaLnBrk="1" hangingPunct="1"/>
-            <a:r>
-              <a:rPr lang="en-US" sz="2400" dirty="0"/>
-              <a:t>Problem Statement</a:t>
-            </a:r>
-          </a:p>
-          <a:p>
-            <a:pPr eaLnBrk="1" hangingPunct="1"/>
-            <a:r>
-              <a:rPr lang="en-US" sz="2400" dirty="0"/>
-              <a:t>Endeavour (Team + Work + Way of Working)</a:t>
-            </a:r>
-          </a:p>
-          <a:p>
-            <a:pPr eaLnBrk="1" hangingPunct="1"/>
-            <a:r>
-              <a:rPr lang="en-US" sz="2400" dirty="0"/>
-              <a:t>System</a:t>
-            </a:r>
-          </a:p>
-          <a:p>
-            <a:pPr lvl="1" eaLnBrk="1" hangingPunct="1"/>
-            <a:r>
-              <a:rPr lang="en-US" sz="2000" dirty="0"/>
-              <a:t>Requirements Summary</a:t>
-            </a:r>
-          </a:p>
-          <a:p>
-            <a:pPr lvl="1" eaLnBrk="1" hangingPunct="1"/>
-            <a:r>
-              <a:rPr lang="en-US" sz="2000" dirty="0"/>
-              <a:t>Design Summary</a:t>
-            </a:r>
-          </a:p>
-          <a:p>
-            <a:pPr lvl="1" eaLnBrk="1" hangingPunct="1"/>
-            <a:r>
-              <a:rPr lang="en-US" sz="2000" dirty="0"/>
-              <a:t>Implementation Summary</a:t>
-            </a:r>
-          </a:p>
-          <a:p>
-            <a:pPr lvl="1" eaLnBrk="1" hangingPunct="1"/>
-            <a:r>
-              <a:rPr lang="en-US" sz="2000" dirty="0"/>
-              <a:t>Testing &amp; Evaluation Summary</a:t>
-            </a:r>
-          </a:p>
-          <a:p>
-            <a:pPr eaLnBrk="1" hangingPunct="1"/>
-            <a:r>
-              <a:rPr lang="en-US" sz="2400" dirty="0"/>
-              <a:t>Conclusion and Outlook</a:t>
-            </a:r>
-          </a:p>
-        </p:txBody>
-      </p:sp>
-    </p:spTree>
-  </p:cSld>
-  <p:clrMapOvr>
-    <a:masterClrMapping/>
-  </p:clrMapOvr>
-</p:sld>
-</file>
-
-<file path=ppt/slides/slide30.xml><?xml version="1.0" encoding="utf-8"?>
+<file path=ppt/slides/slide29.xml><?xml version="1.0" encoding="utf-8"?>
 <p:sld xmlns:a="http://schemas.openxmlformats.org/drawingml/2006/main" xmlns:r="http://schemas.openxmlformats.org/officeDocument/2006/relationships" xmlns:p="http://schemas.openxmlformats.org/presentationml/2006/main">
   <p:cSld>
     <p:spTree>
@@ -13228,7 +12552,141 @@
 </p:sld>
 </file>
 
-<file path=ppt/slides/slide31.xml><?xml version="1.0" encoding="utf-8"?>
+<file path=ppt/slides/slide3.xml><?xml version="1.0" encoding="utf-8"?>
+<p:sld xmlns:a="http://schemas.openxmlformats.org/drawingml/2006/main" xmlns:r="http://schemas.openxmlformats.org/officeDocument/2006/relationships" xmlns:p="http://schemas.openxmlformats.org/presentationml/2006/main">
+  <p:cSld>
+    <p:spTree>
+      <p:nvGrpSpPr>
+        <p:cNvPr id="1" name=""/>
+        <p:cNvGrpSpPr/>
+        <p:nvPr/>
+      </p:nvGrpSpPr>
+      <p:grpSpPr>
+        <a:xfrm>
+          <a:off x="0" y="0"/>
+          <a:ext cx="0" cy="0"/>
+          <a:chOff x="0" y="0"/>
+          <a:chExt cx="0" cy="0"/>
+        </a:xfrm>
+      </p:grpSpPr>
+      <p:sp>
+        <p:nvSpPr>
+          <p:cNvPr id="4098" name="Title 1"/>
+          <p:cNvSpPr>
+            <a:spLocks noGrp="1"/>
+          </p:cNvSpPr>
+          <p:nvPr>
+            <p:ph type="title"/>
+          </p:nvPr>
+        </p:nvSpPr>
+        <p:spPr/>
+        <p:txBody>
+          <a:bodyPr/>
+          <a:lstStyle/>
+          <a:p>
+            <a:pPr eaLnBrk="1" hangingPunct="1"/>
+            <a:r>
+              <a:rPr lang="en-US"/>
+              <a:t>Table of Content</a:t>
+            </a:r>
+          </a:p>
+        </p:txBody>
+      </p:sp>
+      <p:sp>
+        <p:nvSpPr>
+          <p:cNvPr id="4099" name="Content Placeholder 2"/>
+          <p:cNvSpPr>
+            <a:spLocks noGrp="1"/>
+          </p:cNvSpPr>
+          <p:nvPr>
+            <p:ph idx="1"/>
+          </p:nvPr>
+        </p:nvSpPr>
+        <p:spPr/>
+        <p:txBody>
+          <a:bodyPr/>
+          <a:lstStyle/>
+          <a:p>
+            <a:pPr eaLnBrk="1" hangingPunct="1"/>
+            <a:r>
+              <a:rPr lang="en-US" sz="2400" dirty="0"/>
+              <a:t>Opportunity &amp; Stakeholders </a:t>
+            </a:r>
+          </a:p>
+          <a:p>
+            <a:pPr eaLnBrk="1" hangingPunct="1"/>
+            <a:r>
+              <a:rPr lang="en-US" sz="2400" dirty="0"/>
+              <a:t>Existing Systems</a:t>
+            </a:r>
+          </a:p>
+          <a:p>
+            <a:pPr eaLnBrk="1" hangingPunct="1"/>
+            <a:r>
+              <a:rPr lang="en-US" sz="2400" dirty="0"/>
+              <a:t>Problem Statement</a:t>
+            </a:r>
+          </a:p>
+          <a:p>
+            <a:pPr eaLnBrk="1" hangingPunct="1"/>
+            <a:r>
+              <a:rPr lang="en-US" sz="2400" dirty="0"/>
+              <a:t>Endeavour (Team + Work + Way of Working)</a:t>
+            </a:r>
+          </a:p>
+          <a:p>
+            <a:pPr eaLnBrk="1" hangingPunct="1"/>
+            <a:r>
+              <a:rPr lang="en-US" sz="2400" dirty="0"/>
+              <a:t>System</a:t>
+            </a:r>
+          </a:p>
+          <a:p>
+            <a:pPr lvl="1" eaLnBrk="1" hangingPunct="1"/>
+            <a:r>
+              <a:rPr lang="en-US" sz="2000" dirty="0"/>
+              <a:t>Requirements Summary</a:t>
+            </a:r>
+          </a:p>
+          <a:p>
+            <a:pPr lvl="1" eaLnBrk="1" hangingPunct="1"/>
+            <a:r>
+              <a:rPr lang="en-US" sz="2000" dirty="0"/>
+              <a:t>Design Summary</a:t>
+            </a:r>
+          </a:p>
+          <a:p>
+            <a:pPr lvl="1" eaLnBrk="1" hangingPunct="1"/>
+            <a:r>
+              <a:rPr lang="en-US" sz="2000" dirty="0"/>
+              <a:t>Implementation Summary</a:t>
+            </a:r>
+          </a:p>
+          <a:p>
+            <a:pPr lvl="1" eaLnBrk="1" hangingPunct="1"/>
+            <a:r>
+              <a:rPr lang="en-US" sz="2000" dirty="0"/>
+              <a:t>Testing &amp; Evaluation Summary</a:t>
+            </a:r>
+          </a:p>
+          <a:p>
+            <a:pPr eaLnBrk="1" hangingPunct="1"/>
+            <a:r>
+              <a:rPr lang="en-US" sz="2400" dirty="0"/>
+              <a:t>Conclusion and Outlook</a:t>
+            </a:r>
+          </a:p>
+        </p:txBody>
+      </p:sp>
+    </p:spTree>
+  </p:cSld>
+  <p:clrMapOvr>
+    <a:masterClrMapping/>
+  </p:clrMapOvr>
+</p:sld>
+</file>
+
+<file path=ppt/slides/slide30.xml><?xml version="1.0" encoding="utf-8"?>
 <p:sld xmlns:a="http://schemas.openxmlformats.org/drawingml/2006/main" xmlns:r="http://schemas.openxmlformats.org/officeDocument/2006/relationships" xmlns:p="http://schemas.openxmlformats.org/presentationml/2006/main">
   <p:cSld>
     <p:spTree>
@@ -13312,7 +12770,7 @@
 </p:sld>
 </file>
 
-<file path=ppt/slides/slide32.xml><?xml version="1.0" encoding="utf-8"?>
+<file path=ppt/slides/slide31.xml><?xml version="1.0" encoding="utf-8"?>
 <p:sld xmlns:a="http://schemas.openxmlformats.org/drawingml/2006/main" xmlns:r="http://schemas.openxmlformats.org/officeDocument/2006/relationships" xmlns:p="http://schemas.openxmlformats.org/presentationml/2006/main">
   <p:cSld>
     <p:spTree>
@@ -13408,7 +12866,7 @@
 </p:sld>
 </file>
 
-<file path=ppt/slides/slide33.xml><?xml version="1.0" encoding="utf-8"?>
+<file path=ppt/slides/slide32.xml><?xml version="1.0" encoding="utf-8"?>
 <p:sld xmlns:a="http://schemas.openxmlformats.org/drawingml/2006/main" xmlns:r="http://schemas.openxmlformats.org/officeDocument/2006/relationships" xmlns:p="http://schemas.openxmlformats.org/presentationml/2006/main">
   <p:cSld>
     <p:spTree>
@@ -13940,13 +13398,6 @@
             <a:r>
               <a:rPr lang="en-US" sz="3000" dirty="0"/>
               <a:t>Pharmacist</a:t>
-            </a:r>
-          </a:p>
-          <a:p>
-            <a:pPr eaLnBrk="1" hangingPunct="1"/>
-            <a:r>
-              <a:rPr lang="en-US" sz="3000" dirty="0"/>
-              <a:t>Admin</a:t>
             </a:r>
           </a:p>
         </p:txBody>

--- a/Template -  06 - Final Presentation_FYP2.pptx
+++ b/Template -  06 - Final Presentation_FYP2.pptx
@@ -19,24 +19,23 @@
     <p:sldId id="289" r:id="rId13"/>
     <p:sldId id="263" r:id="rId14"/>
     <p:sldId id="264" r:id="rId15"/>
-    <p:sldId id="269" r:id="rId16"/>
-    <p:sldId id="282" r:id="rId17"/>
-    <p:sldId id="300" r:id="rId18"/>
-    <p:sldId id="292" r:id="rId19"/>
-    <p:sldId id="293" r:id="rId20"/>
-    <p:sldId id="265" r:id="rId21"/>
-    <p:sldId id="294" r:id="rId22"/>
-    <p:sldId id="295" r:id="rId23"/>
-    <p:sldId id="272" r:id="rId24"/>
-    <p:sldId id="296" r:id="rId25"/>
-    <p:sldId id="279" r:id="rId26"/>
-    <p:sldId id="273" r:id="rId27"/>
-    <p:sldId id="297" r:id="rId28"/>
-    <p:sldId id="298" r:id="rId29"/>
-    <p:sldId id="280" r:id="rId30"/>
-    <p:sldId id="267" r:id="rId31"/>
-    <p:sldId id="268" r:id="rId32"/>
-    <p:sldId id="299" r:id="rId33"/>
+    <p:sldId id="265" r:id="rId16"/>
+    <p:sldId id="295" r:id="rId17"/>
+    <p:sldId id="269" r:id="rId18"/>
+    <p:sldId id="282" r:id="rId19"/>
+    <p:sldId id="300" r:id="rId20"/>
+    <p:sldId id="292" r:id="rId21"/>
+    <p:sldId id="293" r:id="rId22"/>
+    <p:sldId id="272" r:id="rId23"/>
+    <p:sldId id="296" r:id="rId24"/>
+    <p:sldId id="279" r:id="rId25"/>
+    <p:sldId id="273" r:id="rId26"/>
+    <p:sldId id="297" r:id="rId27"/>
+    <p:sldId id="298" r:id="rId28"/>
+    <p:sldId id="280" r:id="rId29"/>
+    <p:sldId id="267" r:id="rId30"/>
+    <p:sldId id="268" r:id="rId31"/>
+    <p:sldId id="299" r:id="rId32"/>
   </p:sldIdLst>
   <p:sldSz cx="9144000" cy="6858000" type="screen4x3"/>
   <p:notesSz cx="7315200" cy="9601200"/>
@@ -9610,6 +9609,170 @@
             </a:pPr>
             <a:r>
               <a:rPr lang="en-US" dirty="0"/>
+              <a:t>Solution</a:t>
+            </a:r>
+          </a:p>
+        </p:txBody>
+      </p:sp>
+      <p:sp>
+        <p:nvSpPr>
+          <p:cNvPr id="14339" name="Text Placeholder 4"/>
+          <p:cNvSpPr>
+            <a:spLocks noGrp="1"/>
+          </p:cNvSpPr>
+          <p:nvPr>
+            <p:ph type="body" idx="1"/>
+          </p:nvPr>
+        </p:nvSpPr>
+        <p:spPr/>
+        <p:txBody>
+          <a:bodyPr rtlCol="0">
+            <a:normAutofit/>
+          </a:bodyPr>
+          <a:lstStyle/>
+          <a:p>
+            <a:pPr marL="44450" eaLnBrk="1" fontAlgn="auto" hangingPunct="1">
+              <a:spcAft>
+                <a:spcPts val="0"/>
+              </a:spcAft>
+              <a:buFont typeface="Arial" pitchFamily="34" charset="0"/>
+              <a:buNone/>
+              <a:defRPr/>
+            </a:pPr>
+            <a:endParaRPr lang="en-US"/>
+          </a:p>
+        </p:txBody>
+      </p:sp>
+    </p:spTree>
+  </p:cSld>
+  <p:clrMapOvr>
+    <a:masterClrMapping/>
+  </p:clrMapOvr>
+</p:sld>
+</file>
+
+<file path=ppt/slides/slide16.xml><?xml version="1.0" encoding="utf-8"?>
+<p:sld xmlns:a="http://schemas.openxmlformats.org/drawingml/2006/main" xmlns:r="http://schemas.openxmlformats.org/officeDocument/2006/relationships" xmlns:p="http://schemas.openxmlformats.org/presentationml/2006/main">
+  <p:cSld>
+    <p:spTree>
+      <p:nvGrpSpPr>
+        <p:cNvPr id="1" name=""/>
+        <p:cNvGrpSpPr/>
+        <p:nvPr/>
+      </p:nvGrpSpPr>
+      <p:grpSpPr>
+        <a:xfrm>
+          <a:off x="0" y="0"/>
+          <a:ext cx="0" cy="0"/>
+          <a:chOff x="0" y="0"/>
+          <a:chExt cx="0" cy="0"/>
+        </a:xfrm>
+      </p:grpSpPr>
+      <p:sp>
+        <p:nvSpPr>
+          <p:cNvPr id="2" name="Title 1"/>
+          <p:cNvSpPr>
+            <a:spLocks noGrp="1"/>
+          </p:cNvSpPr>
+          <p:nvPr>
+            <p:ph type="title"/>
+          </p:nvPr>
+        </p:nvSpPr>
+        <p:spPr/>
+        <p:txBody>
+          <a:bodyPr/>
+          <a:lstStyle/>
+          <a:p>
+            <a:r>
+              <a:rPr lang="en-US" dirty="0"/>
+              <a:t>Solution</a:t>
+            </a:r>
+          </a:p>
+        </p:txBody>
+      </p:sp>
+      <p:sp>
+        <p:nvSpPr>
+          <p:cNvPr id="3" name="Content Placeholder 2"/>
+          <p:cNvSpPr>
+            <a:spLocks noGrp="1"/>
+          </p:cNvSpPr>
+          <p:nvPr>
+            <p:ph idx="1"/>
+          </p:nvPr>
+        </p:nvSpPr>
+        <p:spPr/>
+        <p:txBody>
+          <a:bodyPr/>
+          <a:lstStyle/>
+          <a:p>
+            <a:r>
+              <a:rPr lang="en-US" sz="2800" dirty="0"/>
+              <a:t>Our Project is based on Mobile Application that will use Artificial Intelligence to detect various skin diseases. Our proposed solution will not require customer to go for a medical checkup but through real-time image processing, he/she will be able to get the skin disease diagnostics results either by uploading images of the skin or taking photos just by sitting at home.</a:t>
+            </a:r>
+          </a:p>
+          <a:p>
+            <a:pPr marL="0" indent="0">
+              <a:buNone/>
+            </a:pPr>
+            <a:endParaRPr lang="en-US" sz="2000" dirty="0"/>
+          </a:p>
+        </p:txBody>
+      </p:sp>
+    </p:spTree>
+    <p:extLst>
+      <p:ext uri="{BB962C8B-B14F-4D97-AF65-F5344CB8AC3E}">
+        <p14:creationId xmlns:p14="http://schemas.microsoft.com/office/powerpoint/2010/main" val="2090388478"/>
+      </p:ext>
+    </p:extLst>
+  </p:cSld>
+  <p:clrMapOvr>
+    <a:masterClrMapping/>
+  </p:clrMapOvr>
+</p:sld>
+</file>
+
+<file path=ppt/slides/slide17.xml><?xml version="1.0" encoding="utf-8"?>
+<p:sld xmlns:a="http://schemas.openxmlformats.org/drawingml/2006/main" xmlns:r="http://schemas.openxmlformats.org/officeDocument/2006/relationships" xmlns:p="http://schemas.openxmlformats.org/presentationml/2006/main">
+  <p:cSld>
+    <p:spTree>
+      <p:nvGrpSpPr>
+        <p:cNvPr id="1" name=""/>
+        <p:cNvGrpSpPr/>
+        <p:nvPr/>
+      </p:nvGrpSpPr>
+      <p:grpSpPr>
+        <a:xfrm>
+          <a:off x="0" y="0"/>
+          <a:ext cx="0" cy="0"/>
+          <a:chOff x="0" y="0"/>
+          <a:chExt cx="0" cy="0"/>
+        </a:xfrm>
+      </p:grpSpPr>
+      <p:sp>
+        <p:nvSpPr>
+          <p:cNvPr id="4" name="Title 3"/>
+          <p:cNvSpPr>
+            <a:spLocks noGrp="1"/>
+          </p:cNvSpPr>
+          <p:nvPr>
+            <p:ph type="title"/>
+          </p:nvPr>
+        </p:nvSpPr>
+        <p:spPr/>
+        <p:txBody>
+          <a:bodyPr rtlCol="0">
+            <a:normAutofit/>
+          </a:bodyPr>
+          <a:lstStyle/>
+          <a:p>
+            <a:pPr eaLnBrk="1" fontAlgn="auto" hangingPunct="1">
+              <a:spcAft>
+                <a:spcPts val="0"/>
+              </a:spcAft>
+              <a:defRPr/>
+            </a:pPr>
+            <a:r>
+              <a:rPr lang="en-US" dirty="0"/>
               <a:t>Endeavour</a:t>
             </a:r>
           </a:p>
@@ -9628,7 +9791,7 @@
 </p:sld>
 </file>
 
-<file path=ppt/slides/slide16.xml><?xml version="1.0" encoding="utf-8"?>
+<file path=ppt/slides/slide18.xml><?xml version="1.0" encoding="utf-8"?>
 <p:sld xmlns:a="http://schemas.openxmlformats.org/drawingml/2006/main" xmlns:r="http://schemas.openxmlformats.org/officeDocument/2006/relationships" xmlns:p="http://schemas.openxmlformats.org/presentationml/2006/main">
   <p:cSld>
     <p:spTree>
@@ -10091,609 +10254,6 @@
 </p:sld>
 </file>
 
-<file path=ppt/slides/slide17.xml><?xml version="1.0" encoding="utf-8"?>
-<p:sld xmlns:a="http://schemas.openxmlformats.org/drawingml/2006/main" xmlns:r="http://schemas.openxmlformats.org/officeDocument/2006/relationships" xmlns:p="http://schemas.openxmlformats.org/presentationml/2006/main">
-  <p:cSld>
-    <p:spTree>
-      <p:nvGrpSpPr>
-        <p:cNvPr id="1" name=""/>
-        <p:cNvGrpSpPr/>
-        <p:nvPr/>
-      </p:nvGrpSpPr>
-      <p:grpSpPr>
-        <a:xfrm>
-          <a:off x="0" y="0"/>
-          <a:ext cx="0" cy="0"/>
-          <a:chOff x="0" y="0"/>
-          <a:chExt cx="0" cy="0"/>
-        </a:xfrm>
-      </p:grpSpPr>
-      <p:sp>
-        <p:nvSpPr>
-          <p:cNvPr id="2" name="Title 1">
-            <a:extLst>
-              <a:ext uri="{FF2B5EF4-FFF2-40B4-BE49-F238E27FC236}">
-                <a16:creationId xmlns:a16="http://schemas.microsoft.com/office/drawing/2014/main" id="{E6AD4469-1FB2-238A-7799-193F3513F5DD}"/>
-              </a:ext>
-            </a:extLst>
-          </p:cNvPr>
-          <p:cNvSpPr>
-            <a:spLocks noGrp="1"/>
-          </p:cNvSpPr>
-          <p:nvPr>
-            <p:ph type="title"/>
-          </p:nvPr>
-        </p:nvSpPr>
-        <p:spPr/>
-        <p:txBody>
-          <a:bodyPr/>
-          <a:lstStyle/>
-          <a:p>
-            <a:r>
-              <a:rPr kumimoji="0" lang="en-US" sz="4400" b="0" i="0" u="none" strike="noStrike" kern="1200" cap="none" spc="0" normalizeH="0" baseline="0" noProof="0" dirty="0">
-                <a:ln>
-                  <a:noFill/>
-                </a:ln>
-                <a:solidFill>
-                  <a:prstClr val="black"/>
-                </a:solidFill>
-                <a:effectLst/>
-                <a:uLnTx/>
-                <a:uFillTx/>
-                <a:latin typeface="Calibri"/>
-                <a:ea typeface="+mj-ea"/>
-                <a:cs typeface="+mj-cs"/>
-              </a:rPr>
-              <a:t>Work Breakdown Structure</a:t>
-            </a:r>
-            <a:br>
-              <a:rPr kumimoji="0" lang="en-US" sz="4400" b="0" i="0" u="none" strike="noStrike" kern="1200" cap="none" spc="0" normalizeH="0" baseline="0" noProof="0" dirty="0">
-                <a:ln>
-                  <a:noFill/>
-                </a:ln>
-                <a:solidFill>
-                  <a:prstClr val="black"/>
-                </a:solidFill>
-                <a:effectLst/>
-                <a:uLnTx/>
-                <a:uFillTx/>
-                <a:latin typeface="Calibri"/>
-                <a:ea typeface="+mj-ea"/>
-                <a:cs typeface="+mj-cs"/>
-              </a:rPr>
-            </a:br>
-            <a:r>
-              <a:rPr kumimoji="0" lang="en-US" sz="1400" b="0" i="0" u="none" strike="noStrike" kern="1200" cap="none" spc="0" normalizeH="0" baseline="0" noProof="0" dirty="0">
-                <a:ln>
-                  <a:noFill/>
-                </a:ln>
-                <a:solidFill>
-                  <a:prstClr val="black"/>
-                </a:solidFill>
-                <a:effectLst/>
-                <a:uLnTx/>
-                <a:uFillTx/>
-                <a:latin typeface="Calibri"/>
-                <a:ea typeface="+mj-ea"/>
-                <a:cs typeface="+mj-cs"/>
-              </a:rPr>
-              <a:t>(List of all Deliverables / Strikethrough Completed Deliverables)</a:t>
-            </a:r>
-            <a:endParaRPr lang="en-US" dirty="0"/>
-          </a:p>
-        </p:txBody>
-      </p:sp>
-      <p:sp>
-        <p:nvSpPr>
-          <p:cNvPr id="15" name="TextBox 14">
-            <a:extLst>
-              <a:ext uri="{FF2B5EF4-FFF2-40B4-BE49-F238E27FC236}">
-                <a16:creationId xmlns:a16="http://schemas.microsoft.com/office/drawing/2014/main" id="{96FD955B-F3DC-CC94-6AE3-69086F611292}"/>
-              </a:ext>
-            </a:extLst>
-          </p:cNvPr>
-          <p:cNvSpPr txBox="1"/>
-          <p:nvPr/>
-        </p:nvSpPr>
-        <p:spPr>
-          <a:xfrm>
-            <a:off x="762000" y="1295399"/>
-            <a:ext cx="4572000" cy="6047809"/>
-          </a:xfrm>
-          <a:prstGeom prst="rect">
-            <a:avLst/>
-          </a:prstGeom>
-          <a:noFill/>
-        </p:spPr>
-        <p:txBody>
-          <a:bodyPr wrap="square">
-            <a:spAutoFit/>
-          </a:bodyPr>
-          <a:lstStyle/>
-          <a:p>
-            <a:pPr marL="342900" indent="-342900">
-              <a:lnSpc>
-                <a:spcPct val="150000"/>
-              </a:lnSpc>
-              <a:buFont typeface="Wingdings" panose="05000000000000000000" pitchFamily="2" charset="2"/>
-              <a:buChar char="§"/>
-            </a:pPr>
-            <a:r>
-              <a:rPr lang="en-US" sz="2200" b="1" strike="sngStrike" dirty="0"/>
-              <a:t>Project</a:t>
-            </a:r>
-            <a:r>
-              <a:rPr lang="en-US" sz="2400" b="1" strike="sngStrike" dirty="0"/>
-              <a:t> Proposal</a:t>
-            </a:r>
-          </a:p>
-          <a:p>
-            <a:pPr marL="742950" lvl="1" indent="-285750">
-              <a:buFont typeface="Wingdings" panose="05000000000000000000" pitchFamily="2" charset="2"/>
-              <a:buChar char="ü"/>
-            </a:pPr>
-            <a:r>
-              <a:rPr lang="en-US" strike="sngStrike" dirty="0"/>
-              <a:t>Initial Proposal</a:t>
-            </a:r>
-          </a:p>
-          <a:p>
-            <a:pPr marL="742950" lvl="1" indent="-285750">
-              <a:buFont typeface="Wingdings" panose="05000000000000000000" pitchFamily="2" charset="2"/>
-              <a:buChar char="ü"/>
-            </a:pPr>
-            <a:r>
-              <a:rPr lang="en-US" strike="sngStrike" dirty="0"/>
-              <a:t>Project Presentation</a:t>
-            </a:r>
-          </a:p>
-          <a:p>
-            <a:pPr marL="342900" indent="-342900">
-              <a:lnSpc>
-                <a:spcPct val="150000"/>
-              </a:lnSpc>
-              <a:buFont typeface="Wingdings" panose="05000000000000000000" pitchFamily="2" charset="2"/>
-              <a:buChar char="§"/>
-            </a:pPr>
-            <a:r>
-              <a:rPr lang="en-US" sz="2200" b="1" strike="sngStrike" dirty="0"/>
-              <a:t>Planning</a:t>
-            </a:r>
-          </a:p>
-          <a:p>
-            <a:pPr marL="742950" lvl="1" indent="-285750">
-              <a:buFont typeface="Wingdings" panose="05000000000000000000" pitchFamily="2" charset="2"/>
-              <a:buChar char="ü"/>
-            </a:pPr>
-            <a:r>
-              <a:rPr lang="en-US" strike="sngStrike" dirty="0"/>
-              <a:t>Work Breakdown Structure</a:t>
-            </a:r>
-          </a:p>
-          <a:p>
-            <a:pPr marL="742950" lvl="1" indent="-285750">
-              <a:buFont typeface="Wingdings" panose="05000000000000000000" pitchFamily="2" charset="2"/>
-              <a:buChar char="ü"/>
-            </a:pPr>
-            <a:r>
-              <a:rPr lang="en-US" strike="sngStrike" dirty="0"/>
-              <a:t>Roles and Responsibility Matrix</a:t>
-            </a:r>
-          </a:p>
-          <a:p>
-            <a:pPr marL="342900" indent="-342900">
-              <a:lnSpc>
-                <a:spcPct val="150000"/>
-              </a:lnSpc>
-              <a:buFont typeface="Wingdings" panose="05000000000000000000" pitchFamily="2" charset="2"/>
-              <a:buChar char="§"/>
-            </a:pPr>
-            <a:r>
-              <a:rPr lang="en-US" sz="2200" b="1" strike="sngStrike" dirty="0"/>
-              <a:t>Literature</a:t>
-            </a:r>
-            <a:r>
-              <a:rPr lang="en-US" sz="2000" strike="sngStrike" dirty="0"/>
-              <a:t> </a:t>
-            </a:r>
-          </a:p>
-          <a:p>
-            <a:pPr marL="742950" lvl="1" indent="-285750">
-              <a:lnSpc>
-                <a:spcPct val="150000"/>
-              </a:lnSpc>
-              <a:buFont typeface="Wingdings" panose="05000000000000000000" pitchFamily="2" charset="2"/>
-              <a:buChar char="ü"/>
-            </a:pPr>
-            <a:r>
-              <a:rPr lang="en-US" strike="sngStrike" dirty="0"/>
-              <a:t>Market Survey/Review</a:t>
-            </a:r>
-          </a:p>
-          <a:p>
-            <a:pPr marL="285750" indent="-285750">
-              <a:lnSpc>
-                <a:spcPct val="150000"/>
-              </a:lnSpc>
-              <a:buFont typeface="Wingdings" panose="05000000000000000000" pitchFamily="2" charset="2"/>
-              <a:buChar char="§"/>
-            </a:pPr>
-            <a:r>
-              <a:rPr lang="en-US" sz="2200" b="1" strike="sngStrike" dirty="0"/>
-              <a:t>Requirement Analysis</a:t>
-            </a:r>
-          </a:p>
-          <a:p>
-            <a:pPr marL="742950" lvl="1" indent="-285750">
-              <a:buFont typeface="Wingdings" panose="05000000000000000000" pitchFamily="2" charset="2"/>
-              <a:buChar char="ü"/>
-            </a:pPr>
-            <a:r>
-              <a:rPr lang="en-US" strike="sngStrike" dirty="0"/>
-              <a:t>Problem Statement </a:t>
-            </a:r>
-          </a:p>
-          <a:p>
-            <a:pPr marL="742950" lvl="1" indent="-285750">
-              <a:buFont typeface="Wingdings" panose="05000000000000000000" pitchFamily="2" charset="2"/>
-              <a:buChar char="ü"/>
-            </a:pPr>
-            <a:r>
-              <a:rPr lang="en-US" strike="sngStrike" dirty="0"/>
-              <a:t>Functional Requirements</a:t>
-            </a:r>
-          </a:p>
-          <a:p>
-            <a:pPr lvl="1"/>
-            <a:endParaRPr lang="en-US" dirty="0"/>
-          </a:p>
-          <a:p>
-            <a:pPr lvl="1"/>
-            <a:endParaRPr lang="en-US" dirty="0"/>
-          </a:p>
-          <a:p>
-            <a:endParaRPr lang="en-US" dirty="0"/>
-          </a:p>
-          <a:p>
-            <a:endParaRPr lang="en-US" dirty="0"/>
-          </a:p>
-          <a:p>
-            <a:endParaRPr lang="en-US" dirty="0"/>
-          </a:p>
-          <a:p>
-            <a:endParaRPr lang="en-US" dirty="0"/>
-          </a:p>
-        </p:txBody>
-      </p:sp>
-      <p:sp>
-        <p:nvSpPr>
-          <p:cNvPr id="18" name="TextBox 17">
-            <a:extLst>
-              <a:ext uri="{FF2B5EF4-FFF2-40B4-BE49-F238E27FC236}">
-                <a16:creationId xmlns:a16="http://schemas.microsoft.com/office/drawing/2014/main" id="{15252901-DFCE-E175-B5DB-84590794FD7B}"/>
-              </a:ext>
-            </a:extLst>
-          </p:cNvPr>
-          <p:cNvSpPr txBox="1"/>
-          <p:nvPr/>
-        </p:nvSpPr>
-        <p:spPr>
-          <a:xfrm>
-            <a:off x="4876800" y="1295399"/>
-            <a:ext cx="4572000" cy="5863144"/>
-          </a:xfrm>
-          <a:prstGeom prst="rect">
-            <a:avLst/>
-          </a:prstGeom>
-          <a:noFill/>
-        </p:spPr>
-        <p:txBody>
-          <a:bodyPr wrap="square">
-            <a:spAutoFit/>
-          </a:bodyPr>
-          <a:lstStyle/>
-          <a:p>
-            <a:pPr marL="342900" indent="-342900">
-              <a:lnSpc>
-                <a:spcPct val="150000"/>
-              </a:lnSpc>
-              <a:buFont typeface="Wingdings" panose="05000000000000000000" pitchFamily="2" charset="2"/>
-              <a:buChar char="§"/>
-            </a:pPr>
-            <a:r>
-              <a:rPr lang="en-US" sz="2200" b="1" strike="sngStrike" dirty="0"/>
-              <a:t>Design</a:t>
-            </a:r>
-          </a:p>
-          <a:p>
-            <a:pPr marL="742950" lvl="1" indent="-285750">
-              <a:buFont typeface="Wingdings" panose="05000000000000000000" pitchFamily="2" charset="2"/>
-              <a:buChar char="ü"/>
-            </a:pPr>
-            <a:r>
-              <a:rPr lang="en-US" strike="sngStrike" dirty="0"/>
-              <a:t>Architecture Design</a:t>
-            </a:r>
-          </a:p>
-          <a:p>
-            <a:pPr marL="742950" lvl="1" indent="-285750">
-              <a:buFont typeface="Wingdings" panose="05000000000000000000" pitchFamily="2" charset="2"/>
-              <a:buChar char="ü"/>
-            </a:pPr>
-            <a:r>
-              <a:rPr lang="en-US" strike="sngStrike" dirty="0"/>
-              <a:t>Detail Design</a:t>
-            </a:r>
-          </a:p>
-          <a:p>
-            <a:pPr marL="742950" lvl="1" indent="-285750">
-              <a:buFont typeface="Wingdings" panose="05000000000000000000" pitchFamily="2" charset="2"/>
-              <a:buChar char="ü"/>
-            </a:pPr>
-            <a:r>
-              <a:rPr lang="en-US" strike="sngStrike" dirty="0"/>
-              <a:t>System Prototype</a:t>
-            </a:r>
-          </a:p>
-          <a:p>
-            <a:pPr marL="342900" indent="-342900">
-              <a:lnSpc>
-                <a:spcPct val="150000"/>
-              </a:lnSpc>
-              <a:buFont typeface="Wingdings" panose="05000000000000000000" pitchFamily="2" charset="2"/>
-              <a:buChar char="§"/>
-            </a:pPr>
-            <a:r>
-              <a:rPr lang="en-US" sz="2200" b="1" strike="sngStrike" dirty="0"/>
-              <a:t>Implementation</a:t>
-            </a:r>
-          </a:p>
-          <a:p>
-            <a:pPr marL="742950" lvl="1" indent="-285750">
-              <a:buFont typeface="Wingdings" panose="05000000000000000000" pitchFamily="2" charset="2"/>
-              <a:buChar char="ü"/>
-            </a:pPr>
-            <a:r>
-              <a:rPr lang="en-US" strike="sngStrike" dirty="0"/>
-              <a:t>Front-End Development</a:t>
-            </a:r>
-          </a:p>
-          <a:p>
-            <a:pPr marL="342900" indent="-342900">
-              <a:lnSpc>
-                <a:spcPct val="150000"/>
-              </a:lnSpc>
-              <a:buFont typeface="Wingdings" panose="05000000000000000000" pitchFamily="2" charset="2"/>
-              <a:buChar char="§"/>
-            </a:pPr>
-            <a:r>
-              <a:rPr lang="en-US" sz="2200" b="1" strike="sngStrike" dirty="0"/>
-              <a:t>Database</a:t>
-            </a:r>
-            <a:r>
-              <a:rPr lang="en-US" sz="2200" strike="sngStrike" dirty="0"/>
-              <a:t> </a:t>
-            </a:r>
-          </a:p>
-          <a:p>
-            <a:pPr marL="742950" lvl="1" indent="-285750">
-              <a:lnSpc>
-                <a:spcPct val="150000"/>
-              </a:lnSpc>
-              <a:buFont typeface="Wingdings" panose="05000000000000000000" pitchFamily="2" charset="2"/>
-              <a:buChar char="ü"/>
-            </a:pPr>
-            <a:r>
-              <a:rPr lang="en-US" strike="sngStrike" dirty="0"/>
-              <a:t>Firebase Authentication</a:t>
-            </a:r>
-          </a:p>
-          <a:p>
-            <a:pPr marL="285750" indent="-285750">
-              <a:lnSpc>
-                <a:spcPct val="150000"/>
-              </a:lnSpc>
-              <a:buFont typeface="Wingdings" panose="05000000000000000000" pitchFamily="2" charset="2"/>
-              <a:buChar char="§"/>
-            </a:pPr>
-            <a:r>
-              <a:rPr lang="en-US" sz="2200" b="1" strike="sngStrike" dirty="0"/>
-              <a:t>Testing</a:t>
-            </a:r>
-            <a:endParaRPr lang="en-US" sz="2200" strike="sngStrike" dirty="0"/>
-          </a:p>
-          <a:p>
-            <a:pPr marL="742950" lvl="1" indent="-285750">
-              <a:buFont typeface="Wingdings" panose="05000000000000000000" pitchFamily="2" charset="2"/>
-              <a:buChar char="ü"/>
-            </a:pPr>
-            <a:r>
-              <a:rPr lang="en-US" strike="sngStrike" dirty="0"/>
-              <a:t>White Box Testing</a:t>
-            </a:r>
-          </a:p>
-          <a:p>
-            <a:pPr marL="742950" lvl="1" indent="-285750">
-              <a:buFont typeface="Wingdings" panose="05000000000000000000" pitchFamily="2" charset="2"/>
-              <a:buChar char="ü"/>
-            </a:pPr>
-            <a:r>
-              <a:rPr lang="en-US" strike="sngStrike" dirty="0"/>
-              <a:t>UI Testing</a:t>
-            </a:r>
-          </a:p>
-          <a:p>
-            <a:pPr lvl="1"/>
-            <a:endParaRPr lang="en-US" dirty="0"/>
-          </a:p>
-          <a:p>
-            <a:pPr lvl="1"/>
-            <a:endParaRPr lang="en-US" dirty="0"/>
-          </a:p>
-          <a:p>
-            <a:endParaRPr lang="en-US" dirty="0"/>
-          </a:p>
-          <a:p>
-            <a:endParaRPr lang="en-US" dirty="0"/>
-          </a:p>
-          <a:p>
-            <a:endParaRPr lang="en-US" dirty="0"/>
-          </a:p>
-          <a:p>
-            <a:endParaRPr lang="en-US" dirty="0"/>
-          </a:p>
-        </p:txBody>
-      </p:sp>
-    </p:spTree>
-    <p:extLst>
-      <p:ext uri="{BB962C8B-B14F-4D97-AF65-F5344CB8AC3E}">
-        <p14:creationId xmlns:p14="http://schemas.microsoft.com/office/powerpoint/2010/main" val="1256551518"/>
-      </p:ext>
-    </p:extLst>
-  </p:cSld>
-  <p:clrMapOvr>
-    <a:masterClrMapping/>
-  </p:clrMapOvr>
-</p:sld>
-</file>
-
-<file path=ppt/slides/slide18.xml><?xml version="1.0" encoding="utf-8"?>
-<p:sld xmlns:a="http://schemas.openxmlformats.org/drawingml/2006/main" xmlns:r="http://schemas.openxmlformats.org/officeDocument/2006/relationships" xmlns:p="http://schemas.openxmlformats.org/presentationml/2006/main">
-  <p:cSld>
-    <p:spTree>
-      <p:nvGrpSpPr>
-        <p:cNvPr id="1" name=""/>
-        <p:cNvGrpSpPr/>
-        <p:nvPr/>
-      </p:nvGrpSpPr>
-      <p:grpSpPr>
-        <a:xfrm>
-          <a:off x="0" y="0"/>
-          <a:ext cx="0" cy="0"/>
-          <a:chOff x="0" y="0"/>
-          <a:chExt cx="0" cy="0"/>
-        </a:xfrm>
-      </p:grpSpPr>
-      <p:sp>
-        <p:nvSpPr>
-          <p:cNvPr id="2" name="Title 1">
-            <a:extLst>
-              <a:ext uri="{FF2B5EF4-FFF2-40B4-BE49-F238E27FC236}">
-                <a16:creationId xmlns:a16="http://schemas.microsoft.com/office/drawing/2014/main" id="{E6AD4469-1FB2-238A-7799-193F3513F5DD}"/>
-              </a:ext>
-            </a:extLst>
-          </p:cNvPr>
-          <p:cNvSpPr>
-            <a:spLocks noGrp="1"/>
-          </p:cNvSpPr>
-          <p:nvPr>
-            <p:ph type="title"/>
-          </p:nvPr>
-        </p:nvSpPr>
-        <p:spPr/>
-        <p:txBody>
-          <a:bodyPr/>
-          <a:lstStyle/>
-          <a:p>
-            <a:r>
-              <a:rPr kumimoji="0" lang="en-US" sz="4400" b="0" i="0" u="none" strike="noStrike" kern="1200" cap="none" spc="0" normalizeH="0" baseline="0" noProof="0" dirty="0">
-                <a:ln>
-                  <a:noFill/>
-                </a:ln>
-                <a:solidFill>
-                  <a:prstClr val="black"/>
-                </a:solidFill>
-                <a:effectLst/>
-                <a:uLnTx/>
-                <a:uFillTx/>
-                <a:latin typeface="Calibri"/>
-                <a:ea typeface="+mj-ea"/>
-                <a:cs typeface="+mj-cs"/>
-              </a:rPr>
-              <a:t>Software Development Process</a:t>
-            </a:r>
-            <a:endParaRPr lang="en-US" dirty="0"/>
-          </a:p>
-        </p:txBody>
-      </p:sp>
-      <p:sp>
-        <p:nvSpPr>
-          <p:cNvPr id="9" name="TextBox 8">
-            <a:extLst>
-              <a:ext uri="{FF2B5EF4-FFF2-40B4-BE49-F238E27FC236}">
-                <a16:creationId xmlns:a16="http://schemas.microsoft.com/office/drawing/2014/main" id="{3805961A-98CB-8B1B-AE9B-18F301CDEEE5}"/>
-              </a:ext>
-            </a:extLst>
-          </p:cNvPr>
-          <p:cNvSpPr txBox="1"/>
-          <p:nvPr/>
-        </p:nvSpPr>
-        <p:spPr>
-          <a:xfrm>
-            <a:off x="838200" y="1443841"/>
-            <a:ext cx="7467600" cy="4401205"/>
-          </a:xfrm>
-          <a:prstGeom prst="rect">
-            <a:avLst/>
-          </a:prstGeom>
-          <a:noFill/>
-        </p:spPr>
-        <p:txBody>
-          <a:bodyPr wrap="square">
-            <a:spAutoFit/>
-          </a:bodyPr>
-          <a:lstStyle/>
-          <a:p>
-            <a:pPr marL="0" marR="0" lvl="1" indent="0" algn="just" defTabSz="914400" rtl="0" eaLnBrk="0" fontAlgn="base" latinLnBrk="0" hangingPunct="0">
-              <a:lnSpc>
-                <a:spcPct val="100000"/>
-              </a:lnSpc>
-              <a:spcBef>
-                <a:spcPct val="20000"/>
-              </a:spcBef>
-              <a:spcAft>
-                <a:spcPct val="0"/>
-              </a:spcAft>
-              <a:buClrTx/>
-              <a:buSzTx/>
-              <a:buFont typeface="Arial" charset="0"/>
-              <a:buNone/>
-              <a:tabLst/>
-              <a:defRPr/>
-            </a:pPr>
-            <a:r>
-              <a:rPr kumimoji="0" lang="en-US" sz="2800" b="0" i="0" u="none" strike="noStrike" kern="1200" cap="none" spc="0" normalizeH="0" baseline="0" noProof="0" dirty="0">
-                <a:ln>
-                  <a:noFill/>
-                </a:ln>
-                <a:solidFill>
-                  <a:prstClr val="black"/>
-                </a:solidFill>
-                <a:effectLst/>
-                <a:uLnTx/>
-                <a:uFillTx/>
-                <a:latin typeface="Calibri"/>
-                <a:ea typeface="+mn-ea"/>
-                <a:cs typeface="+mn-cs"/>
-              </a:rPr>
-              <a:t>We are using incremental model for the development of our project. This is because we have divided our project into multiple standalone module called as front-end development and back-end development. The Requirements for both of these modules have been gathered and requires less changes in the future. Moreover  subsequent release of the module adds function to the previous release. The process continues until our complete system achieved.</a:t>
-            </a:r>
-          </a:p>
-        </p:txBody>
-      </p:sp>
-    </p:spTree>
-    <p:extLst>
-      <p:ext uri="{BB962C8B-B14F-4D97-AF65-F5344CB8AC3E}">
-        <p14:creationId xmlns:p14="http://schemas.microsoft.com/office/powerpoint/2010/main" val="2298752959"/>
-      </p:ext>
-    </p:extLst>
-  </p:cSld>
-  <p:clrMapOvr>
-    <a:masterClrMapping/>
-  </p:clrMapOvr>
-</p:sld>
-</file>
-
 <file path=ppt/slides/slide19.xml><?xml version="1.0" encoding="utf-8"?>
 <p:sld xmlns:a="http://schemas.openxmlformats.org/drawingml/2006/main" xmlns:r="http://schemas.openxmlformats.org/officeDocument/2006/relationships" xmlns:p="http://schemas.openxmlformats.org/presentationml/2006/main">
   <p:cSld>
@@ -10747,7 +10307,40 @@
                 <a:ea typeface="+mj-ea"/>
                 <a:cs typeface="+mj-cs"/>
               </a:rPr>
-              <a:t>Endeavour</a:t>
+              <a:t>Work Breakdown Structure</a:t>
+            </a:r>
+            <a:br>
+              <a:rPr kumimoji="0" lang="en-US" sz="4400" b="0" i="0" u="none" strike="noStrike" kern="1200" cap="none" spc="0" normalizeH="0" baseline="0" noProof="0" dirty="0">
+                <a:ln>
+                  <a:noFill/>
+                </a:ln>
+                <a:solidFill>
+                  <a:prstClr val="black"/>
+                </a:solidFill>
+                <a:effectLst/>
+                <a:uLnTx/>
+                <a:uFillTx/>
+                <a:latin typeface="Calibri"/>
+                <a:ea typeface="+mj-ea"/>
+                <a:cs typeface="+mj-cs"/>
+              </a:rPr>
+            </a:br>
+            <a:r>
+              <a:rPr kumimoji="0" lang="en-US" sz="1400" b="0" i="0" u="none" strike="noStrike" kern="1200" cap="none" spc="0" normalizeH="0" baseline="0" noProof="0" dirty="0">
+                <a:ln>
+                  <a:noFill/>
+                </a:ln>
+                <a:solidFill>
+                  <a:prstClr val="black"/>
+                </a:solidFill>
+                <a:effectLst/>
+                <a:uLnTx/>
+                <a:uFillTx/>
+                <a:latin typeface="Calibri"/>
+                <a:ea typeface="+mj-ea"/>
+                <a:cs typeface="+mj-cs"/>
+              </a:rPr>
+              <a:t>(List of all Deliverables / Strikethrough Completed Deliverables)</a:t>
             </a:r>
             <a:endParaRPr lang="en-US" dirty="0"/>
           </a:p>
@@ -10755,10 +10348,10 @@
       </p:sp>
       <p:sp>
         <p:nvSpPr>
-          <p:cNvPr id="9" name="TextBox 8">
+          <p:cNvPr id="15" name="TextBox 14">
             <a:extLst>
               <a:ext uri="{FF2B5EF4-FFF2-40B4-BE49-F238E27FC236}">
-                <a16:creationId xmlns:a16="http://schemas.microsoft.com/office/drawing/2014/main" id="{3805961A-98CB-8B1B-AE9B-18F301CDEEE5}"/>
+                <a16:creationId xmlns:a16="http://schemas.microsoft.com/office/drawing/2014/main" id="{96FD955B-F3DC-CC94-6AE3-69086F611292}"/>
               </a:ext>
             </a:extLst>
           </p:cNvPr>
@@ -10767,8 +10360,8 @@
         </p:nvSpPr>
         <p:spPr>
           <a:xfrm>
-            <a:off x="838200" y="1443841"/>
-            <a:ext cx="7467600" cy="4659737"/>
+            <a:off x="762000" y="1295399"/>
+            <a:ext cx="4572000" cy="6047809"/>
           </a:xfrm>
           <a:prstGeom prst="rect">
             <a:avLst/>
@@ -10781,312 +10374,343 @@
           </a:bodyPr>
           <a:lstStyle/>
           <a:p>
-            <a:pPr marL="0" marR="0" lvl="1" indent="0" algn="just" defTabSz="914400" rtl="0" eaLnBrk="0" fontAlgn="base" latinLnBrk="0" hangingPunct="0">
+            <a:pPr marL="342900" indent="-342900">
               <a:lnSpc>
-                <a:spcPct val="100000"/>
+                <a:spcPct val="150000"/>
               </a:lnSpc>
-              <a:spcBef>
-                <a:spcPct val="20000"/>
-              </a:spcBef>
-              <a:spcAft>
-                <a:spcPct val="0"/>
-              </a:spcAft>
-              <a:buClrTx/>
-              <a:buSzTx/>
-              <a:buFont typeface="Arial" charset="0"/>
-              <a:buNone/>
-              <a:tabLst/>
-              <a:defRPr/>
+              <a:buFont typeface="Wingdings" panose="05000000000000000000" pitchFamily="2" charset="2"/>
+              <a:buChar char="§"/>
             </a:pPr>
             <a:r>
-              <a:rPr kumimoji="0" lang="en-US" sz="2800" b="0" i="0" u="none" strike="noStrike" kern="1200" cap="none" spc="0" normalizeH="0" baseline="0" noProof="0" dirty="0">
-                <a:ln>
-                  <a:noFill/>
-                </a:ln>
-                <a:solidFill>
-                  <a:prstClr val="black"/>
-                </a:solidFill>
-                <a:effectLst/>
-                <a:uLnTx/>
-                <a:uFillTx/>
-                <a:latin typeface="Calibri"/>
-                <a:ea typeface="+mn-ea"/>
-                <a:cs typeface="+mn-cs"/>
-              </a:rPr>
-              <a:t>Our way of working as a team:</a:t>
-            </a:r>
-          </a:p>
-          <a:p>
-            <a:pPr marR="0" lvl="1" indent="-457200" algn="just" defTabSz="914400" rtl="0" eaLnBrk="0" fontAlgn="base" latinLnBrk="0" hangingPunct="0">
+              <a:rPr lang="en-US" sz="2200" b="1" strike="sngStrike" dirty="0"/>
+              <a:t>Project</a:t>
+            </a:r>
+            <a:r>
+              <a:rPr lang="en-US" sz="2400" b="1" strike="sngStrike" dirty="0"/>
+              <a:t> Proposal</a:t>
+            </a:r>
+          </a:p>
+          <a:p>
+            <a:pPr marL="742950" lvl="1" indent="-285750">
+              <a:buFont typeface="Wingdings" panose="05000000000000000000" pitchFamily="2" charset="2"/>
+              <a:buChar char="ü"/>
+            </a:pPr>
+            <a:r>
+              <a:rPr lang="en-US" strike="sngStrike" dirty="0"/>
+              <a:t>Initial Proposal</a:t>
+            </a:r>
+          </a:p>
+          <a:p>
+            <a:pPr marL="742950" lvl="1" indent="-285750">
+              <a:buFont typeface="Wingdings" panose="05000000000000000000" pitchFamily="2" charset="2"/>
+              <a:buChar char="ü"/>
+            </a:pPr>
+            <a:r>
+              <a:rPr lang="en-US" strike="sngStrike" dirty="0"/>
+              <a:t>Project Presentation</a:t>
+            </a:r>
+          </a:p>
+          <a:p>
+            <a:pPr marL="342900" indent="-342900">
               <a:lnSpc>
-                <a:spcPct val="100000"/>
+                <a:spcPct val="150000"/>
               </a:lnSpc>
-              <a:spcBef>
-                <a:spcPct val="20000"/>
-              </a:spcBef>
-              <a:spcAft>
-                <a:spcPct val="0"/>
-              </a:spcAft>
-              <a:buClrTx/>
-              <a:buSzTx/>
-              <a:buFont typeface="Arial" panose="020B0604020202020204" pitchFamily="34" charset="0"/>
-              <a:buChar char="•"/>
-              <a:tabLst/>
-              <a:defRPr/>
+              <a:buFont typeface="Wingdings" panose="05000000000000000000" pitchFamily="2" charset="2"/>
+              <a:buChar char="§"/>
             </a:pPr>
             <a:r>
-              <a:rPr lang="en-US" sz="2800" dirty="0">
-                <a:solidFill>
-                  <a:prstClr val="black"/>
-                </a:solidFill>
-                <a:latin typeface="Calibri"/>
-                <a:cs typeface="+mn-cs"/>
-              </a:rPr>
-              <a:t>GitHub</a:t>
-            </a:r>
-          </a:p>
-          <a:p>
-            <a:pPr lvl="1" indent="-457200" algn="just" eaLnBrk="0" hangingPunct="0">
-              <a:spcBef>
-                <a:spcPct val="20000"/>
-              </a:spcBef>
-              <a:buFont typeface="Arial" panose="020B0604020202020204" pitchFamily="34" charset="0"/>
-              <a:buChar char="•"/>
-              <a:defRPr/>
+              <a:rPr lang="en-US" sz="2200" b="1" strike="sngStrike" dirty="0"/>
+              <a:t>Planning</a:t>
+            </a:r>
+          </a:p>
+          <a:p>
+            <a:pPr marL="742950" lvl="1" indent="-285750">
+              <a:buFont typeface="Wingdings" panose="05000000000000000000" pitchFamily="2" charset="2"/>
+              <a:buChar char="ü"/>
             </a:pPr>
             <a:r>
-              <a:rPr lang="en-US" sz="2800" dirty="0">
-                <a:solidFill>
-                  <a:prstClr val="black"/>
-                </a:solidFill>
-                <a:latin typeface="Calibri"/>
-                <a:cs typeface="+mn-cs"/>
-              </a:rPr>
-              <a:t>Microsoft Teams</a:t>
-            </a:r>
-          </a:p>
-          <a:p>
-            <a:pPr marR="0" lvl="1" indent="-457200" algn="just" defTabSz="914400" rtl="0" eaLnBrk="0" fontAlgn="base" latinLnBrk="0" hangingPunct="0">
+              <a:rPr lang="en-US" strike="sngStrike" dirty="0"/>
+              <a:t>Work Breakdown Structure</a:t>
+            </a:r>
+          </a:p>
+          <a:p>
+            <a:pPr marL="742950" lvl="1" indent="-285750">
+              <a:buFont typeface="Wingdings" panose="05000000000000000000" pitchFamily="2" charset="2"/>
+              <a:buChar char="ü"/>
+            </a:pPr>
+            <a:r>
+              <a:rPr lang="en-US" strike="sngStrike" dirty="0"/>
+              <a:t>Roles and Responsibility Matrix</a:t>
+            </a:r>
+          </a:p>
+          <a:p>
+            <a:pPr marL="342900" indent="-342900">
               <a:lnSpc>
-                <a:spcPct val="100000"/>
+                <a:spcPct val="150000"/>
               </a:lnSpc>
-              <a:spcBef>
-                <a:spcPct val="20000"/>
-              </a:spcBef>
-              <a:spcAft>
-                <a:spcPct val="0"/>
-              </a:spcAft>
-              <a:buClrTx/>
-              <a:buSzTx/>
-              <a:buFont typeface="Arial" panose="020B0604020202020204" pitchFamily="34" charset="0"/>
-              <a:buChar char="•"/>
-              <a:tabLst/>
-              <a:defRPr/>
+              <a:buFont typeface="Wingdings" panose="05000000000000000000" pitchFamily="2" charset="2"/>
+              <a:buChar char="§"/>
             </a:pPr>
             <a:r>
-              <a:rPr kumimoji="0" lang="en-US" sz="2800" b="0" i="0" u="none" strike="noStrike" kern="1200" cap="none" spc="0" normalizeH="0" baseline="0" noProof="0" dirty="0">
-                <a:ln>
-                  <a:noFill/>
-                </a:ln>
-                <a:solidFill>
-                  <a:prstClr val="black"/>
-                </a:solidFill>
-                <a:effectLst/>
-                <a:uLnTx/>
-                <a:uFillTx/>
-                <a:latin typeface="Calibri"/>
-                <a:ea typeface="+mn-ea"/>
-                <a:cs typeface="+mn-cs"/>
-              </a:rPr>
-              <a:t>Google</a:t>
-            </a:r>
-            <a:r>
-              <a:rPr lang="en-US" sz="2800" dirty="0">
-                <a:solidFill>
-                  <a:prstClr val="black"/>
-                </a:solidFill>
-                <a:latin typeface="Calibri"/>
-                <a:cs typeface="+mn-cs"/>
-              </a:rPr>
-              <a:t> Meet</a:t>
-            </a:r>
-          </a:p>
-          <a:p>
-            <a:pPr marR="0" lvl="1" indent="-457200" algn="just" defTabSz="914400" rtl="0" eaLnBrk="0" fontAlgn="base" latinLnBrk="0" hangingPunct="0">
+              <a:rPr lang="en-US" sz="2200" b="1" strike="sngStrike" dirty="0"/>
+              <a:t>Literature</a:t>
+            </a:r>
+            <a:r>
+              <a:rPr lang="en-US" sz="2000" strike="sngStrike" dirty="0"/>
+              <a:t> </a:t>
+            </a:r>
+          </a:p>
+          <a:p>
+            <a:pPr marL="742950" lvl="1" indent="-285750">
               <a:lnSpc>
-                <a:spcPct val="100000"/>
+                <a:spcPct val="150000"/>
               </a:lnSpc>
-              <a:spcBef>
-                <a:spcPct val="20000"/>
-              </a:spcBef>
-              <a:spcAft>
-                <a:spcPct val="0"/>
-              </a:spcAft>
-              <a:buClrTx/>
-              <a:buSzTx/>
-              <a:buFont typeface="Arial" panose="020B0604020202020204" pitchFamily="34" charset="0"/>
-              <a:buChar char="•"/>
-              <a:tabLst/>
-              <a:defRPr/>
+              <a:buFont typeface="Wingdings" panose="05000000000000000000" pitchFamily="2" charset="2"/>
+              <a:buChar char="ü"/>
             </a:pPr>
             <a:r>
-              <a:rPr kumimoji="0" lang="en-US" sz="2800" b="0" i="0" u="none" strike="noStrike" kern="1200" cap="none" spc="0" normalizeH="0" baseline="0" noProof="0" dirty="0">
-                <a:ln>
-                  <a:noFill/>
-                </a:ln>
-                <a:solidFill>
-                  <a:prstClr val="black"/>
-                </a:solidFill>
-                <a:effectLst/>
-                <a:uLnTx/>
-                <a:uFillTx/>
-                <a:latin typeface="Calibri"/>
-                <a:ea typeface="+mn-ea"/>
-                <a:cs typeface="+mn-cs"/>
-              </a:rPr>
-              <a:t>WhatsApp</a:t>
-            </a:r>
-            <a:endParaRPr lang="en-US" sz="2800" dirty="0">
-              <a:solidFill>
-                <a:prstClr val="black"/>
-              </a:solidFill>
-              <a:latin typeface="Calibri"/>
-              <a:cs typeface="+mn-cs"/>
-            </a:endParaRPr>
-          </a:p>
-          <a:p>
-            <a:pPr marR="0" lvl="1" indent="-457200" algn="just" defTabSz="914400" rtl="0" eaLnBrk="0" fontAlgn="base" latinLnBrk="0" hangingPunct="0">
+              <a:rPr lang="en-US" strike="sngStrike" dirty="0"/>
+              <a:t>Market Survey/Review</a:t>
+            </a:r>
+          </a:p>
+          <a:p>
+            <a:pPr marL="285750" indent="-285750">
               <a:lnSpc>
-                <a:spcPct val="100000"/>
+                <a:spcPct val="150000"/>
               </a:lnSpc>
-              <a:spcBef>
-                <a:spcPct val="20000"/>
-              </a:spcBef>
-              <a:spcAft>
-                <a:spcPct val="0"/>
-              </a:spcAft>
-              <a:buClrTx/>
-              <a:buSzTx/>
-              <a:buFont typeface="Arial" panose="020B0604020202020204" pitchFamily="34" charset="0"/>
-              <a:buChar char="•"/>
-              <a:tabLst/>
-              <a:defRPr/>
+              <a:buFont typeface="Wingdings" panose="05000000000000000000" pitchFamily="2" charset="2"/>
+              <a:buChar char="§"/>
             </a:pPr>
             <a:r>
-              <a:rPr lang="en-US" sz="2800" dirty="0">
-                <a:solidFill>
-                  <a:prstClr val="black"/>
-                </a:solidFill>
-                <a:latin typeface="Calibri"/>
-                <a:cs typeface="+mn-cs"/>
-              </a:rPr>
-              <a:t>Mandatory Meetings with supervisor</a:t>
-            </a:r>
-          </a:p>
-          <a:p>
-            <a:pPr marR="0" lvl="1" indent="-457200" algn="just" defTabSz="914400" rtl="0" eaLnBrk="0" fontAlgn="base" latinLnBrk="0" hangingPunct="0">
+              <a:rPr lang="en-US" sz="2200" b="1" strike="sngStrike" dirty="0"/>
+              <a:t>Requirement Analysis</a:t>
+            </a:r>
+          </a:p>
+          <a:p>
+            <a:pPr marL="742950" lvl="1" indent="-285750">
+              <a:buFont typeface="Wingdings" panose="05000000000000000000" pitchFamily="2" charset="2"/>
+              <a:buChar char="ü"/>
+            </a:pPr>
+            <a:r>
+              <a:rPr lang="en-US" strike="sngStrike" dirty="0"/>
+              <a:t>Problem Statement </a:t>
+            </a:r>
+          </a:p>
+          <a:p>
+            <a:pPr marL="742950" lvl="1" indent="-285750">
+              <a:buFont typeface="Wingdings" panose="05000000000000000000" pitchFamily="2" charset="2"/>
+              <a:buChar char="ü"/>
+            </a:pPr>
+            <a:r>
+              <a:rPr lang="en-US" strike="sngStrike" dirty="0"/>
+              <a:t>Functional Requirements</a:t>
+            </a:r>
+          </a:p>
+          <a:p>
+            <a:pPr lvl="1"/>
+            <a:endParaRPr lang="en-US" dirty="0"/>
+          </a:p>
+          <a:p>
+            <a:pPr lvl="1"/>
+            <a:endParaRPr lang="en-US" dirty="0"/>
+          </a:p>
+          <a:p>
+            <a:endParaRPr lang="en-US" dirty="0"/>
+          </a:p>
+          <a:p>
+            <a:endParaRPr lang="en-US" dirty="0"/>
+          </a:p>
+          <a:p>
+            <a:endParaRPr lang="en-US" dirty="0"/>
+          </a:p>
+          <a:p>
+            <a:endParaRPr lang="en-US" dirty="0"/>
+          </a:p>
+        </p:txBody>
+      </p:sp>
+      <p:sp>
+        <p:nvSpPr>
+          <p:cNvPr id="18" name="TextBox 17">
+            <a:extLst>
+              <a:ext uri="{FF2B5EF4-FFF2-40B4-BE49-F238E27FC236}">
+                <a16:creationId xmlns:a16="http://schemas.microsoft.com/office/drawing/2014/main" id="{15252901-DFCE-E175-B5DB-84590794FD7B}"/>
+              </a:ext>
+            </a:extLst>
+          </p:cNvPr>
+          <p:cNvSpPr txBox="1"/>
+          <p:nvPr/>
+        </p:nvSpPr>
+        <p:spPr>
+          <a:xfrm>
+            <a:off x="4876800" y="1295399"/>
+            <a:ext cx="4572000" cy="5863144"/>
+          </a:xfrm>
+          <a:prstGeom prst="rect">
+            <a:avLst/>
+          </a:prstGeom>
+          <a:noFill/>
+        </p:spPr>
+        <p:txBody>
+          <a:bodyPr wrap="square">
+            <a:spAutoFit/>
+          </a:bodyPr>
+          <a:lstStyle/>
+          <a:p>
+            <a:pPr marL="342900" indent="-342900">
               <a:lnSpc>
-                <a:spcPct val="100000"/>
+                <a:spcPct val="150000"/>
               </a:lnSpc>
-              <a:spcBef>
-                <a:spcPct val="20000"/>
-              </a:spcBef>
-              <a:spcAft>
-                <a:spcPct val="0"/>
-              </a:spcAft>
-              <a:buClrTx/>
-              <a:buSzTx/>
-              <a:buFont typeface="Arial" panose="020B0604020202020204" pitchFamily="34" charset="0"/>
-              <a:buChar char="•"/>
-              <a:tabLst/>
-              <a:defRPr/>
+              <a:buFont typeface="Wingdings" panose="05000000000000000000" pitchFamily="2" charset="2"/>
+              <a:buChar char="§"/>
             </a:pPr>
             <a:r>
-              <a:rPr kumimoji="0" lang="en-US" sz="2800" b="0" i="0" u="none" strike="noStrike" kern="1200" cap="none" spc="0" normalizeH="0" baseline="0" noProof="0" dirty="0">
-                <a:ln>
-                  <a:noFill/>
-                </a:ln>
-                <a:solidFill>
-                  <a:prstClr val="black"/>
-                </a:solidFill>
-                <a:effectLst/>
-                <a:uLnTx/>
-                <a:uFillTx/>
-                <a:latin typeface="Calibri"/>
-                <a:ea typeface="+mn-ea"/>
-                <a:cs typeface="+mn-cs"/>
-              </a:rPr>
-              <a:t>Email </a:t>
-            </a:r>
-          </a:p>
-          <a:p>
-            <a:pPr marR="0" lvl="1" indent="-457200" algn="just" defTabSz="914400" rtl="0" eaLnBrk="0" fontAlgn="base" latinLnBrk="0" hangingPunct="0">
+              <a:rPr lang="en-US" sz="2200" b="1" strike="sngStrike" dirty="0"/>
+              <a:t>Design</a:t>
+            </a:r>
+          </a:p>
+          <a:p>
+            <a:pPr marL="742950" lvl="1" indent="-285750">
+              <a:buFont typeface="Wingdings" panose="05000000000000000000" pitchFamily="2" charset="2"/>
+              <a:buChar char="ü"/>
+            </a:pPr>
+            <a:r>
+              <a:rPr lang="en-US" strike="sngStrike" dirty="0"/>
+              <a:t>Architecture Design</a:t>
+            </a:r>
+          </a:p>
+          <a:p>
+            <a:pPr marL="742950" lvl="1" indent="-285750">
+              <a:buFont typeface="Wingdings" panose="05000000000000000000" pitchFamily="2" charset="2"/>
+              <a:buChar char="ü"/>
+            </a:pPr>
+            <a:r>
+              <a:rPr lang="en-US" strike="sngStrike" dirty="0"/>
+              <a:t>Detail Design</a:t>
+            </a:r>
+          </a:p>
+          <a:p>
+            <a:pPr marL="742950" lvl="1" indent="-285750">
+              <a:buFont typeface="Wingdings" panose="05000000000000000000" pitchFamily="2" charset="2"/>
+              <a:buChar char="ü"/>
+            </a:pPr>
+            <a:r>
+              <a:rPr lang="en-US" strike="sngStrike" dirty="0"/>
+              <a:t>System Prototype</a:t>
+            </a:r>
+          </a:p>
+          <a:p>
+            <a:pPr marL="342900" indent="-342900">
               <a:lnSpc>
-                <a:spcPct val="100000"/>
+                <a:spcPct val="150000"/>
               </a:lnSpc>
-              <a:spcBef>
-                <a:spcPct val="20000"/>
-              </a:spcBef>
-              <a:spcAft>
-                <a:spcPct val="0"/>
-              </a:spcAft>
-              <a:buClrTx/>
-              <a:buSzTx/>
-              <a:buFont typeface="Arial" panose="020B0604020202020204" pitchFamily="34" charset="0"/>
-              <a:buChar char="•"/>
-              <a:tabLst/>
-              <a:defRPr/>
+              <a:buFont typeface="Wingdings" panose="05000000000000000000" pitchFamily="2" charset="2"/>
+              <a:buChar char="§"/>
             </a:pPr>
             <a:r>
-              <a:rPr lang="en-US" sz="2800" dirty="0">
-                <a:solidFill>
-                  <a:prstClr val="black"/>
-                </a:solidFill>
-                <a:latin typeface="Calibri"/>
-                <a:cs typeface="+mn-cs"/>
-              </a:rPr>
-              <a:t>Physical Meetings</a:t>
-            </a:r>
-          </a:p>
-          <a:p>
-            <a:pPr marR="0" lvl="1" indent="-457200" algn="just" defTabSz="914400" rtl="0" eaLnBrk="0" fontAlgn="base" latinLnBrk="0" hangingPunct="0">
+              <a:rPr lang="en-US" sz="2200" b="1" strike="sngStrike" dirty="0"/>
+              <a:t>Implementation</a:t>
+            </a:r>
+          </a:p>
+          <a:p>
+            <a:pPr marL="742950" lvl="1" indent="-285750">
+              <a:buFont typeface="Wingdings" panose="05000000000000000000" pitchFamily="2" charset="2"/>
+              <a:buChar char="ü"/>
+            </a:pPr>
+            <a:r>
+              <a:rPr lang="en-US" strike="sngStrike" dirty="0"/>
+              <a:t>Front-End Development</a:t>
+            </a:r>
+          </a:p>
+          <a:p>
+            <a:pPr marL="342900" indent="-342900">
               <a:lnSpc>
-                <a:spcPct val="100000"/>
+                <a:spcPct val="150000"/>
               </a:lnSpc>
-              <a:spcBef>
-                <a:spcPct val="20000"/>
-              </a:spcBef>
-              <a:spcAft>
-                <a:spcPct val="0"/>
-              </a:spcAft>
-              <a:buClrTx/>
-              <a:buSzTx/>
-              <a:buFont typeface="Arial" panose="020B0604020202020204" pitchFamily="34" charset="0"/>
-              <a:buChar char="•"/>
-              <a:tabLst/>
-              <a:defRPr/>
+              <a:buFont typeface="Wingdings" panose="05000000000000000000" pitchFamily="2" charset="2"/>
+              <a:buChar char="§"/>
             </a:pPr>
-            <a:endParaRPr kumimoji="0" lang="en-US" sz="2800" b="0" i="0" u="none" strike="noStrike" kern="1200" cap="none" spc="0" normalizeH="0" baseline="0" noProof="0" dirty="0">
-              <a:ln>
-                <a:noFill/>
-              </a:ln>
-              <a:solidFill>
-                <a:prstClr val="black"/>
-              </a:solidFill>
-              <a:effectLst/>
-              <a:uLnTx/>
-              <a:uFillTx/>
-              <a:latin typeface="Calibri"/>
-              <a:ea typeface="+mn-ea"/>
-              <a:cs typeface="+mn-cs"/>
-            </a:endParaRPr>
+            <a:r>
+              <a:rPr lang="en-US" sz="2200" b="1" strike="sngStrike" dirty="0"/>
+              <a:t>Database</a:t>
+            </a:r>
+            <a:r>
+              <a:rPr lang="en-US" sz="2200" strike="sngStrike" dirty="0"/>
+              <a:t> </a:t>
+            </a:r>
+          </a:p>
+          <a:p>
+            <a:pPr marL="742950" lvl="1" indent="-285750">
+              <a:lnSpc>
+                <a:spcPct val="150000"/>
+              </a:lnSpc>
+              <a:buFont typeface="Wingdings" panose="05000000000000000000" pitchFamily="2" charset="2"/>
+              <a:buChar char="ü"/>
+            </a:pPr>
+            <a:r>
+              <a:rPr lang="en-US" strike="sngStrike" dirty="0"/>
+              <a:t>Firebase Authentication</a:t>
+            </a:r>
+          </a:p>
+          <a:p>
+            <a:pPr marL="285750" indent="-285750">
+              <a:lnSpc>
+                <a:spcPct val="150000"/>
+              </a:lnSpc>
+              <a:buFont typeface="Wingdings" panose="05000000000000000000" pitchFamily="2" charset="2"/>
+              <a:buChar char="§"/>
+            </a:pPr>
+            <a:r>
+              <a:rPr lang="en-US" sz="2200" b="1" strike="sngStrike" dirty="0"/>
+              <a:t>Testing</a:t>
+            </a:r>
+            <a:endParaRPr lang="en-US" sz="2200" strike="sngStrike" dirty="0"/>
+          </a:p>
+          <a:p>
+            <a:pPr marL="742950" lvl="1" indent="-285750">
+              <a:buFont typeface="Wingdings" panose="05000000000000000000" pitchFamily="2" charset="2"/>
+              <a:buChar char="ü"/>
+            </a:pPr>
+            <a:r>
+              <a:rPr lang="en-US" strike="sngStrike" dirty="0"/>
+              <a:t>White Box Testing</a:t>
+            </a:r>
+          </a:p>
+          <a:p>
+            <a:pPr marL="742950" lvl="1" indent="-285750">
+              <a:buFont typeface="Wingdings" panose="05000000000000000000" pitchFamily="2" charset="2"/>
+              <a:buChar char="ü"/>
+            </a:pPr>
+            <a:r>
+              <a:rPr lang="en-US" strike="sngStrike" dirty="0"/>
+              <a:t>UI Testing</a:t>
+            </a:r>
+          </a:p>
+          <a:p>
+            <a:pPr lvl="1"/>
+            <a:endParaRPr lang="en-US" dirty="0"/>
+          </a:p>
+          <a:p>
+            <a:pPr lvl="1"/>
+            <a:endParaRPr lang="en-US" dirty="0"/>
+          </a:p>
+          <a:p>
+            <a:endParaRPr lang="en-US" dirty="0"/>
+          </a:p>
+          <a:p>
+            <a:endParaRPr lang="en-US" dirty="0"/>
+          </a:p>
+          <a:p>
+            <a:endParaRPr lang="en-US" dirty="0"/>
+          </a:p>
+          <a:p>
+            <a:endParaRPr lang="en-US" dirty="0"/>
           </a:p>
         </p:txBody>
       </p:sp>
     </p:spTree>
     <p:extLst>
       <p:ext uri="{BB962C8B-B14F-4D97-AF65-F5344CB8AC3E}">
-        <p14:creationId xmlns:p14="http://schemas.microsoft.com/office/powerpoint/2010/main" val="753547619"/>
+        <p14:creationId xmlns:p14="http://schemas.microsoft.com/office/powerpoint/2010/main" val="1256551518"/>
       </p:ext>
     </p:extLst>
   </p:cSld>
@@ -11204,7 +10828,13 @@
       </p:grpSpPr>
       <p:sp>
         <p:nvSpPr>
-          <p:cNvPr id="4" name="Title 3"/>
+          <p:cNvPr id="2" name="Title 1">
+            <a:extLst>
+              <a:ext uri="{FF2B5EF4-FFF2-40B4-BE49-F238E27FC236}">
+                <a16:creationId xmlns:a16="http://schemas.microsoft.com/office/drawing/2014/main" id="{E6AD4469-1FB2-238A-7799-193F3513F5DD}"/>
+              </a:ext>
+            </a:extLst>
+          </p:cNvPr>
           <p:cNvSpPr>
             <a:spLocks noGrp="1"/>
           </p:cNvSpPr>
@@ -11214,54 +10844,101 @@
         </p:nvSpPr>
         <p:spPr/>
         <p:txBody>
-          <a:bodyPr rtlCol="0">
-            <a:normAutofit/>
-          </a:bodyPr>
+          <a:bodyPr/>
           <a:lstStyle/>
           <a:p>
-            <a:pPr eaLnBrk="1" fontAlgn="auto" hangingPunct="1">
-              <a:spcAft>
-                <a:spcPts val="0"/>
-              </a:spcAft>
-              <a:defRPr/>
-            </a:pPr>
-            <a:r>
-              <a:rPr lang="en-US" dirty="0"/>
-              <a:t>Solution</a:t>
-            </a:r>
+            <a:r>
+              <a:rPr kumimoji="0" lang="en-US" sz="4400" b="0" i="0" u="none" strike="noStrike" kern="1200" cap="none" spc="0" normalizeH="0" baseline="0" noProof="0" dirty="0">
+                <a:ln>
+                  <a:noFill/>
+                </a:ln>
+                <a:solidFill>
+                  <a:prstClr val="black"/>
+                </a:solidFill>
+                <a:effectLst/>
+                <a:uLnTx/>
+                <a:uFillTx/>
+                <a:latin typeface="Calibri"/>
+                <a:ea typeface="+mj-ea"/>
+                <a:cs typeface="+mj-cs"/>
+              </a:rPr>
+              <a:t>Software Development Process</a:t>
+            </a:r>
+            <a:endParaRPr lang="en-US" dirty="0"/>
           </a:p>
         </p:txBody>
       </p:sp>
       <p:sp>
         <p:nvSpPr>
-          <p:cNvPr id="14339" name="Text Placeholder 4"/>
-          <p:cNvSpPr>
-            <a:spLocks noGrp="1"/>
-          </p:cNvSpPr>
-          <p:nvPr>
-            <p:ph type="body" idx="1"/>
-          </p:nvPr>
+          <p:cNvPr id="9" name="TextBox 8">
+            <a:extLst>
+              <a:ext uri="{FF2B5EF4-FFF2-40B4-BE49-F238E27FC236}">
+                <a16:creationId xmlns:a16="http://schemas.microsoft.com/office/drawing/2014/main" id="{3805961A-98CB-8B1B-AE9B-18F301CDEEE5}"/>
+              </a:ext>
+            </a:extLst>
+          </p:cNvPr>
+          <p:cNvSpPr txBox="1"/>
+          <p:nvPr/>
         </p:nvSpPr>
-        <p:spPr/>
+        <p:spPr>
+          <a:xfrm>
+            <a:off x="838200" y="1443841"/>
+            <a:ext cx="7467600" cy="4401205"/>
+          </a:xfrm>
+          <a:prstGeom prst="rect">
+            <a:avLst/>
+          </a:prstGeom>
+          <a:noFill/>
+        </p:spPr>
         <p:txBody>
-          <a:bodyPr rtlCol="0">
-            <a:normAutofit/>
+          <a:bodyPr wrap="square">
+            <a:spAutoFit/>
           </a:bodyPr>
           <a:lstStyle/>
           <a:p>
-            <a:pPr marL="44450" eaLnBrk="1" fontAlgn="auto" hangingPunct="1">
+            <a:pPr marL="0" marR="0" lvl="1" indent="0" algn="just" defTabSz="914400" rtl="0" eaLnBrk="0" fontAlgn="base" latinLnBrk="0" hangingPunct="0">
+              <a:lnSpc>
+                <a:spcPct val="100000"/>
+              </a:lnSpc>
+              <a:spcBef>
+                <a:spcPct val="20000"/>
+              </a:spcBef>
               <a:spcAft>
-                <a:spcPts val="0"/>
+                <a:spcPct val="0"/>
               </a:spcAft>
-              <a:buFont typeface="Arial" pitchFamily="34" charset="0"/>
+              <a:buClrTx/>
+              <a:buSzTx/>
+              <a:buFont typeface="Arial" charset="0"/>
               <a:buNone/>
+              <a:tabLst/>
               <a:defRPr/>
             </a:pPr>
-            <a:endParaRPr lang="en-US"/>
+            <a:r>
+              <a:rPr kumimoji="0" lang="en-US" sz="2800" b="0" i="0" u="none" strike="noStrike" kern="1200" cap="none" spc="0" normalizeH="0" baseline="0" noProof="0" dirty="0">
+                <a:ln>
+                  <a:noFill/>
+                </a:ln>
+                <a:solidFill>
+                  <a:prstClr val="black"/>
+                </a:solidFill>
+                <a:effectLst/>
+                <a:uLnTx/>
+                <a:uFillTx/>
+                <a:latin typeface="Calibri"/>
+                <a:ea typeface="+mn-ea"/>
+                <a:cs typeface="+mn-cs"/>
+              </a:rPr>
+              <a:t>We are using incremental model for the development of our project. This is because we have divided our project into multiple standalone module called as front-end development and back-end development. The Requirements for both of these modules have been gathered and requires less changes in the future. Moreover  subsequent release of the module adds function to the previous release. The process continues until our complete system achieved.</a:t>
+            </a:r>
           </a:p>
         </p:txBody>
       </p:sp>
     </p:spTree>
+    <p:extLst>
+      <p:ext uri="{BB962C8B-B14F-4D97-AF65-F5344CB8AC3E}">
+        <p14:creationId xmlns:p14="http://schemas.microsoft.com/office/powerpoint/2010/main" val="2298752959"/>
+      </p:ext>
+    </p:extLst>
   </p:cSld>
   <p:clrMapOvr>
     <a:masterClrMapping/>
@@ -11288,7 +10965,13 @@
       </p:grpSpPr>
       <p:sp>
         <p:nvSpPr>
-          <p:cNvPr id="2" name="Title 1"/>
+          <p:cNvPr id="2" name="Title 1">
+            <a:extLst>
+              <a:ext uri="{FF2B5EF4-FFF2-40B4-BE49-F238E27FC236}">
+                <a16:creationId xmlns:a16="http://schemas.microsoft.com/office/drawing/2014/main" id="{E6AD4469-1FB2-238A-7799-193F3513F5DD}"/>
+              </a:ext>
+            </a:extLst>
+          </p:cNvPr>
           <p:cNvSpPr>
             <a:spLocks noGrp="1"/>
           </p:cNvSpPr>
@@ -11302,41 +10985,360 @@
           <a:lstStyle/>
           <a:p>
             <a:r>
-              <a:rPr lang="en-US" dirty="0"/>
-              <a:t>Solution</a:t>
-            </a:r>
+              <a:rPr kumimoji="0" lang="en-US" sz="4400" b="0" i="0" u="none" strike="noStrike" kern="1200" cap="none" spc="0" normalizeH="0" baseline="0" noProof="0" dirty="0">
+                <a:ln>
+                  <a:noFill/>
+                </a:ln>
+                <a:solidFill>
+                  <a:prstClr val="black"/>
+                </a:solidFill>
+                <a:effectLst/>
+                <a:uLnTx/>
+                <a:uFillTx/>
+                <a:latin typeface="Calibri"/>
+                <a:ea typeface="+mj-ea"/>
+                <a:cs typeface="+mj-cs"/>
+              </a:rPr>
+              <a:t>Endeavour</a:t>
+            </a:r>
+            <a:endParaRPr lang="en-US" dirty="0"/>
           </a:p>
         </p:txBody>
       </p:sp>
       <p:sp>
         <p:nvSpPr>
-          <p:cNvPr id="3" name="Content Placeholder 2"/>
-          <p:cNvSpPr>
-            <a:spLocks noGrp="1"/>
-          </p:cNvSpPr>
-          <p:nvPr>
-            <p:ph idx="1"/>
-          </p:nvPr>
+          <p:cNvPr id="9" name="TextBox 8">
+            <a:extLst>
+              <a:ext uri="{FF2B5EF4-FFF2-40B4-BE49-F238E27FC236}">
+                <a16:creationId xmlns:a16="http://schemas.microsoft.com/office/drawing/2014/main" id="{3805961A-98CB-8B1B-AE9B-18F301CDEEE5}"/>
+              </a:ext>
+            </a:extLst>
+          </p:cNvPr>
+          <p:cNvSpPr txBox="1"/>
+          <p:nvPr/>
         </p:nvSpPr>
-        <p:spPr/>
+        <p:spPr>
+          <a:xfrm>
+            <a:off x="838200" y="1443841"/>
+            <a:ext cx="7467600" cy="4659737"/>
+          </a:xfrm>
+          <a:prstGeom prst="rect">
+            <a:avLst/>
+          </a:prstGeom>
+          <a:noFill/>
+        </p:spPr>
         <p:txBody>
-          <a:bodyPr/>
+          <a:bodyPr wrap="square">
+            <a:spAutoFit/>
+          </a:bodyPr>
           <a:lstStyle/>
           <a:p>
-            <a:r>
-              <a:rPr lang="en-US" sz="2800" dirty="0"/>
-              <a:t>Our Project is based on Mobile Application that will use Artificial Intelligence to detect various skin diseases. Our proposed solution will not require customer to go for a medical checkup but through real-time image processing, he/she will be able to get the skin disease diagnostics results either by uploading images of the skin or taking photos just by sitting at home.</a:t>
-            </a:r>
-          </a:p>
-          <a:p>
-            <a:endParaRPr lang="en-US" sz="2000" dirty="0"/>
+            <a:pPr marL="0" marR="0" lvl="1" indent="0" algn="just" defTabSz="914400" rtl="0" eaLnBrk="0" fontAlgn="base" latinLnBrk="0" hangingPunct="0">
+              <a:lnSpc>
+                <a:spcPct val="100000"/>
+              </a:lnSpc>
+              <a:spcBef>
+                <a:spcPct val="20000"/>
+              </a:spcBef>
+              <a:spcAft>
+                <a:spcPct val="0"/>
+              </a:spcAft>
+              <a:buClrTx/>
+              <a:buSzTx/>
+              <a:buFont typeface="Arial" charset="0"/>
+              <a:buNone/>
+              <a:tabLst/>
+              <a:defRPr/>
+            </a:pPr>
+            <a:r>
+              <a:rPr kumimoji="0" lang="en-US" sz="2800" b="0" i="0" u="none" strike="noStrike" kern="1200" cap="none" spc="0" normalizeH="0" baseline="0" noProof="0" dirty="0">
+                <a:ln>
+                  <a:noFill/>
+                </a:ln>
+                <a:solidFill>
+                  <a:prstClr val="black"/>
+                </a:solidFill>
+                <a:effectLst/>
+                <a:uLnTx/>
+                <a:uFillTx/>
+                <a:latin typeface="Calibri"/>
+                <a:ea typeface="+mn-ea"/>
+                <a:cs typeface="+mn-cs"/>
+              </a:rPr>
+              <a:t>Our way of working as a team:</a:t>
+            </a:r>
+          </a:p>
+          <a:p>
+            <a:pPr marR="0" lvl="1" indent="-457200" algn="just" defTabSz="914400" rtl="0" eaLnBrk="0" fontAlgn="base" latinLnBrk="0" hangingPunct="0">
+              <a:lnSpc>
+                <a:spcPct val="100000"/>
+              </a:lnSpc>
+              <a:spcBef>
+                <a:spcPct val="20000"/>
+              </a:spcBef>
+              <a:spcAft>
+                <a:spcPct val="0"/>
+              </a:spcAft>
+              <a:buClrTx/>
+              <a:buSzTx/>
+              <a:buFont typeface="Arial" panose="020B0604020202020204" pitchFamily="34" charset="0"/>
+              <a:buChar char="•"/>
+              <a:tabLst/>
+              <a:defRPr/>
+            </a:pPr>
+            <a:r>
+              <a:rPr lang="en-US" sz="2800" dirty="0">
+                <a:solidFill>
+                  <a:prstClr val="black"/>
+                </a:solidFill>
+                <a:latin typeface="Calibri"/>
+                <a:cs typeface="+mn-cs"/>
+              </a:rPr>
+              <a:t>GitHub</a:t>
+            </a:r>
+          </a:p>
+          <a:p>
+            <a:pPr lvl="1" indent="-457200" algn="just" eaLnBrk="0" hangingPunct="0">
+              <a:spcBef>
+                <a:spcPct val="20000"/>
+              </a:spcBef>
+              <a:buFont typeface="Arial" panose="020B0604020202020204" pitchFamily="34" charset="0"/>
+              <a:buChar char="•"/>
+              <a:defRPr/>
+            </a:pPr>
+            <a:r>
+              <a:rPr lang="en-US" sz="2800" dirty="0">
+                <a:solidFill>
+                  <a:prstClr val="black"/>
+                </a:solidFill>
+                <a:latin typeface="Calibri"/>
+                <a:cs typeface="+mn-cs"/>
+              </a:rPr>
+              <a:t>Microsoft Teams</a:t>
+            </a:r>
+          </a:p>
+          <a:p>
+            <a:pPr marR="0" lvl="1" indent="-457200" algn="just" defTabSz="914400" rtl="0" eaLnBrk="0" fontAlgn="base" latinLnBrk="0" hangingPunct="0">
+              <a:lnSpc>
+                <a:spcPct val="100000"/>
+              </a:lnSpc>
+              <a:spcBef>
+                <a:spcPct val="20000"/>
+              </a:spcBef>
+              <a:spcAft>
+                <a:spcPct val="0"/>
+              </a:spcAft>
+              <a:buClrTx/>
+              <a:buSzTx/>
+              <a:buFont typeface="Arial" panose="020B0604020202020204" pitchFamily="34" charset="0"/>
+              <a:buChar char="•"/>
+              <a:tabLst/>
+              <a:defRPr/>
+            </a:pPr>
+            <a:r>
+              <a:rPr kumimoji="0" lang="en-US" sz="2800" b="0" i="0" u="none" strike="noStrike" kern="1200" cap="none" spc="0" normalizeH="0" baseline="0" noProof="0" dirty="0">
+                <a:ln>
+                  <a:noFill/>
+                </a:ln>
+                <a:solidFill>
+                  <a:prstClr val="black"/>
+                </a:solidFill>
+                <a:effectLst/>
+                <a:uLnTx/>
+                <a:uFillTx/>
+                <a:latin typeface="Calibri"/>
+                <a:ea typeface="+mn-ea"/>
+                <a:cs typeface="+mn-cs"/>
+              </a:rPr>
+              <a:t>Google</a:t>
+            </a:r>
+            <a:r>
+              <a:rPr lang="en-US" sz="2800" dirty="0">
+                <a:solidFill>
+                  <a:prstClr val="black"/>
+                </a:solidFill>
+                <a:latin typeface="Calibri"/>
+                <a:cs typeface="+mn-cs"/>
+              </a:rPr>
+              <a:t> Meet</a:t>
+            </a:r>
+          </a:p>
+          <a:p>
+            <a:pPr marR="0" lvl="1" indent="-457200" algn="just" defTabSz="914400" rtl="0" eaLnBrk="0" fontAlgn="base" latinLnBrk="0" hangingPunct="0">
+              <a:lnSpc>
+                <a:spcPct val="100000"/>
+              </a:lnSpc>
+              <a:spcBef>
+                <a:spcPct val="20000"/>
+              </a:spcBef>
+              <a:spcAft>
+                <a:spcPct val="0"/>
+              </a:spcAft>
+              <a:buClrTx/>
+              <a:buSzTx/>
+              <a:buFont typeface="Arial" panose="020B0604020202020204" pitchFamily="34" charset="0"/>
+              <a:buChar char="•"/>
+              <a:tabLst/>
+              <a:defRPr/>
+            </a:pPr>
+            <a:r>
+              <a:rPr kumimoji="0" lang="en-US" sz="2800" b="0" i="0" u="none" strike="noStrike" kern="1200" cap="none" spc="0" normalizeH="0" baseline="0" noProof="0" dirty="0">
+                <a:ln>
+                  <a:noFill/>
+                </a:ln>
+                <a:solidFill>
+                  <a:prstClr val="black"/>
+                </a:solidFill>
+                <a:effectLst/>
+                <a:uLnTx/>
+                <a:uFillTx/>
+                <a:latin typeface="Calibri"/>
+                <a:ea typeface="+mn-ea"/>
+                <a:cs typeface="+mn-cs"/>
+              </a:rPr>
+              <a:t>WhatsApp</a:t>
+            </a:r>
+            <a:endParaRPr lang="en-US" sz="2800" dirty="0">
+              <a:solidFill>
+                <a:prstClr val="black"/>
+              </a:solidFill>
+              <a:latin typeface="Calibri"/>
+              <a:cs typeface="+mn-cs"/>
+            </a:endParaRPr>
+          </a:p>
+          <a:p>
+            <a:pPr marR="0" lvl="1" indent="-457200" algn="just" defTabSz="914400" rtl="0" eaLnBrk="0" fontAlgn="base" latinLnBrk="0" hangingPunct="0">
+              <a:lnSpc>
+                <a:spcPct val="100000"/>
+              </a:lnSpc>
+              <a:spcBef>
+                <a:spcPct val="20000"/>
+              </a:spcBef>
+              <a:spcAft>
+                <a:spcPct val="0"/>
+              </a:spcAft>
+              <a:buClrTx/>
+              <a:buSzTx/>
+              <a:buFont typeface="Arial" panose="020B0604020202020204" pitchFamily="34" charset="0"/>
+              <a:buChar char="•"/>
+              <a:tabLst/>
+              <a:defRPr/>
+            </a:pPr>
+            <a:r>
+              <a:rPr lang="en-US" sz="2800" dirty="0">
+                <a:solidFill>
+                  <a:prstClr val="black"/>
+                </a:solidFill>
+                <a:latin typeface="Calibri"/>
+                <a:cs typeface="+mn-cs"/>
+              </a:rPr>
+              <a:t>Mandatory Meetings with supervisor</a:t>
+            </a:r>
+          </a:p>
+          <a:p>
+            <a:pPr marR="0" lvl="1" indent="-457200" algn="just" defTabSz="914400" rtl="0" eaLnBrk="0" fontAlgn="base" latinLnBrk="0" hangingPunct="0">
+              <a:lnSpc>
+                <a:spcPct val="100000"/>
+              </a:lnSpc>
+              <a:spcBef>
+                <a:spcPct val="20000"/>
+              </a:spcBef>
+              <a:spcAft>
+                <a:spcPct val="0"/>
+              </a:spcAft>
+              <a:buClrTx/>
+              <a:buSzTx/>
+              <a:buFont typeface="Arial" panose="020B0604020202020204" pitchFamily="34" charset="0"/>
+              <a:buChar char="•"/>
+              <a:tabLst/>
+              <a:defRPr/>
+            </a:pPr>
+            <a:r>
+              <a:rPr kumimoji="0" lang="en-US" sz="2800" b="0" i="0" u="none" strike="noStrike" kern="1200" cap="none" spc="0" normalizeH="0" baseline="0" noProof="0" dirty="0">
+                <a:ln>
+                  <a:noFill/>
+                </a:ln>
+                <a:solidFill>
+                  <a:prstClr val="black"/>
+                </a:solidFill>
+                <a:effectLst/>
+                <a:uLnTx/>
+                <a:uFillTx/>
+                <a:latin typeface="Calibri"/>
+                <a:ea typeface="+mn-ea"/>
+                <a:cs typeface="+mn-cs"/>
+              </a:rPr>
+              <a:t>Email </a:t>
+            </a:r>
+          </a:p>
+          <a:p>
+            <a:pPr marR="0" lvl="1" indent="-457200" algn="just" defTabSz="914400" rtl="0" eaLnBrk="0" fontAlgn="base" latinLnBrk="0" hangingPunct="0">
+              <a:lnSpc>
+                <a:spcPct val="100000"/>
+              </a:lnSpc>
+              <a:spcBef>
+                <a:spcPct val="20000"/>
+              </a:spcBef>
+              <a:spcAft>
+                <a:spcPct val="0"/>
+              </a:spcAft>
+              <a:buClrTx/>
+              <a:buSzTx/>
+              <a:buFont typeface="Arial" panose="020B0604020202020204" pitchFamily="34" charset="0"/>
+              <a:buChar char="•"/>
+              <a:tabLst/>
+              <a:defRPr/>
+            </a:pPr>
+            <a:r>
+              <a:rPr lang="en-US" sz="2800" dirty="0">
+                <a:solidFill>
+                  <a:prstClr val="black"/>
+                </a:solidFill>
+                <a:latin typeface="Calibri"/>
+                <a:cs typeface="+mn-cs"/>
+              </a:rPr>
+              <a:t>Physical Meetings</a:t>
+            </a:r>
+          </a:p>
+          <a:p>
+            <a:pPr marR="0" lvl="1" indent="-457200" algn="just" defTabSz="914400" rtl="0" eaLnBrk="0" fontAlgn="base" latinLnBrk="0" hangingPunct="0">
+              <a:lnSpc>
+                <a:spcPct val="100000"/>
+              </a:lnSpc>
+              <a:spcBef>
+                <a:spcPct val="20000"/>
+              </a:spcBef>
+              <a:spcAft>
+                <a:spcPct val="0"/>
+              </a:spcAft>
+              <a:buClrTx/>
+              <a:buSzTx/>
+              <a:buFont typeface="Arial" panose="020B0604020202020204" pitchFamily="34" charset="0"/>
+              <a:buChar char="•"/>
+              <a:tabLst/>
+              <a:defRPr/>
+            </a:pPr>
+            <a:endParaRPr kumimoji="0" lang="en-US" sz="2800" b="0" i="0" u="none" strike="noStrike" kern="1200" cap="none" spc="0" normalizeH="0" baseline="0" noProof="0" dirty="0">
+              <a:ln>
+                <a:noFill/>
+              </a:ln>
+              <a:solidFill>
+                <a:prstClr val="black"/>
+              </a:solidFill>
+              <a:effectLst/>
+              <a:uLnTx/>
+              <a:uFillTx/>
+              <a:latin typeface="Calibri"/>
+              <a:ea typeface="+mn-ea"/>
+              <a:cs typeface="+mn-cs"/>
+            </a:endParaRPr>
           </a:p>
         </p:txBody>
       </p:sp>
     </p:spTree>
     <p:extLst>
       <p:ext uri="{BB962C8B-B14F-4D97-AF65-F5344CB8AC3E}">
-        <p14:creationId xmlns:p14="http://schemas.microsoft.com/office/powerpoint/2010/main" val="1538707367"/>
+        <p14:creationId xmlns:p14="http://schemas.microsoft.com/office/powerpoint/2010/main" val="753547619"/>
       </p:ext>
     </p:extLst>
   </p:cSld>
@@ -11380,7 +11382,7 @@
           <a:p>
             <a:r>
               <a:rPr lang="en-US" dirty="0"/>
-              <a:t>Solution</a:t>
+              <a:t>Requirements Summary</a:t>
             </a:r>
           </a:p>
         </p:txBody>
@@ -11400,9 +11402,30 @@
           <a:bodyPr/>
           <a:lstStyle/>
           <a:p>
-            <a:r>
-              <a:rPr lang="en-US" sz="2800" dirty="0"/>
-              <a:t>Our Project is based on Mobile Application that will use Artificial Intelligence to detect various skin diseases. Our proposed solution will not require customer to go for a medical checkup but through real-time image processing, he/she will be able to get the skin disease diagnostics results either by uploading images of the skin or taking photos just by sitting at home.</a:t>
+            <a:pPr marL="0" indent="0">
+              <a:buNone/>
+            </a:pPr>
+            <a:r>
+              <a:rPr lang="en-US" sz="2400" dirty="0"/>
+              <a:t>Requirement Elicitation Techniques</a:t>
+            </a:r>
+          </a:p>
+          <a:p>
+            <a:r>
+              <a:rPr lang="en-US" sz="2400" dirty="0"/>
+              <a:t>Brainstorming</a:t>
+            </a:r>
+          </a:p>
+          <a:p>
+            <a:r>
+              <a:rPr lang="en-US" sz="2400" dirty="0"/>
+              <a:t>Interviews</a:t>
+            </a:r>
+          </a:p>
+          <a:p>
+            <a:r>
+              <a:rPr lang="en-US" sz="2400" dirty="0"/>
+              <a:t>Comparative Study</a:t>
             </a:r>
           </a:p>
           <a:p>
@@ -11416,7 +11439,7 @@
     </p:spTree>
     <p:extLst>
       <p:ext uri="{BB962C8B-B14F-4D97-AF65-F5344CB8AC3E}">
-        <p14:creationId xmlns:p14="http://schemas.microsoft.com/office/powerpoint/2010/main" val="2090388478"/>
+        <p14:creationId xmlns:p14="http://schemas.microsoft.com/office/powerpoint/2010/main" val="2569178320"/>
       </p:ext>
     </p:extLst>
   </p:cSld>
@@ -11453,7 +11476,12 @@
             <p:ph type="title"/>
           </p:nvPr>
         </p:nvSpPr>
-        <p:spPr/>
+        <p:spPr>
+          <a:xfrm>
+            <a:off x="457200" y="76200"/>
+            <a:ext cx="8229600" cy="1143000"/>
+          </a:xfrm>
+        </p:spPr>
         <p:txBody>
           <a:bodyPr/>
           <a:lstStyle/>
@@ -11475,7 +11503,12 @@
             <p:ph idx="1"/>
           </p:nvPr>
         </p:nvSpPr>
-        <p:spPr/>
+        <p:spPr>
+          <a:xfrm>
+            <a:off x="800100" y="990600"/>
+            <a:ext cx="7543800" cy="3916363"/>
+          </a:xfrm>
+        </p:spPr>
         <p:txBody>
           <a:bodyPr/>
           <a:lstStyle/>
@@ -11484,40 +11517,153 @@
               <a:buNone/>
             </a:pPr>
             <a:r>
-              <a:rPr lang="en-US" sz="2400" dirty="0"/>
-              <a:t>Requirement Elicitation Techniques</a:t>
-            </a:r>
-          </a:p>
-          <a:p>
-            <a:r>
-              <a:rPr lang="en-US" sz="2400" dirty="0"/>
-              <a:t>Brainstorming</a:t>
-            </a:r>
-          </a:p>
-          <a:p>
-            <a:r>
-              <a:rPr lang="en-US" sz="2400" dirty="0"/>
-              <a:t>Interviews</a:t>
-            </a:r>
-          </a:p>
-          <a:p>
-            <a:r>
-              <a:rPr lang="en-US" sz="2400" dirty="0"/>
-              <a:t>Comparative Study</a:t>
+              <a:rPr lang="en-US" sz="2800" dirty="0"/>
+              <a:t>1) List of Stakeholders</a:t>
+            </a:r>
+          </a:p>
+          <a:p>
+            <a:r>
+              <a:rPr lang="en-US" sz="1800" dirty="0"/>
+              <a:t>User</a:t>
+            </a:r>
+          </a:p>
+          <a:p>
+            <a:r>
+              <a:rPr lang="en-US" sz="1800" dirty="0"/>
+              <a:t>Doctor</a:t>
+            </a:r>
+          </a:p>
+          <a:p>
+            <a:r>
+              <a:rPr lang="en-US" sz="1800" dirty="0"/>
+              <a:t>Pharmacist</a:t>
+            </a:r>
+          </a:p>
+          <a:p>
+            <a:r>
+              <a:rPr lang="en-US" sz="1800" dirty="0"/>
+              <a:t>Patient</a:t>
+            </a:r>
+          </a:p>
+          <a:p>
+            <a:r>
+              <a:rPr lang="en-US" sz="1800" dirty="0"/>
+              <a:t>Admin</a:t>
             </a:r>
           </a:p>
           <a:p>
             <a:pPr marL="0" indent="0">
               <a:buNone/>
             </a:pPr>
-            <a:endParaRPr lang="en-US" sz="2000" dirty="0"/>
+            <a:r>
+              <a:rPr lang="en-US" sz="2800" dirty="0"/>
+              <a:t>2) Use Cases</a:t>
+            </a:r>
+          </a:p>
+          <a:p>
+            <a:pPr marL="0" indent="0">
+              <a:buNone/>
+            </a:pPr>
+            <a:r>
+              <a:rPr lang="en-US" sz="1800" dirty="0"/>
+              <a:t>We have identified </a:t>
+            </a:r>
+            <a:r>
+              <a:rPr lang="en-US" sz="2000" dirty="0">
+                <a:solidFill>
+                  <a:schemeClr val="accent1"/>
+                </a:solidFill>
+              </a:rPr>
+              <a:t>32 use cases </a:t>
+            </a:r>
+            <a:r>
+              <a:rPr lang="en-US" sz="1800" dirty="0"/>
+              <a:t>according to requirements</a:t>
+            </a:r>
+          </a:p>
+          <a:p>
+            <a:pPr marL="0" indent="0">
+              <a:buNone/>
+            </a:pPr>
+            <a:r>
+              <a:rPr lang="en-US" sz="2800" dirty="0"/>
+              <a:t>3) Functional Requirements</a:t>
+            </a:r>
+          </a:p>
+          <a:p>
+            <a:r>
+              <a:rPr lang="en-US" sz="1800" dirty="0"/>
+              <a:t>We have identified </a:t>
+            </a:r>
+            <a:r>
+              <a:rPr lang="en-US" sz="2000" dirty="0">
+                <a:solidFill>
+                  <a:schemeClr val="accent1"/>
+                </a:solidFill>
+              </a:rPr>
+              <a:t>39 Functional Requirements.</a:t>
+            </a:r>
+          </a:p>
+          <a:p>
+            <a:r>
+              <a:rPr lang="en-US" sz="1800" dirty="0"/>
+              <a:t>Admin </a:t>
+            </a:r>
+            <a:r>
+              <a:rPr lang="en-US" sz="1800" dirty="0">
+                <a:solidFill>
+                  <a:schemeClr val="accent1"/>
+                </a:solidFill>
+              </a:rPr>
+              <a:t>18</a:t>
+            </a:r>
+            <a:r>
+              <a:rPr lang="en-US" sz="1800" dirty="0"/>
+              <a:t> FR’s</a:t>
+            </a:r>
+          </a:p>
+          <a:p>
+            <a:r>
+              <a:rPr lang="en-US" sz="1800" dirty="0"/>
+              <a:t>User </a:t>
+            </a:r>
+            <a:r>
+              <a:rPr lang="en-US" sz="1800" dirty="0">
+                <a:solidFill>
+                  <a:schemeClr val="accent1"/>
+                </a:solidFill>
+              </a:rPr>
+              <a:t>18</a:t>
+            </a:r>
+            <a:r>
+              <a:rPr lang="en-US" sz="1800" dirty="0"/>
+              <a:t> FR’s</a:t>
+            </a:r>
+          </a:p>
+          <a:p>
+            <a:r>
+              <a:rPr lang="en-US" sz="1800" dirty="0"/>
+              <a:t>System </a:t>
+            </a:r>
+            <a:r>
+              <a:rPr lang="en-US" sz="1800" dirty="0">
+                <a:solidFill>
+                  <a:schemeClr val="accent1"/>
+                </a:solidFill>
+              </a:rPr>
+              <a:t>3</a:t>
+            </a:r>
+            <a:r>
+              <a:rPr lang="en-US" sz="1800" dirty="0"/>
+              <a:t> FR’s</a:t>
+            </a:r>
           </a:p>
         </p:txBody>
       </p:sp>
     </p:spTree>
     <p:extLst>
       <p:ext uri="{BB962C8B-B14F-4D97-AF65-F5344CB8AC3E}">
-        <p14:creationId xmlns:p14="http://schemas.microsoft.com/office/powerpoint/2010/main" val="2569178320"/>
+        <p14:creationId xmlns:p14="http://schemas.microsoft.com/office/powerpoint/2010/main" val="1758611307"/>
       </p:ext>
     </p:extLst>
   </p:cSld>
@@ -11554,19 +11700,14 @@
             <p:ph type="title"/>
           </p:nvPr>
         </p:nvSpPr>
-        <p:spPr>
-          <a:xfrm>
-            <a:off x="457200" y="76200"/>
-            <a:ext cx="8229600" cy="1143000"/>
-          </a:xfrm>
-        </p:spPr>
+        <p:spPr/>
         <p:txBody>
           <a:bodyPr/>
           <a:lstStyle/>
           <a:p>
             <a:r>
               <a:rPr lang="en-US" dirty="0"/>
-              <a:t>Requirements Summary</a:t>
+              <a:t>Design Summary</a:t>
             </a:r>
           </a:p>
         </p:txBody>
@@ -11581,159 +11722,74 @@
             <p:ph idx="1"/>
           </p:nvPr>
         </p:nvSpPr>
-        <p:spPr>
-          <a:xfrm>
-            <a:off x="800100" y="990600"/>
-            <a:ext cx="7543800" cy="3916363"/>
-          </a:xfrm>
-        </p:spPr>
+        <p:spPr/>
         <p:txBody>
           <a:bodyPr/>
           <a:lstStyle/>
           <a:p>
-            <a:pPr marL="0" indent="0">
-              <a:buNone/>
+            <a:r>
+              <a:rPr lang="en-US" dirty="0"/>
+              <a:t>Detailed Design</a:t>
+            </a:r>
+          </a:p>
+          <a:p>
+            <a:pPr>
+              <a:buFont typeface="Wingdings" panose="05000000000000000000" pitchFamily="2" charset="2"/>
+              <a:buChar char="ü"/>
             </a:pPr>
             <a:r>
-              <a:rPr lang="en-US" sz="2800" dirty="0"/>
-              <a:t>1) List of Stakeholders</a:t>
-            </a:r>
-          </a:p>
-          <a:p>
-            <a:r>
-              <a:rPr lang="en-US" sz="1800" dirty="0"/>
-              <a:t>User</a:t>
-            </a:r>
-          </a:p>
-          <a:p>
-            <a:r>
-              <a:rPr lang="en-US" sz="1800" dirty="0"/>
-              <a:t>Doctor</a:t>
-            </a:r>
-          </a:p>
-          <a:p>
-            <a:r>
-              <a:rPr lang="en-US" sz="1800" dirty="0"/>
-              <a:t>Pharmacist</a:t>
-            </a:r>
-          </a:p>
-          <a:p>
-            <a:r>
-              <a:rPr lang="en-US" sz="1800" dirty="0"/>
-              <a:t>Patient</a:t>
-            </a:r>
-          </a:p>
-          <a:p>
-            <a:r>
-              <a:rPr lang="en-US" sz="1800" dirty="0"/>
-              <a:t>Admin</a:t>
-            </a:r>
-          </a:p>
-          <a:p>
-            <a:pPr marL="0" indent="0">
-              <a:buNone/>
+              <a:rPr lang="en-US" sz="2400" dirty="0"/>
+              <a:t>Architecture Design</a:t>
+            </a:r>
+          </a:p>
+          <a:p>
+            <a:pPr>
+              <a:buFont typeface="Wingdings" panose="05000000000000000000" pitchFamily="2" charset="2"/>
+              <a:buChar char="ü"/>
             </a:pPr>
             <a:r>
-              <a:rPr lang="en-US" sz="2800" dirty="0"/>
-              <a:t>2) Use Cases</a:t>
-            </a:r>
-          </a:p>
-          <a:p>
-            <a:pPr marL="0" indent="0">
-              <a:buNone/>
+              <a:rPr lang="en-US" sz="2400" dirty="0"/>
+              <a:t>Use Case Diagram</a:t>
+            </a:r>
+          </a:p>
+          <a:p>
+            <a:pPr>
+              <a:buFont typeface="Wingdings" panose="05000000000000000000" pitchFamily="2" charset="2"/>
+              <a:buChar char="ü"/>
             </a:pPr>
             <a:r>
-              <a:rPr lang="en-US" sz="1800" dirty="0"/>
-              <a:t>We have identified </a:t>
-            </a:r>
-            <a:r>
-              <a:rPr lang="en-US" sz="2000" dirty="0">
-                <a:solidFill>
-                  <a:schemeClr val="accent1"/>
-                </a:solidFill>
-              </a:rPr>
-              <a:t>32 use cases </a:t>
-            </a:r>
-            <a:r>
-              <a:rPr lang="en-US" sz="1800" dirty="0"/>
-              <a:t>according to requirements</a:t>
-            </a:r>
-          </a:p>
-          <a:p>
-            <a:pPr marL="0" indent="0">
-              <a:buNone/>
+              <a:rPr lang="en-US" sz="2400" dirty="0"/>
+              <a:t>Activity Diagram</a:t>
+            </a:r>
+          </a:p>
+          <a:p>
+            <a:pPr>
+              <a:buFont typeface="Wingdings" panose="05000000000000000000" pitchFamily="2" charset="2"/>
+              <a:buChar char="ü"/>
             </a:pPr>
             <a:r>
-              <a:rPr lang="en-US" sz="2800" dirty="0"/>
-              <a:t>3) Functional Requirements</a:t>
-            </a:r>
-          </a:p>
-          <a:p>
-            <a:r>
-              <a:rPr lang="en-US" sz="1800" dirty="0"/>
-              <a:t>We have identified </a:t>
-            </a:r>
-            <a:r>
-              <a:rPr lang="en-US" sz="2000" dirty="0">
-                <a:solidFill>
-                  <a:schemeClr val="accent1"/>
-                </a:solidFill>
-              </a:rPr>
-              <a:t>39 Functional Requirements.</a:t>
-            </a:r>
-          </a:p>
-          <a:p>
-            <a:r>
-              <a:rPr lang="en-US" sz="1800" dirty="0"/>
-              <a:t>Admin </a:t>
-            </a:r>
-            <a:r>
-              <a:rPr lang="en-US" sz="1800" dirty="0">
-                <a:solidFill>
-                  <a:schemeClr val="accent1"/>
-                </a:solidFill>
-              </a:rPr>
-              <a:t>18</a:t>
-            </a:r>
-            <a:r>
-              <a:rPr lang="en-US" sz="1800" dirty="0"/>
-              <a:t> FR’s</a:t>
-            </a:r>
-          </a:p>
-          <a:p>
-            <a:r>
-              <a:rPr lang="en-US" sz="1800" dirty="0"/>
-              <a:t>User </a:t>
-            </a:r>
-            <a:r>
-              <a:rPr lang="en-US" sz="1800" dirty="0">
-                <a:solidFill>
-                  <a:schemeClr val="accent1"/>
-                </a:solidFill>
-              </a:rPr>
-              <a:t>18</a:t>
-            </a:r>
-            <a:r>
-              <a:rPr lang="en-US" sz="1800" dirty="0"/>
-              <a:t> FR’s</a:t>
-            </a:r>
-          </a:p>
-          <a:p>
-            <a:r>
-              <a:rPr lang="en-US" sz="1800" dirty="0"/>
-              <a:t>System </a:t>
-            </a:r>
-            <a:r>
-              <a:rPr lang="en-US" sz="1800" dirty="0">
-                <a:solidFill>
-                  <a:schemeClr val="accent1"/>
-                </a:solidFill>
-              </a:rPr>
-              <a:t>3</a:t>
-            </a:r>
-            <a:r>
-              <a:rPr lang="en-US" sz="1800" dirty="0"/>
-              <a:t> FR’s</a:t>
+              <a:rPr lang="en-US" sz="2400" dirty="0"/>
+              <a:t>Sequence Diagram</a:t>
+            </a:r>
+          </a:p>
+          <a:p>
+            <a:pPr>
+              <a:buFont typeface="Wingdings" panose="05000000000000000000" pitchFamily="2" charset="2"/>
+              <a:buChar char="ü"/>
+            </a:pPr>
+            <a:r>
+              <a:rPr lang="en-US" sz="2400" dirty="0"/>
+              <a:t>Data Model Diagram</a:t>
+            </a:r>
+          </a:p>
+          <a:p>
+            <a:pPr>
+              <a:buFont typeface="Wingdings" panose="05000000000000000000" pitchFamily="2" charset="2"/>
+              <a:buChar char="ü"/>
+            </a:pPr>
+            <a:r>
+              <a:rPr lang="en-US" sz="2400" dirty="0"/>
+              <a:t>Deployment Diagram</a:t>
             </a:r>
           </a:p>
         </p:txBody>
@@ -11741,7 +11797,7 @@
     </p:spTree>
     <p:extLst>
       <p:ext uri="{BB962C8B-B14F-4D97-AF65-F5344CB8AC3E}">
-        <p14:creationId xmlns:p14="http://schemas.microsoft.com/office/powerpoint/2010/main" val="1758611307"/>
+        <p14:creationId xmlns:p14="http://schemas.microsoft.com/office/powerpoint/2010/main" val="3453986911"/>
       </p:ext>
     </p:extLst>
   </p:cSld>
@@ -11785,7 +11841,7 @@
           <a:p>
             <a:r>
               <a:rPr lang="en-US" dirty="0"/>
-              <a:t>Design Summary</a:t>
+              <a:t>Implementation</a:t>
             </a:r>
           </a:p>
         </p:txBody>
@@ -11805,77 +11861,73 @@
           <a:bodyPr/>
           <a:lstStyle/>
           <a:p>
+            <a:pPr marL="0" indent="0">
+              <a:buNone/>
+            </a:pPr>
             <a:r>
               <a:rPr lang="en-US" dirty="0"/>
-              <a:t>Detailed Design</a:t>
+              <a:t>List of Development Tools</a:t>
             </a:r>
           </a:p>
           <a:p>
             <a:pPr>
-              <a:buFont typeface="Wingdings" panose="05000000000000000000" pitchFamily="2" charset="2"/>
-              <a:buChar char="ü"/>
+              <a:buFont typeface="Arial" panose="020B0604020202020204" pitchFamily="34" charset="0"/>
+              <a:buChar char="•"/>
             </a:pPr>
             <a:r>
-              <a:rPr lang="en-US" sz="2400" dirty="0"/>
-              <a:t>Architecture Design</a:t>
+              <a:rPr lang="en-US" sz="2800" dirty="0"/>
+              <a:t>Android Studio</a:t>
             </a:r>
           </a:p>
           <a:p>
             <a:pPr>
-              <a:buFont typeface="Wingdings" panose="05000000000000000000" pitchFamily="2" charset="2"/>
-              <a:buChar char="ü"/>
+              <a:buFont typeface="Arial" panose="020B0604020202020204" pitchFamily="34" charset="0"/>
+              <a:buChar char="•"/>
             </a:pPr>
             <a:r>
-              <a:rPr lang="en-US" sz="2400" dirty="0"/>
-              <a:t>Use Case Diagram</a:t>
+              <a:rPr lang="en-US" sz="2800" dirty="0"/>
+              <a:t>Visual Studio Code</a:t>
             </a:r>
           </a:p>
           <a:p>
             <a:pPr>
-              <a:buFont typeface="Wingdings" panose="05000000000000000000" pitchFamily="2" charset="2"/>
-              <a:buChar char="ü"/>
+              <a:buFont typeface="Arial" panose="020B0604020202020204" pitchFamily="34" charset="0"/>
+              <a:buChar char="•"/>
             </a:pPr>
             <a:r>
-              <a:rPr lang="en-US" sz="2400" dirty="0"/>
-              <a:t>Activity Diagram</a:t>
+              <a:rPr lang="en-US" sz="2800" dirty="0"/>
+              <a:t>Atom</a:t>
             </a:r>
           </a:p>
           <a:p>
             <a:pPr>
-              <a:buFont typeface="Wingdings" panose="05000000000000000000" pitchFamily="2" charset="2"/>
-              <a:buChar char="ü"/>
+              <a:buFont typeface="Arial" panose="020B0604020202020204" pitchFamily="34" charset="0"/>
+              <a:buChar char="•"/>
             </a:pPr>
             <a:r>
-              <a:rPr lang="en-US" sz="2400" dirty="0"/>
-              <a:t>Sequence Diagram</a:t>
+              <a:rPr lang="en-US" sz="2800" dirty="0"/>
+              <a:t>Visual Paradigm</a:t>
             </a:r>
           </a:p>
           <a:p>
             <a:pPr>
-              <a:buFont typeface="Wingdings" panose="05000000000000000000" pitchFamily="2" charset="2"/>
-              <a:buChar char="ü"/>
+              <a:buFont typeface="Arial" panose="020B0604020202020204" pitchFamily="34" charset="0"/>
+              <a:buChar char="•"/>
             </a:pPr>
             <a:r>
-              <a:rPr lang="en-US" sz="2400" dirty="0"/>
-              <a:t>Data Model Diagram</a:t>
-            </a:r>
-          </a:p>
-          <a:p>
-            <a:pPr>
-              <a:buFont typeface="Wingdings" panose="05000000000000000000" pitchFamily="2" charset="2"/>
-              <a:buChar char="ü"/>
-            </a:pPr>
-            <a:r>
-              <a:rPr lang="en-US" sz="2400" dirty="0"/>
-              <a:t>Deployment Diagram</a:t>
-            </a:r>
+              <a:rPr lang="en-US" sz="2800" dirty="0"/>
+              <a:t>M.s Word</a:t>
+            </a:r>
+          </a:p>
+          <a:p>
+            <a:endParaRPr lang="en-US" dirty="0"/>
           </a:p>
         </p:txBody>
       </p:sp>
     </p:spTree>
     <p:extLst>
       <p:ext uri="{BB962C8B-B14F-4D97-AF65-F5344CB8AC3E}">
-        <p14:creationId xmlns:p14="http://schemas.microsoft.com/office/powerpoint/2010/main" val="3453986911"/>
+        <p14:creationId xmlns:p14="http://schemas.microsoft.com/office/powerpoint/2010/main" val="2923985099"/>
       </p:ext>
     </p:extLst>
   </p:cSld>
@@ -11944,68 +11996,52 @@
             </a:pPr>
             <a:r>
               <a:rPr lang="en-US" dirty="0"/>
-              <a:t>List of Development Tools</a:t>
-            </a:r>
-          </a:p>
-          <a:p>
-            <a:pPr>
-              <a:buFont typeface="Arial" panose="020B0604020202020204" pitchFamily="34" charset="0"/>
-              <a:buChar char="•"/>
-            </a:pPr>
-            <a:r>
-              <a:rPr lang="en-US" sz="2800" dirty="0"/>
-              <a:t>Android Studio</a:t>
-            </a:r>
-          </a:p>
-          <a:p>
-            <a:pPr>
-              <a:buFont typeface="Arial" panose="020B0604020202020204" pitchFamily="34" charset="0"/>
-              <a:buChar char="•"/>
-            </a:pPr>
-            <a:r>
-              <a:rPr lang="en-US" sz="2800" dirty="0"/>
-              <a:t>Visual Studio Code</a:t>
-            </a:r>
-          </a:p>
-          <a:p>
-            <a:pPr>
-              <a:buFont typeface="Arial" panose="020B0604020202020204" pitchFamily="34" charset="0"/>
-              <a:buChar char="•"/>
-            </a:pPr>
-            <a:r>
-              <a:rPr lang="en-US" sz="2800" dirty="0"/>
-              <a:t>Atom</a:t>
-            </a:r>
-          </a:p>
-          <a:p>
-            <a:pPr>
-              <a:buFont typeface="Arial" panose="020B0604020202020204" pitchFamily="34" charset="0"/>
-              <a:buChar char="•"/>
-            </a:pPr>
-            <a:r>
-              <a:rPr lang="en-US" sz="2800" dirty="0"/>
-              <a:t>Visual Paradigm</a:t>
-            </a:r>
-          </a:p>
-          <a:p>
-            <a:pPr>
-              <a:buFont typeface="Arial" panose="020B0604020202020204" pitchFamily="34" charset="0"/>
-              <a:buChar char="•"/>
-            </a:pPr>
-            <a:r>
-              <a:rPr lang="en-US" sz="2800" dirty="0"/>
-              <a:t>M.s Word</a:t>
-            </a:r>
-          </a:p>
-          <a:p>
-            <a:endParaRPr lang="en-US" dirty="0"/>
+              <a:t>List of Development Technologies</a:t>
+            </a:r>
+          </a:p>
+          <a:p>
+            <a:r>
+              <a:rPr lang="en-US" sz="2400" dirty="0"/>
+              <a:t>Flutter</a:t>
+            </a:r>
+          </a:p>
+          <a:p>
+            <a:r>
+              <a:rPr lang="en-US" sz="2400" dirty="0"/>
+              <a:t>Dart</a:t>
+            </a:r>
+          </a:p>
+          <a:p>
+            <a:r>
+              <a:rPr lang="en-US" sz="2400" dirty="0"/>
+              <a:t>Bootstrap</a:t>
+            </a:r>
+          </a:p>
+          <a:p>
+            <a:r>
+              <a:rPr lang="en-US" sz="2400" dirty="0"/>
+              <a:t>HTML5</a:t>
+            </a:r>
+          </a:p>
+          <a:p>
+            <a:r>
+              <a:rPr lang="en-US" sz="2400" dirty="0"/>
+              <a:t>CSS3</a:t>
+            </a:r>
+          </a:p>
+          <a:p>
+            <a:r>
+              <a:rPr lang="en-US" sz="2400" dirty="0" err="1"/>
+              <a:t>Php</a:t>
+            </a:r>
+            <a:endParaRPr lang="en-US" sz="2400" dirty="0"/>
           </a:p>
         </p:txBody>
       </p:sp>
     </p:spTree>
     <p:extLst>
       <p:ext uri="{BB962C8B-B14F-4D97-AF65-F5344CB8AC3E}">
-        <p14:creationId xmlns:p14="http://schemas.microsoft.com/office/powerpoint/2010/main" val="2923985099"/>
+        <p14:creationId xmlns:p14="http://schemas.microsoft.com/office/powerpoint/2010/main" val="1159172663"/>
       </p:ext>
     </p:extLst>
   </p:cSld>
@@ -12074,120 +12110,6 @@
             </a:pPr>
             <a:r>
               <a:rPr lang="en-US" dirty="0"/>
-              <a:t>List of Development Technologies</a:t>
-            </a:r>
-          </a:p>
-          <a:p>
-            <a:r>
-              <a:rPr lang="en-US" sz="2400" dirty="0"/>
-              <a:t>Flutter</a:t>
-            </a:r>
-          </a:p>
-          <a:p>
-            <a:r>
-              <a:rPr lang="en-US" sz="2400" dirty="0"/>
-              <a:t>Dart</a:t>
-            </a:r>
-          </a:p>
-          <a:p>
-            <a:r>
-              <a:rPr lang="en-US" sz="2400" dirty="0"/>
-              <a:t>Bootstrap</a:t>
-            </a:r>
-          </a:p>
-          <a:p>
-            <a:r>
-              <a:rPr lang="en-US" sz="2400" dirty="0"/>
-              <a:t>HTML5</a:t>
-            </a:r>
-          </a:p>
-          <a:p>
-            <a:r>
-              <a:rPr lang="en-US" sz="2400" dirty="0"/>
-              <a:t>CSS3</a:t>
-            </a:r>
-          </a:p>
-          <a:p>
-            <a:r>
-              <a:rPr lang="en-US" sz="2400" dirty="0" err="1"/>
-              <a:t>Php</a:t>
-            </a:r>
-            <a:endParaRPr lang="en-US" sz="2400" dirty="0"/>
-          </a:p>
-        </p:txBody>
-      </p:sp>
-    </p:spTree>
-    <p:extLst>
-      <p:ext uri="{BB962C8B-B14F-4D97-AF65-F5344CB8AC3E}">
-        <p14:creationId xmlns:p14="http://schemas.microsoft.com/office/powerpoint/2010/main" val="1159172663"/>
-      </p:ext>
-    </p:extLst>
-  </p:cSld>
-  <p:clrMapOvr>
-    <a:masterClrMapping/>
-  </p:clrMapOvr>
-</p:sld>
-</file>
-
-<file path=ppt/slides/slide28.xml><?xml version="1.0" encoding="utf-8"?>
-<p:sld xmlns:a="http://schemas.openxmlformats.org/drawingml/2006/main" xmlns:r="http://schemas.openxmlformats.org/officeDocument/2006/relationships" xmlns:p="http://schemas.openxmlformats.org/presentationml/2006/main">
-  <p:cSld>
-    <p:spTree>
-      <p:nvGrpSpPr>
-        <p:cNvPr id="1" name=""/>
-        <p:cNvGrpSpPr/>
-        <p:nvPr/>
-      </p:nvGrpSpPr>
-      <p:grpSpPr>
-        <a:xfrm>
-          <a:off x="0" y="0"/>
-          <a:ext cx="0" cy="0"/>
-          <a:chOff x="0" y="0"/>
-          <a:chExt cx="0" cy="0"/>
-        </a:xfrm>
-      </p:grpSpPr>
-      <p:sp>
-        <p:nvSpPr>
-          <p:cNvPr id="2" name="Title 1"/>
-          <p:cNvSpPr>
-            <a:spLocks noGrp="1"/>
-          </p:cNvSpPr>
-          <p:nvPr>
-            <p:ph type="title"/>
-          </p:nvPr>
-        </p:nvSpPr>
-        <p:spPr/>
-        <p:txBody>
-          <a:bodyPr/>
-          <a:lstStyle/>
-          <a:p>
-            <a:r>
-              <a:rPr lang="en-US" dirty="0"/>
-              <a:t>Implementation</a:t>
-            </a:r>
-          </a:p>
-        </p:txBody>
-      </p:sp>
-      <p:sp>
-        <p:nvSpPr>
-          <p:cNvPr id="3" name="Content Placeholder 2"/>
-          <p:cNvSpPr>
-            <a:spLocks noGrp="1"/>
-          </p:cNvSpPr>
-          <p:nvPr>
-            <p:ph idx="1"/>
-          </p:nvPr>
-        </p:nvSpPr>
-        <p:spPr/>
-        <p:txBody>
-          <a:bodyPr/>
-          <a:lstStyle/>
-          <a:p>
-            <a:pPr marL="0" indent="0">
-              <a:buNone/>
-            </a:pPr>
-            <a:r>
-              <a:rPr lang="en-US" dirty="0"/>
               <a:t>List of Libraries/Components</a:t>
             </a:r>
           </a:p>
@@ -12224,7 +12146,7 @@
 </p:sld>
 </file>
 
-<file path=ppt/slides/slide29.xml><?xml version="1.0" encoding="utf-8"?>
+<file path=ppt/slides/slide28.xml><?xml version="1.0" encoding="utf-8"?>
 <p:sld xmlns:a="http://schemas.openxmlformats.org/drawingml/2006/main" xmlns:r="http://schemas.openxmlformats.org/officeDocument/2006/relationships" xmlns:p="http://schemas.openxmlformats.org/presentationml/2006/main">
   <p:cSld>
     <p:spTree>
@@ -12552,141 +12474,7 @@
 </p:sld>
 </file>
 
-<file path=ppt/slides/slide3.xml><?xml version="1.0" encoding="utf-8"?>
-<p:sld xmlns:a="http://schemas.openxmlformats.org/drawingml/2006/main" xmlns:r="http://schemas.openxmlformats.org/officeDocument/2006/relationships" xmlns:p="http://schemas.openxmlformats.org/presentationml/2006/main">
-  <p:cSld>
-    <p:spTree>
-      <p:nvGrpSpPr>
-        <p:cNvPr id="1" name=""/>
-        <p:cNvGrpSpPr/>
-        <p:nvPr/>
-      </p:nvGrpSpPr>
-      <p:grpSpPr>
-        <a:xfrm>
-          <a:off x="0" y="0"/>
-          <a:ext cx="0" cy="0"/>
-          <a:chOff x="0" y="0"/>
-          <a:chExt cx="0" cy="0"/>
-        </a:xfrm>
-      </p:grpSpPr>
-      <p:sp>
-        <p:nvSpPr>
-          <p:cNvPr id="4098" name="Title 1"/>
-          <p:cNvSpPr>
-            <a:spLocks noGrp="1"/>
-          </p:cNvSpPr>
-          <p:nvPr>
-            <p:ph type="title"/>
-          </p:nvPr>
-        </p:nvSpPr>
-        <p:spPr/>
-        <p:txBody>
-          <a:bodyPr/>
-          <a:lstStyle/>
-          <a:p>
-            <a:pPr eaLnBrk="1" hangingPunct="1"/>
-            <a:r>
-              <a:rPr lang="en-US"/>
-              <a:t>Table of Content</a:t>
-            </a:r>
-          </a:p>
-        </p:txBody>
-      </p:sp>
-      <p:sp>
-        <p:nvSpPr>
-          <p:cNvPr id="4099" name="Content Placeholder 2"/>
-          <p:cNvSpPr>
-            <a:spLocks noGrp="1"/>
-          </p:cNvSpPr>
-          <p:nvPr>
-            <p:ph idx="1"/>
-          </p:nvPr>
-        </p:nvSpPr>
-        <p:spPr/>
-        <p:txBody>
-          <a:bodyPr/>
-          <a:lstStyle/>
-          <a:p>
-            <a:pPr eaLnBrk="1" hangingPunct="1"/>
-            <a:r>
-              <a:rPr lang="en-US" sz="2400" dirty="0"/>
-              <a:t>Opportunity &amp; Stakeholders </a:t>
-            </a:r>
-          </a:p>
-          <a:p>
-            <a:pPr eaLnBrk="1" hangingPunct="1"/>
-            <a:r>
-              <a:rPr lang="en-US" sz="2400" dirty="0"/>
-              <a:t>Existing Systems</a:t>
-            </a:r>
-          </a:p>
-          <a:p>
-            <a:pPr eaLnBrk="1" hangingPunct="1"/>
-            <a:r>
-              <a:rPr lang="en-US" sz="2400" dirty="0"/>
-              <a:t>Problem Statement</a:t>
-            </a:r>
-          </a:p>
-          <a:p>
-            <a:pPr eaLnBrk="1" hangingPunct="1"/>
-            <a:r>
-              <a:rPr lang="en-US" sz="2400" dirty="0"/>
-              <a:t>Endeavour (Team + Work + Way of Working)</a:t>
-            </a:r>
-          </a:p>
-          <a:p>
-            <a:pPr eaLnBrk="1" hangingPunct="1"/>
-            <a:r>
-              <a:rPr lang="en-US" sz="2400" dirty="0"/>
-              <a:t>System</a:t>
-            </a:r>
-          </a:p>
-          <a:p>
-            <a:pPr lvl="1" eaLnBrk="1" hangingPunct="1"/>
-            <a:r>
-              <a:rPr lang="en-US" sz="2000" dirty="0"/>
-              <a:t>Requirements Summary</a:t>
-            </a:r>
-          </a:p>
-          <a:p>
-            <a:pPr lvl="1" eaLnBrk="1" hangingPunct="1"/>
-            <a:r>
-              <a:rPr lang="en-US" sz="2000" dirty="0"/>
-              <a:t>Design Summary</a:t>
-            </a:r>
-          </a:p>
-          <a:p>
-            <a:pPr lvl="1" eaLnBrk="1" hangingPunct="1"/>
-            <a:r>
-              <a:rPr lang="en-US" sz="2000" dirty="0"/>
-              <a:t>Implementation Summary</a:t>
-            </a:r>
-          </a:p>
-          <a:p>
-            <a:pPr lvl="1" eaLnBrk="1" hangingPunct="1"/>
-            <a:r>
-              <a:rPr lang="en-US" sz="2000" dirty="0"/>
-              <a:t>Testing &amp; Evaluation Summary</a:t>
-            </a:r>
-          </a:p>
-          <a:p>
-            <a:pPr eaLnBrk="1" hangingPunct="1"/>
-            <a:r>
-              <a:rPr lang="en-US" sz="2400" dirty="0"/>
-              <a:t>Conclusion and Outlook</a:t>
-            </a:r>
-          </a:p>
-        </p:txBody>
-      </p:sp>
-    </p:spTree>
-  </p:cSld>
-  <p:clrMapOvr>
-    <a:masterClrMapping/>
-  </p:clrMapOvr>
-</p:sld>
-</file>
-
-<file path=ppt/slides/slide30.xml><?xml version="1.0" encoding="utf-8"?>
+<file path=ppt/slides/slide29.xml><?xml version="1.0" encoding="utf-8"?>
 <p:sld xmlns:a="http://schemas.openxmlformats.org/drawingml/2006/main" xmlns:r="http://schemas.openxmlformats.org/officeDocument/2006/relationships" xmlns:p="http://schemas.openxmlformats.org/presentationml/2006/main">
   <p:cSld>
     <p:spTree>
@@ -12770,7 +12558,141 @@
 </p:sld>
 </file>
 
-<file path=ppt/slides/slide31.xml><?xml version="1.0" encoding="utf-8"?>
+<file path=ppt/slides/slide3.xml><?xml version="1.0" encoding="utf-8"?>
+<p:sld xmlns:a="http://schemas.openxmlformats.org/drawingml/2006/main" xmlns:r="http://schemas.openxmlformats.org/officeDocument/2006/relationships" xmlns:p="http://schemas.openxmlformats.org/presentationml/2006/main">
+  <p:cSld>
+    <p:spTree>
+      <p:nvGrpSpPr>
+        <p:cNvPr id="1" name=""/>
+        <p:cNvGrpSpPr/>
+        <p:nvPr/>
+      </p:nvGrpSpPr>
+      <p:grpSpPr>
+        <a:xfrm>
+          <a:off x="0" y="0"/>
+          <a:ext cx="0" cy="0"/>
+          <a:chOff x="0" y="0"/>
+          <a:chExt cx="0" cy="0"/>
+        </a:xfrm>
+      </p:grpSpPr>
+      <p:sp>
+        <p:nvSpPr>
+          <p:cNvPr id="4098" name="Title 1"/>
+          <p:cNvSpPr>
+            <a:spLocks noGrp="1"/>
+          </p:cNvSpPr>
+          <p:nvPr>
+            <p:ph type="title"/>
+          </p:nvPr>
+        </p:nvSpPr>
+        <p:spPr/>
+        <p:txBody>
+          <a:bodyPr/>
+          <a:lstStyle/>
+          <a:p>
+            <a:pPr eaLnBrk="1" hangingPunct="1"/>
+            <a:r>
+              <a:rPr lang="en-US"/>
+              <a:t>Table of Content</a:t>
+            </a:r>
+          </a:p>
+        </p:txBody>
+      </p:sp>
+      <p:sp>
+        <p:nvSpPr>
+          <p:cNvPr id="4099" name="Content Placeholder 2"/>
+          <p:cNvSpPr>
+            <a:spLocks noGrp="1"/>
+          </p:cNvSpPr>
+          <p:nvPr>
+            <p:ph idx="1"/>
+          </p:nvPr>
+        </p:nvSpPr>
+        <p:spPr/>
+        <p:txBody>
+          <a:bodyPr/>
+          <a:lstStyle/>
+          <a:p>
+            <a:pPr eaLnBrk="1" hangingPunct="1"/>
+            <a:r>
+              <a:rPr lang="en-US" sz="2400" dirty="0"/>
+              <a:t>Opportunity &amp; Stakeholders </a:t>
+            </a:r>
+          </a:p>
+          <a:p>
+            <a:pPr eaLnBrk="1" hangingPunct="1"/>
+            <a:r>
+              <a:rPr lang="en-US" sz="2400" dirty="0"/>
+              <a:t>Existing Systems</a:t>
+            </a:r>
+          </a:p>
+          <a:p>
+            <a:pPr eaLnBrk="1" hangingPunct="1"/>
+            <a:r>
+              <a:rPr lang="en-US" sz="2400" dirty="0"/>
+              <a:t>Problem Statement</a:t>
+            </a:r>
+          </a:p>
+          <a:p>
+            <a:pPr eaLnBrk="1" hangingPunct="1"/>
+            <a:r>
+              <a:rPr lang="en-US" sz="2400" dirty="0"/>
+              <a:t>Endeavour (Team + Work + Way of Working)</a:t>
+            </a:r>
+          </a:p>
+          <a:p>
+            <a:pPr eaLnBrk="1" hangingPunct="1"/>
+            <a:r>
+              <a:rPr lang="en-US" sz="2400" dirty="0"/>
+              <a:t>System</a:t>
+            </a:r>
+          </a:p>
+          <a:p>
+            <a:pPr lvl="1" eaLnBrk="1" hangingPunct="1"/>
+            <a:r>
+              <a:rPr lang="en-US" sz="2000" dirty="0"/>
+              <a:t>Requirements Summary</a:t>
+            </a:r>
+          </a:p>
+          <a:p>
+            <a:pPr lvl="1" eaLnBrk="1" hangingPunct="1"/>
+            <a:r>
+              <a:rPr lang="en-US" sz="2000" dirty="0"/>
+              <a:t>Design Summary</a:t>
+            </a:r>
+          </a:p>
+          <a:p>
+            <a:pPr lvl="1" eaLnBrk="1" hangingPunct="1"/>
+            <a:r>
+              <a:rPr lang="en-US" sz="2000" dirty="0"/>
+              <a:t>Implementation Summary</a:t>
+            </a:r>
+          </a:p>
+          <a:p>
+            <a:pPr lvl="1" eaLnBrk="1" hangingPunct="1"/>
+            <a:r>
+              <a:rPr lang="en-US" sz="2000" dirty="0"/>
+              <a:t>Testing &amp; Evaluation Summary</a:t>
+            </a:r>
+          </a:p>
+          <a:p>
+            <a:pPr eaLnBrk="1" hangingPunct="1"/>
+            <a:r>
+              <a:rPr lang="en-US" sz="2400" dirty="0"/>
+              <a:t>Conclusion and Outlook</a:t>
+            </a:r>
+          </a:p>
+        </p:txBody>
+      </p:sp>
+    </p:spTree>
+  </p:cSld>
+  <p:clrMapOvr>
+    <a:masterClrMapping/>
+  </p:clrMapOvr>
+</p:sld>
+</file>
+
+<file path=ppt/slides/slide30.xml><?xml version="1.0" encoding="utf-8"?>
 <p:sld xmlns:a="http://schemas.openxmlformats.org/drawingml/2006/main" xmlns:r="http://schemas.openxmlformats.org/officeDocument/2006/relationships" xmlns:p="http://schemas.openxmlformats.org/presentationml/2006/main">
   <p:cSld>
     <p:spTree>
@@ -12866,7 +12788,7 @@
 </p:sld>
 </file>
 
-<file path=ppt/slides/slide32.xml><?xml version="1.0" encoding="utf-8"?>
+<file path=ppt/slides/slide31.xml><?xml version="1.0" encoding="utf-8"?>
 <p:sld xmlns:a="http://schemas.openxmlformats.org/drawingml/2006/main" xmlns:r="http://schemas.openxmlformats.org/officeDocument/2006/relationships" xmlns:p="http://schemas.openxmlformats.org/presentationml/2006/main">
   <p:cSld>
     <p:spTree>
